--- a/STT465_15.pptx
+++ b/STT465_15.pptx
@@ -5,27 +5,18 @@
     <p:sldMasterId id="2147483648" r:id="rId1"/>
   </p:sldMasterIdLst>
   <p:notesMasterIdLst>
-    <p:notesMasterId r:id="rId20"/>
+    <p:notesMasterId r:id="rId11"/>
   </p:notesMasterIdLst>
   <p:sldIdLst>
     <p:sldId id="338" r:id="rId2"/>
     <p:sldId id="382" r:id="rId3"/>
     <p:sldId id="392" r:id="rId4"/>
-    <p:sldId id="393" r:id="rId5"/>
-    <p:sldId id="391" r:id="rId6"/>
-    <p:sldId id="390" r:id="rId7"/>
-    <p:sldId id="374" r:id="rId8"/>
-    <p:sldId id="388" r:id="rId9"/>
-    <p:sldId id="375" r:id="rId10"/>
-    <p:sldId id="376" r:id="rId11"/>
-    <p:sldId id="377" r:id="rId12"/>
-    <p:sldId id="378" r:id="rId13"/>
-    <p:sldId id="380" r:id="rId14"/>
-    <p:sldId id="383" r:id="rId15"/>
-    <p:sldId id="381" r:id="rId16"/>
-    <p:sldId id="384" r:id="rId17"/>
-    <p:sldId id="385" r:id="rId18"/>
-    <p:sldId id="389" r:id="rId19"/>
+    <p:sldId id="394" r:id="rId5"/>
+    <p:sldId id="395" r:id="rId6"/>
+    <p:sldId id="396" r:id="rId7"/>
+    <p:sldId id="397" r:id="rId8"/>
+    <p:sldId id="391" r:id="rId9"/>
+    <p:sldId id="398" r:id="rId10"/>
   </p:sldIdLst>
   <p:sldSz cx="9144000" cy="6858000" type="screen4x3"/>
   <p:notesSz cx="6858000" cy="9144000"/>
@@ -216,7 +207,7 @@
             <a:fld id="{EC2AD4C0-0FC1-44D9-A720-D776D6428221}" type="datetimeFigureOut">
               <a:rPr lang="en-US" smtClean="0"/>
               <a:pPr/>
-              <a:t>12/6/15</a:t>
+              <a:t>12/7/15</a:t>
             </a:fld>
             <a:endParaRPr lang="en-US"/>
           </a:p>
@@ -569,252 +560,6 @@
 </p:notes>
 </file>
 
-<file path=ppt/notesSlides/notesSlide10.xml><?xml version="1.0" encoding="utf-8"?>
-<p:notes xmlns:a="http://schemas.openxmlformats.org/drawingml/2006/main" xmlns:r="http://schemas.openxmlformats.org/officeDocument/2006/relationships" xmlns:p="http://schemas.openxmlformats.org/presentationml/2006/main">
-  <p:cSld>
-    <p:spTree>
-      <p:nvGrpSpPr>
-        <p:cNvPr id="1" name=""/>
-        <p:cNvGrpSpPr/>
-        <p:nvPr/>
-      </p:nvGrpSpPr>
-      <p:grpSpPr>
-        <a:xfrm>
-          <a:off x="0" y="0"/>
-          <a:ext cx="0" cy="0"/>
-          <a:chOff x="0" y="0"/>
-          <a:chExt cx="0" cy="0"/>
-        </a:xfrm>
-      </p:grpSpPr>
-      <p:sp>
-        <p:nvSpPr>
-          <p:cNvPr id="2" name="Slide Image Placeholder 1"/>
-          <p:cNvSpPr>
-            <a:spLocks noGrp="1" noRot="1" noChangeAspect="1"/>
-          </p:cNvSpPr>
-          <p:nvPr>
-            <p:ph type="sldImg"/>
-          </p:nvPr>
-        </p:nvSpPr>
-        <p:spPr/>
-      </p:sp>
-      <p:sp>
-        <p:nvSpPr>
-          <p:cNvPr id="3" name="Notes Placeholder 2"/>
-          <p:cNvSpPr>
-            <a:spLocks noGrp="1"/>
-          </p:cNvSpPr>
-          <p:nvPr>
-            <p:ph type="body" idx="1"/>
-          </p:nvPr>
-        </p:nvSpPr>
-        <p:spPr/>
-        <p:txBody>
-          <a:bodyPr>
-            <a:normAutofit/>
-          </a:bodyPr>
-          <a:lstStyle/>
-          <a:p>
-            <a:endParaRPr lang="en-US" dirty="0"/>
-          </a:p>
-        </p:txBody>
-      </p:sp>
-      <p:sp>
-        <p:nvSpPr>
-          <p:cNvPr id="4" name="Slide Number Placeholder 3"/>
-          <p:cNvSpPr>
-            <a:spLocks noGrp="1"/>
-          </p:cNvSpPr>
-          <p:nvPr>
-            <p:ph type="sldNum" sz="quarter" idx="10"/>
-          </p:nvPr>
-        </p:nvSpPr>
-        <p:spPr/>
-        <p:txBody>
-          <a:bodyPr/>
-          <a:lstStyle/>
-          <a:p>
-            <a:fld id="{CACBEE2F-8C26-493F-9430-82D1D1B7C623}" type="slidenum">
-              <a:rPr lang="en-US" smtClean="0"/>
-              <a:pPr/>
-              <a:t>16</a:t>
-            </a:fld>
-            <a:endParaRPr lang="en-US"/>
-          </a:p>
-        </p:txBody>
-      </p:sp>
-    </p:spTree>
-  </p:cSld>
-  <p:clrMapOvr>
-    <a:masterClrMapping/>
-  </p:clrMapOvr>
-</p:notes>
-</file>
-
-<file path=ppt/notesSlides/notesSlide11.xml><?xml version="1.0" encoding="utf-8"?>
-<p:notes xmlns:a="http://schemas.openxmlformats.org/drawingml/2006/main" xmlns:r="http://schemas.openxmlformats.org/officeDocument/2006/relationships" xmlns:p="http://schemas.openxmlformats.org/presentationml/2006/main">
-  <p:cSld>
-    <p:spTree>
-      <p:nvGrpSpPr>
-        <p:cNvPr id="1" name=""/>
-        <p:cNvGrpSpPr/>
-        <p:nvPr/>
-      </p:nvGrpSpPr>
-      <p:grpSpPr>
-        <a:xfrm>
-          <a:off x="0" y="0"/>
-          <a:ext cx="0" cy="0"/>
-          <a:chOff x="0" y="0"/>
-          <a:chExt cx="0" cy="0"/>
-        </a:xfrm>
-      </p:grpSpPr>
-      <p:sp>
-        <p:nvSpPr>
-          <p:cNvPr id="2" name="Slide Image Placeholder 1"/>
-          <p:cNvSpPr>
-            <a:spLocks noGrp="1" noRot="1" noChangeAspect="1"/>
-          </p:cNvSpPr>
-          <p:nvPr>
-            <p:ph type="sldImg"/>
-          </p:nvPr>
-        </p:nvSpPr>
-        <p:spPr/>
-      </p:sp>
-      <p:sp>
-        <p:nvSpPr>
-          <p:cNvPr id="3" name="Notes Placeholder 2"/>
-          <p:cNvSpPr>
-            <a:spLocks noGrp="1"/>
-          </p:cNvSpPr>
-          <p:nvPr>
-            <p:ph type="body" idx="1"/>
-          </p:nvPr>
-        </p:nvSpPr>
-        <p:spPr/>
-        <p:txBody>
-          <a:bodyPr>
-            <a:normAutofit/>
-          </a:bodyPr>
-          <a:lstStyle/>
-          <a:p>
-            <a:endParaRPr lang="en-US" dirty="0"/>
-          </a:p>
-        </p:txBody>
-      </p:sp>
-      <p:sp>
-        <p:nvSpPr>
-          <p:cNvPr id="4" name="Slide Number Placeholder 3"/>
-          <p:cNvSpPr>
-            <a:spLocks noGrp="1"/>
-          </p:cNvSpPr>
-          <p:nvPr>
-            <p:ph type="sldNum" sz="quarter" idx="10"/>
-          </p:nvPr>
-        </p:nvSpPr>
-        <p:spPr/>
-        <p:txBody>
-          <a:bodyPr/>
-          <a:lstStyle/>
-          <a:p>
-            <a:fld id="{CACBEE2F-8C26-493F-9430-82D1D1B7C623}" type="slidenum">
-              <a:rPr lang="en-US" smtClean="0"/>
-              <a:pPr/>
-              <a:t>17</a:t>
-            </a:fld>
-            <a:endParaRPr lang="en-US"/>
-          </a:p>
-        </p:txBody>
-      </p:sp>
-    </p:spTree>
-  </p:cSld>
-  <p:clrMapOvr>
-    <a:masterClrMapping/>
-  </p:clrMapOvr>
-</p:notes>
-</file>
-
-<file path=ppt/notesSlides/notesSlide12.xml><?xml version="1.0" encoding="utf-8"?>
-<p:notes xmlns:a="http://schemas.openxmlformats.org/drawingml/2006/main" xmlns:r="http://schemas.openxmlformats.org/officeDocument/2006/relationships" xmlns:p="http://schemas.openxmlformats.org/presentationml/2006/main">
-  <p:cSld>
-    <p:spTree>
-      <p:nvGrpSpPr>
-        <p:cNvPr id="1" name=""/>
-        <p:cNvGrpSpPr/>
-        <p:nvPr/>
-      </p:nvGrpSpPr>
-      <p:grpSpPr>
-        <a:xfrm>
-          <a:off x="0" y="0"/>
-          <a:ext cx="0" cy="0"/>
-          <a:chOff x="0" y="0"/>
-          <a:chExt cx="0" cy="0"/>
-        </a:xfrm>
-      </p:grpSpPr>
-      <p:sp>
-        <p:nvSpPr>
-          <p:cNvPr id="2" name="Slide Image Placeholder 1"/>
-          <p:cNvSpPr>
-            <a:spLocks noGrp="1" noRot="1" noChangeAspect="1"/>
-          </p:cNvSpPr>
-          <p:nvPr>
-            <p:ph type="sldImg"/>
-          </p:nvPr>
-        </p:nvSpPr>
-        <p:spPr/>
-      </p:sp>
-      <p:sp>
-        <p:nvSpPr>
-          <p:cNvPr id="3" name="Notes Placeholder 2"/>
-          <p:cNvSpPr>
-            <a:spLocks noGrp="1"/>
-          </p:cNvSpPr>
-          <p:nvPr>
-            <p:ph type="body" idx="1"/>
-          </p:nvPr>
-        </p:nvSpPr>
-        <p:spPr/>
-        <p:txBody>
-          <a:bodyPr>
-            <a:normAutofit/>
-          </a:bodyPr>
-          <a:lstStyle/>
-          <a:p>
-            <a:endParaRPr lang="en-US" dirty="0"/>
-          </a:p>
-        </p:txBody>
-      </p:sp>
-      <p:sp>
-        <p:nvSpPr>
-          <p:cNvPr id="4" name="Slide Number Placeholder 3"/>
-          <p:cNvSpPr>
-            <a:spLocks noGrp="1"/>
-          </p:cNvSpPr>
-          <p:nvPr>
-            <p:ph type="sldNum" sz="quarter" idx="10"/>
-          </p:nvPr>
-        </p:nvSpPr>
-        <p:spPr/>
-        <p:txBody>
-          <a:bodyPr/>
-          <a:lstStyle/>
-          <a:p>
-            <a:fld id="{CACBEE2F-8C26-493F-9430-82D1D1B7C623}" type="slidenum">
-              <a:rPr lang="en-US" smtClean="0"/>
-              <a:pPr/>
-              <a:t>18</a:t>
-            </a:fld>
-            <a:endParaRPr lang="en-US"/>
-          </a:p>
-        </p:txBody>
-      </p:sp>
-    </p:spTree>
-  </p:cSld>
-  <p:clrMapOvr>
-    <a:masterClrMapping/>
-  </p:clrMapOvr>
-</p:notes>
-</file>
-
 <file path=ppt/notesSlides/notesSlide2.xml><?xml version="1.0" encoding="utf-8"?>
 <p:notes xmlns:a="http://schemas.openxmlformats.org/drawingml/2006/main" xmlns:r="http://schemas.openxmlformats.org/officeDocument/2006/relationships" xmlns:p="http://schemas.openxmlformats.org/presentationml/2006/main">
   <p:cSld>
@@ -1435,7 +1180,7 @@
           </a:bodyPr>
           <a:lstStyle/>
           <a:p>
-            <a:endParaRPr lang="en-US"/>
+            <a:endParaRPr lang="en-US" dirty="0"/>
           </a:p>
         </p:txBody>
       </p:sp>
@@ -1653,7 +1398,7 @@
             <a:fld id="{F9C811E6-0209-4075-80E7-F5953C8ECEE3}" type="datetime1">
               <a:rPr lang="en-US" smtClean="0"/>
               <a:pPr/>
-              <a:t>12/6/15</a:t>
+              <a:t>12/7/15</a:t>
             </a:fld>
             <a:endParaRPr lang="en-US"/>
           </a:p>
@@ -1824,7 +1569,7 @@
             <a:fld id="{648E6BB1-E6D9-4EE7-828F-046F7223761D}" type="datetime1">
               <a:rPr lang="en-US" smtClean="0"/>
               <a:pPr/>
-              <a:t>12/6/15</a:t>
+              <a:t>12/7/15</a:t>
             </a:fld>
             <a:endParaRPr lang="en-US"/>
           </a:p>
@@ -2005,7 +1750,7 @@
             <a:fld id="{B4B9C580-A780-4D76-B2D1-C34F1DA97DF0}" type="datetime1">
               <a:rPr lang="en-US" smtClean="0"/>
               <a:pPr/>
-              <a:t>12/6/15</a:t>
+              <a:t>12/7/15</a:t>
             </a:fld>
             <a:endParaRPr lang="en-US"/>
           </a:p>
@@ -2176,7 +1921,7 @@
             <a:fld id="{EB19DDAF-3255-4785-974C-BB4FAF02D67E}" type="datetime1">
               <a:rPr lang="en-US" smtClean="0"/>
               <a:pPr/>
-              <a:t>12/6/15</a:t>
+              <a:t>12/7/15</a:t>
             </a:fld>
             <a:endParaRPr lang="en-US"/>
           </a:p>
@@ -2423,7 +2168,7 @@
             <a:fld id="{C344AF86-11D1-4E84-BA60-17130236FDAA}" type="datetime1">
               <a:rPr lang="en-US" smtClean="0"/>
               <a:pPr/>
-              <a:t>12/6/15</a:t>
+              <a:t>12/7/15</a:t>
             </a:fld>
             <a:endParaRPr lang="en-US"/>
           </a:p>
@@ -2712,7 +2457,7 @@
             <a:fld id="{A8DD670F-7E07-4783-A6F8-B28127B5AF4A}" type="datetime1">
               <a:rPr lang="en-US" smtClean="0"/>
               <a:pPr/>
-              <a:t>12/6/15</a:t>
+              <a:t>12/7/15</a:t>
             </a:fld>
             <a:endParaRPr lang="en-US"/>
           </a:p>
@@ -3135,7 +2880,7 @@
             <a:fld id="{92676DD9-688F-48EE-8233-B3B78BDDA63D}" type="datetime1">
               <a:rPr lang="en-US" smtClean="0"/>
               <a:pPr/>
-              <a:t>12/6/15</a:t>
+              <a:t>12/7/15</a:t>
             </a:fld>
             <a:endParaRPr lang="en-US"/>
           </a:p>
@@ -3254,7 +2999,7 @@
             <a:fld id="{F6CC4A83-AE34-48B8-B90E-70388FDBF0F7}" type="datetime1">
               <a:rPr lang="en-US" smtClean="0"/>
               <a:pPr/>
-              <a:t>12/6/15</a:t>
+              <a:t>12/7/15</a:t>
             </a:fld>
             <a:endParaRPr lang="en-US"/>
           </a:p>
@@ -3350,7 +3095,7 @@
             <a:fld id="{510CA3E2-9601-488E-B92B-23013819BD02}" type="datetime1">
               <a:rPr lang="en-US" smtClean="0"/>
               <a:pPr/>
-              <a:t>12/6/15</a:t>
+              <a:t>12/7/15</a:t>
             </a:fld>
             <a:endParaRPr lang="en-US"/>
           </a:p>
@@ -3628,7 +3373,7 @@
             <a:fld id="{331F1CBD-358A-4E18-86FD-C337233E15F0}" type="datetime1">
               <a:rPr lang="en-US" smtClean="0"/>
               <a:pPr/>
-              <a:t>12/6/15</a:t>
+              <a:t>12/7/15</a:t>
             </a:fld>
             <a:endParaRPr lang="en-US"/>
           </a:p>
@@ -3882,7 +3627,7 @@
             <a:fld id="{3CB4F0D5-901F-4458-A8F8-F062616694B4}" type="datetime1">
               <a:rPr lang="en-US" smtClean="0"/>
               <a:pPr/>
-              <a:t>12/6/15</a:t>
+              <a:t>12/7/15</a:t>
             </a:fld>
             <a:endParaRPr lang="en-US"/>
           </a:p>
@@ -4096,7 +3841,7 @@
             <a:fld id="{F77D84EF-BDBF-448B-906E-D51D4CAF22DC}" type="datetime1">
               <a:rPr lang="en-US" smtClean="0"/>
               <a:pPr/>
-              <a:t>12/6/15</a:t>
+              <a:t>12/7/15</a:t>
             </a:fld>
             <a:endParaRPr lang="en-US"/>
           </a:p>
@@ -4484,8 +4229,8 @@
         </p:nvSpPr>
         <p:spPr>
           <a:xfrm>
-            <a:off x="685800" y="3318"/>
-            <a:ext cx="7772400" cy="1825482"/>
+            <a:off x="762000" y="1371600"/>
+            <a:ext cx="7772400" cy="2514600"/>
           </a:xfrm>
           <a:ln>
             <a:solidFill>
@@ -4530,6 +4275,25 @@
               </a:rPr>
             </a:br>
             <a:r>
+              <a:rPr lang="en-US" sz="2000" dirty="0" smtClean="0">
+                <a:solidFill>
+                  <a:schemeClr val="accent2">
+                    <a:lumMod val="75000"/>
+                  </a:schemeClr>
+                </a:solidFill>
+              </a:rPr>
+              <a:t/>
+            </a:r>
+            <a:br>
+              <a:rPr lang="en-US" sz="2000" dirty="0" smtClean="0">
+                <a:solidFill>
+                  <a:schemeClr val="accent2">
+                    <a:lumMod val="75000"/>
+                  </a:schemeClr>
+                </a:solidFill>
+              </a:rPr>
+            </a:br>
+            <a:r>
               <a:rPr lang="en-US" sz="3200" dirty="0" smtClean="0">
                 <a:solidFill>
                   <a:schemeClr val="accent2">
@@ -4537,7 +4301,7 @@
                   </a:schemeClr>
                 </a:solidFill>
               </a:rPr>
-              <a:t>Variable Selection in Multiple </a:t>
+              <a:t>Variable </a:t>
             </a:r>
             <a:r>
               <a:rPr lang="en-US" sz="3200" dirty="0" smtClean="0">
@@ -4547,3389 +4311,8 @@
                   </a:schemeClr>
                 </a:solidFill>
               </a:rPr>
-              <a:t>Linear Regression: </a:t>
-            </a:r>
-          </a:p>
-        </p:txBody>
-      </p:sp>
-      <p:sp>
-        <p:nvSpPr>
-          <p:cNvPr id="4" name="Footer Placeholder 3"/>
-          <p:cNvSpPr>
-            <a:spLocks noGrp="1"/>
-          </p:cNvSpPr>
-          <p:nvPr>
-            <p:ph type="ftr" sz="quarter" idx="11"/>
-          </p:nvPr>
-        </p:nvSpPr>
-        <p:spPr/>
-        <p:txBody>
-          <a:bodyPr/>
-          <a:lstStyle/>
-          <a:p>
-            <a:r>
-              <a:rPr lang="en-US" dirty="0" smtClean="0">
-                <a:solidFill>
-                  <a:schemeClr val="accent1"/>
-                </a:solidFill>
-              </a:rPr>
-              <a:t>STT 465, MSU, Fall, 2015</a:t>
-            </a:r>
-            <a:endParaRPr lang="en-US" dirty="0">
-              <a:solidFill>
-                <a:schemeClr val="accent1"/>
-              </a:solidFill>
-            </a:endParaRPr>
-          </a:p>
-        </p:txBody>
-      </p:sp>
-    </p:spTree>
-    <p:extLst>
-      <p:ext uri="{BB962C8B-B14F-4D97-AF65-F5344CB8AC3E}">
-        <p14:creationId xmlns:p14="http://schemas.microsoft.com/office/powerpoint/2010/main" val="577598476"/>
-      </p:ext>
-    </p:extLst>
-  </p:cSld>
-  <p:clrMapOvr>
-    <a:masterClrMapping/>
-  </p:clrMapOvr>
-  <p:timing>
-    <p:tnLst>
-      <p:par>
-        <p:cTn xmlns:p14="http://schemas.microsoft.com/office/powerpoint/2010/main" id="1" dur="indefinite" restart="never" nodeType="tmRoot"/>
-      </p:par>
-    </p:tnLst>
-  </p:timing>
-</p:sld>
-</file>
-
-<file path=ppt/slides/slide10.xml><?xml version="1.0" encoding="utf-8"?>
-<p:sld xmlns:a="http://schemas.openxmlformats.org/drawingml/2006/main" xmlns:r="http://schemas.openxmlformats.org/officeDocument/2006/relationships" xmlns:p="http://schemas.openxmlformats.org/presentationml/2006/main">
-  <p:cSld>
-    <p:spTree>
-      <p:nvGrpSpPr>
-        <p:cNvPr id="1" name=""/>
-        <p:cNvGrpSpPr/>
-        <p:nvPr/>
-      </p:nvGrpSpPr>
-      <p:grpSpPr>
-        <a:xfrm>
-          <a:off x="0" y="0"/>
-          <a:ext cx="0" cy="0"/>
-          <a:chOff x="0" y="0"/>
-          <a:chExt cx="0" cy="0"/>
-        </a:xfrm>
-      </p:grpSpPr>
-      <p:sp>
-        <p:nvSpPr>
-          <p:cNvPr id="14" name="TextBox 13"/>
-          <p:cNvSpPr txBox="1"/>
-          <p:nvPr/>
-        </p:nvSpPr>
-        <p:spPr>
-          <a:xfrm>
-            <a:off x="914400" y="0"/>
-            <a:ext cx="7467600" cy="646331"/>
-          </a:xfrm>
-          <a:prstGeom prst="rect">
-            <a:avLst/>
-          </a:prstGeom>
-          <a:noFill/>
-          <a:ln>
-            <a:solidFill>
-              <a:srgbClr val="800000"/>
-            </a:solidFill>
-            <a:prstDash val="sysDash"/>
-          </a:ln>
-        </p:spPr>
-        <p:txBody>
-          <a:bodyPr wrap="square" rtlCol="0">
-            <a:spAutoFit/>
-          </a:bodyPr>
-          <a:lstStyle/>
-          <a:p>
-            <a:endParaRPr lang="en-US" sz="800" dirty="0" smtClean="0">
-              <a:solidFill>
-                <a:srgbClr val="800000"/>
-              </a:solidFill>
-            </a:endParaRPr>
-          </a:p>
-          <a:p>
-            <a:pPr algn="ctr"/>
-            <a:r>
-              <a:rPr lang="en-US" sz="2800" dirty="0" smtClean="0">
-                <a:solidFill>
-                  <a:srgbClr val="800000"/>
-                </a:solidFill>
-              </a:rPr>
-              <a:t>Regression with Binary Outcomes</a:t>
-            </a:r>
-            <a:endParaRPr lang="en-US" dirty="0" smtClean="0">
-              <a:solidFill>
-                <a:schemeClr val="accent1">
-                  <a:lumMod val="75000"/>
-                </a:schemeClr>
-              </a:solidFill>
-            </a:endParaRPr>
-          </a:p>
-        </p:txBody>
-      </p:sp>
-      <p:sp>
-        <p:nvSpPr>
-          <p:cNvPr id="15" name="TextBox 14"/>
-          <p:cNvSpPr txBox="1"/>
-          <p:nvPr/>
-        </p:nvSpPr>
-        <p:spPr>
-          <a:xfrm>
-            <a:off x="457200" y="990600"/>
-            <a:ext cx="8229600" cy="5016758"/>
-          </a:xfrm>
-          <a:prstGeom prst="rect">
-            <a:avLst/>
-          </a:prstGeom>
-          <a:noFill/>
-        </p:spPr>
-        <p:txBody>
-          <a:bodyPr wrap="square" rtlCol="0">
-            <a:spAutoFit/>
-          </a:bodyPr>
-          <a:lstStyle/>
-          <a:p>
-            <a:r>
-              <a:rPr lang="en-US" sz="2000" dirty="0" smtClean="0">
-                <a:solidFill>
-                  <a:schemeClr val="accent1">
-                    <a:lumMod val="75000"/>
-                  </a:schemeClr>
-                </a:solidFill>
-              </a:rPr>
-              <a:t>-    Binary outcomes follow Bernoulli distributions</a:t>
-            </a:r>
-            <a:endParaRPr lang="en-US" sz="2000" dirty="0">
-              <a:solidFill>
-                <a:schemeClr val="accent1">
-                  <a:lumMod val="75000"/>
-                </a:schemeClr>
-              </a:solidFill>
-            </a:endParaRPr>
-          </a:p>
-          <a:p>
-            <a:endParaRPr lang="en-US" sz="2000" dirty="0" smtClean="0">
-              <a:solidFill>
-                <a:schemeClr val="accent1">
-                  <a:lumMod val="75000"/>
-                </a:schemeClr>
-              </a:solidFill>
-            </a:endParaRPr>
-          </a:p>
-          <a:p>
-            <a:endParaRPr lang="en-US" sz="2000" dirty="0">
-              <a:solidFill>
-                <a:schemeClr val="accent1">
-                  <a:lumMod val="75000"/>
-                </a:schemeClr>
-              </a:solidFill>
-            </a:endParaRPr>
-          </a:p>
-          <a:p>
-            <a:endParaRPr lang="en-US" sz="2000" dirty="0" smtClean="0">
-              <a:solidFill>
-                <a:schemeClr val="accent1">
-                  <a:lumMod val="75000"/>
-                </a:schemeClr>
-              </a:solidFill>
-            </a:endParaRPr>
-          </a:p>
-          <a:p>
-            <a:endParaRPr lang="en-US" sz="2000" dirty="0">
-              <a:solidFill>
-                <a:schemeClr val="accent1">
-                  <a:lumMod val="75000"/>
-                </a:schemeClr>
-              </a:solidFill>
-            </a:endParaRPr>
-          </a:p>
-          <a:p>
-            <a:pPr marL="342900" indent="-342900">
-              <a:buFontTx/>
-              <a:buChar char="-"/>
-            </a:pPr>
-            <a:r>
-              <a:rPr lang="en-US" sz="2000" dirty="0" smtClean="0">
-                <a:solidFill>
-                  <a:schemeClr val="accent1">
-                    <a:lumMod val="75000"/>
-                  </a:schemeClr>
-                </a:solidFill>
-              </a:rPr>
-              <a:t>Regression with Binary outcomes: we want to make </a:t>
-            </a:r>
-            <a:r>
-              <a:rPr lang="en-US" sz="2000" dirty="0" err="1" smtClean="0">
-                <a:solidFill>
-                  <a:schemeClr val="accent1">
-                    <a:lumMod val="75000"/>
-                  </a:schemeClr>
-                </a:solidFill>
-              </a:rPr>
-              <a:t>θ</a:t>
-            </a:r>
-            <a:r>
-              <a:rPr lang="en-US" sz="2000" dirty="0" smtClean="0">
-                <a:solidFill>
-                  <a:schemeClr val="accent1">
-                    <a:lumMod val="75000"/>
-                  </a:schemeClr>
-                </a:solidFill>
-              </a:rPr>
-              <a:t> a function of one or more predictors. </a:t>
-            </a:r>
-          </a:p>
-          <a:p>
-            <a:pPr marL="342900" indent="-342900">
-              <a:buFontTx/>
-              <a:buChar char="-"/>
-            </a:pPr>
-            <a:r>
-              <a:rPr lang="en-US" sz="2000" dirty="0" smtClean="0">
-                <a:solidFill>
-                  <a:schemeClr val="accent1">
-                    <a:lumMod val="75000"/>
-                  </a:schemeClr>
-                </a:solidFill>
-              </a:rPr>
-              <a:t>Problem:</a:t>
-            </a:r>
-          </a:p>
-          <a:p>
-            <a:r>
-              <a:rPr lang="en-US" sz="2000" dirty="0">
-                <a:solidFill>
-                  <a:schemeClr val="accent1">
-                    <a:lumMod val="75000"/>
-                  </a:schemeClr>
-                </a:solidFill>
-              </a:rPr>
-              <a:t>	</a:t>
-            </a:r>
-            <a:r>
-              <a:rPr lang="en-US" sz="2000" dirty="0" smtClean="0">
-                <a:solidFill>
-                  <a:schemeClr val="accent1">
-                    <a:lumMod val="75000"/>
-                  </a:schemeClr>
-                </a:solidFill>
-              </a:rPr>
-              <a:t>- </a:t>
-            </a:r>
-            <a:r>
-              <a:rPr lang="en-US" sz="2000" dirty="0" err="1" smtClean="0">
-                <a:solidFill>
-                  <a:schemeClr val="accent1">
-                    <a:lumMod val="75000"/>
-                  </a:schemeClr>
-                </a:solidFill>
-              </a:rPr>
-              <a:t>θ</a:t>
-            </a:r>
-            <a:r>
-              <a:rPr lang="en-US" sz="2000" dirty="0" smtClean="0">
-                <a:solidFill>
-                  <a:schemeClr val="accent1">
-                    <a:lumMod val="75000"/>
-                  </a:schemeClr>
-                </a:solidFill>
-              </a:rPr>
-              <a:t>  lives in the 0-1 interval, </a:t>
-            </a:r>
-          </a:p>
-          <a:p>
-            <a:r>
-              <a:rPr lang="en-US" sz="2000" dirty="0" smtClean="0">
-                <a:solidFill>
-                  <a:schemeClr val="accent1">
-                    <a:lumMod val="75000"/>
-                  </a:schemeClr>
-                </a:solidFill>
-              </a:rPr>
-              <a:t>	- </a:t>
-            </a:r>
-            <a:r>
-              <a:rPr lang="en-US" sz="2000" dirty="0">
-                <a:solidFill>
-                  <a:schemeClr val="accent1">
-                    <a:lumMod val="75000"/>
-                  </a:schemeClr>
-                </a:solidFill>
-              </a:rPr>
-              <a:t>while a regression </a:t>
-            </a:r>
-            <a:r>
-              <a:rPr lang="en-US" sz="2000" dirty="0" smtClean="0">
-                <a:solidFill>
-                  <a:schemeClr val="accent1">
-                    <a:lumMod val="75000"/>
-                  </a:schemeClr>
-                </a:solidFill>
-              </a:rPr>
-              <a:t>function                lives in the real line.</a:t>
-            </a:r>
-            <a:endParaRPr lang="en-US" sz="2000" dirty="0">
-              <a:solidFill>
-                <a:schemeClr val="accent1">
-                  <a:lumMod val="75000"/>
-                </a:schemeClr>
-              </a:solidFill>
-            </a:endParaRPr>
-          </a:p>
-          <a:p>
-            <a:endParaRPr lang="en-US" sz="2000" dirty="0">
-              <a:solidFill>
-                <a:schemeClr val="accent1">
-                  <a:lumMod val="75000"/>
-                </a:schemeClr>
-              </a:solidFill>
-            </a:endParaRPr>
-          </a:p>
-          <a:p>
-            <a:pPr marL="342900" indent="-342900">
-              <a:buFontTx/>
-              <a:buChar char="-"/>
-            </a:pPr>
-            <a:r>
-              <a:rPr lang="en-US" sz="2000" dirty="0" smtClean="0">
-                <a:solidFill>
-                  <a:schemeClr val="accent1">
-                    <a:lumMod val="75000"/>
-                  </a:schemeClr>
-                </a:solidFill>
-              </a:rPr>
-              <a:t>To get around this we need to introduce a link function that maps from the real line to the 0-1 interval.</a:t>
-            </a:r>
-          </a:p>
-          <a:p>
-            <a:pPr marL="342900" indent="-342900">
-              <a:buFontTx/>
-              <a:buChar char="-"/>
-            </a:pPr>
-            <a:endParaRPr lang="en-US" sz="2000" dirty="0">
-              <a:solidFill>
-                <a:schemeClr val="accent1">
-                  <a:lumMod val="75000"/>
-                </a:schemeClr>
-              </a:solidFill>
-            </a:endParaRPr>
-          </a:p>
-          <a:p>
-            <a:pPr marL="342900" indent="-342900">
-              <a:buFontTx/>
-              <a:buChar char="-"/>
-            </a:pPr>
-            <a:r>
-              <a:rPr lang="en-US" sz="2000" dirty="0" smtClean="0">
-                <a:solidFill>
-                  <a:schemeClr val="accent1">
-                    <a:lumMod val="75000"/>
-                  </a:schemeClr>
-                </a:solidFill>
-              </a:rPr>
-              <a:t>The most commonly used links are the </a:t>
-            </a:r>
-            <a:r>
-              <a:rPr lang="en-US" sz="2000" dirty="0" err="1" smtClean="0">
-                <a:solidFill>
-                  <a:schemeClr val="accent1">
-                    <a:lumMod val="75000"/>
-                  </a:schemeClr>
-                </a:solidFill>
-              </a:rPr>
-              <a:t>logit</a:t>
-            </a:r>
-            <a:r>
-              <a:rPr lang="en-US" sz="2000" dirty="0" smtClean="0">
-                <a:solidFill>
-                  <a:schemeClr val="accent1">
-                    <a:lumMod val="75000"/>
-                  </a:schemeClr>
-                </a:solidFill>
-              </a:rPr>
-              <a:t> and </a:t>
-            </a:r>
-            <a:r>
-              <a:rPr lang="en-US" sz="2000" dirty="0" err="1" smtClean="0">
-                <a:solidFill>
-                  <a:schemeClr val="accent1">
-                    <a:lumMod val="75000"/>
-                  </a:schemeClr>
-                </a:solidFill>
-              </a:rPr>
-              <a:t>probit</a:t>
-            </a:r>
-            <a:r>
-              <a:rPr lang="en-US" sz="2000" dirty="0" smtClean="0">
-                <a:solidFill>
-                  <a:schemeClr val="accent1">
-                    <a:lumMod val="75000"/>
-                  </a:schemeClr>
-                </a:solidFill>
-              </a:rPr>
-              <a:t> link.</a:t>
-            </a:r>
-          </a:p>
-          <a:p>
-            <a:pPr marL="342900" indent="-342900">
-              <a:buFontTx/>
-              <a:buChar char="-"/>
-            </a:pPr>
-            <a:endParaRPr lang="en-US" sz="2000" dirty="0" smtClean="0">
-              <a:solidFill>
-                <a:schemeClr val="accent1">
-                  <a:lumMod val="75000"/>
-                </a:schemeClr>
-              </a:solidFill>
-            </a:endParaRPr>
-          </a:p>
-        </p:txBody>
-      </p:sp>
-      <p:sp>
-        <p:nvSpPr>
-          <p:cNvPr id="5" name="Footer Placeholder 3"/>
-          <p:cNvSpPr>
-            <a:spLocks noGrp="1"/>
-          </p:cNvSpPr>
-          <p:nvPr>
-            <p:ph type="ftr" sz="quarter" idx="11"/>
-          </p:nvPr>
-        </p:nvSpPr>
-        <p:spPr>
-          <a:xfrm>
-            <a:off x="3124200" y="6356350"/>
-            <a:ext cx="2895600" cy="365125"/>
-          </a:xfrm>
-        </p:spPr>
-        <p:txBody>
-          <a:bodyPr/>
-          <a:lstStyle/>
-          <a:p>
-            <a:r>
-              <a:rPr lang="en-US" dirty="0" smtClean="0">
-                <a:solidFill>
-                  <a:schemeClr val="accent1"/>
-                </a:solidFill>
-              </a:rPr>
-              <a:t>STT 465, MSU, Fall, 2015</a:t>
-            </a:r>
-            <a:endParaRPr lang="en-US" dirty="0">
-              <a:solidFill>
-                <a:schemeClr val="accent1"/>
-              </a:solidFill>
-            </a:endParaRPr>
-          </a:p>
-        </p:txBody>
-      </p:sp>
-      <p:graphicFrame>
-        <p:nvGraphicFramePr>
-          <p:cNvPr id="6" name="Object 5"/>
-          <p:cNvGraphicFramePr>
-            <a:graphicFrameLocks noChangeAspect="1"/>
-          </p:cNvGraphicFramePr>
-          <p:nvPr>
-            <p:extLst>
-              <p:ext uri="{D42A27DB-BD31-4B8C-83A1-F6EECF244321}">
-                <p14:modId xmlns:p14="http://schemas.microsoft.com/office/powerpoint/2010/main" val="2189224114"/>
-              </p:ext>
-            </p:extLst>
-          </p:nvPr>
-        </p:nvGraphicFramePr>
-        <p:xfrm>
-          <a:off x="3657600" y="1676400"/>
-          <a:ext cx="2211387" cy="485775"/>
-        </p:xfrm>
-        <a:graphic>
-          <a:graphicData uri="http://schemas.openxmlformats.org/presentationml/2006/ole">
-            <mc:AlternateContent xmlns:mc="http://schemas.openxmlformats.org/markup-compatibility/2006">
-              <mc:Choice xmlns:v="urn:schemas-microsoft-com:vml" Requires="v">
-                <p:oleObj spid="_x0000_s58476" name="Equation" r:id="rId3" imgW="1333500" imgH="292100" progId="Equation.3">
-                  <p:embed/>
-                </p:oleObj>
-              </mc:Choice>
-              <mc:Fallback>
-                <p:oleObj name="Equation" r:id="rId3" imgW="1333500" imgH="292100" progId="Equation.3">
-                  <p:embed/>
-                  <p:pic>
-                    <p:nvPicPr>
-                      <p:cNvPr id="0" name=""/>
-                      <p:cNvPicPr/>
-                      <p:nvPr/>
-                    </p:nvPicPr>
-                    <p:blipFill>
-                      <a:blip r:embed="rId4"/>
-                      <a:stretch>
-                        <a:fillRect/>
-                      </a:stretch>
-                    </p:blipFill>
-                    <p:spPr>
-                      <a:xfrm>
-                        <a:off x="3657600" y="1676400"/>
-                        <a:ext cx="2211387" cy="485775"/>
-                      </a:xfrm>
-                      <a:prstGeom prst="rect">
-                        <a:avLst/>
-                      </a:prstGeom>
-                    </p:spPr>
-                  </p:pic>
-                </p:oleObj>
-              </mc:Fallback>
-            </mc:AlternateContent>
-          </a:graphicData>
-        </a:graphic>
-      </p:graphicFrame>
-      <p:graphicFrame>
-        <p:nvGraphicFramePr>
-          <p:cNvPr id="7" name="Object 6"/>
-          <p:cNvGraphicFramePr>
-            <a:graphicFrameLocks noChangeAspect="1"/>
-          </p:cNvGraphicFramePr>
-          <p:nvPr>
-            <p:extLst>
-              <p:ext uri="{D42A27DB-BD31-4B8C-83A1-F6EECF244321}">
-                <p14:modId xmlns:p14="http://schemas.microsoft.com/office/powerpoint/2010/main" val="1786920887"/>
-              </p:ext>
-            </p:extLst>
-          </p:nvPr>
-        </p:nvGraphicFramePr>
-        <p:xfrm>
-          <a:off x="1905000" y="1752600"/>
-          <a:ext cx="1073150" cy="400050"/>
-        </p:xfrm>
-        <a:graphic>
-          <a:graphicData uri="http://schemas.openxmlformats.org/presentationml/2006/ole">
-            <mc:AlternateContent xmlns:mc="http://schemas.openxmlformats.org/markup-compatibility/2006">
-              <mc:Choice xmlns:v="urn:schemas-microsoft-com:vml" Requires="v">
-                <p:oleObj spid="_x0000_s58477" name="Equation" r:id="rId5" imgW="647700" imgH="241300" progId="Equation.3">
-                  <p:embed/>
-                </p:oleObj>
-              </mc:Choice>
-              <mc:Fallback>
-                <p:oleObj name="Equation" r:id="rId5" imgW="647700" imgH="241300" progId="Equation.3">
-                  <p:embed/>
-                  <p:pic>
-                    <p:nvPicPr>
-                      <p:cNvPr id="0" name=""/>
-                      <p:cNvPicPr/>
-                      <p:nvPr/>
-                    </p:nvPicPr>
-                    <p:blipFill>
-                      <a:blip r:embed="rId6"/>
-                      <a:stretch>
-                        <a:fillRect/>
-                      </a:stretch>
-                    </p:blipFill>
-                    <p:spPr>
-                      <a:xfrm>
-                        <a:off x="1905000" y="1752600"/>
-                        <a:ext cx="1073150" cy="400050"/>
-                      </a:xfrm>
-                      <a:prstGeom prst="rect">
-                        <a:avLst/>
-                      </a:prstGeom>
-                    </p:spPr>
-                  </p:pic>
-                </p:oleObj>
-              </mc:Fallback>
-            </mc:AlternateContent>
-          </a:graphicData>
-        </a:graphic>
-      </p:graphicFrame>
-      <p:graphicFrame>
-        <p:nvGraphicFramePr>
-          <p:cNvPr id="8" name="Object 7"/>
-          <p:cNvGraphicFramePr>
-            <a:graphicFrameLocks noChangeAspect="1"/>
-          </p:cNvGraphicFramePr>
-          <p:nvPr>
-            <p:extLst>
-              <p:ext uri="{D42A27DB-BD31-4B8C-83A1-F6EECF244321}">
-                <p14:modId xmlns:p14="http://schemas.microsoft.com/office/powerpoint/2010/main" val="158786686"/>
-              </p:ext>
-            </p:extLst>
-          </p:nvPr>
-        </p:nvGraphicFramePr>
-        <p:xfrm>
-          <a:off x="4482403" y="3733800"/>
-          <a:ext cx="775397" cy="412750"/>
-        </p:xfrm>
-        <a:graphic>
-          <a:graphicData uri="http://schemas.openxmlformats.org/presentationml/2006/ole">
-            <mc:AlternateContent xmlns:mc="http://schemas.openxmlformats.org/markup-compatibility/2006">
-              <mc:Choice xmlns:v="urn:schemas-microsoft-com:vml" Requires="v">
-                <p:oleObj spid="_x0000_s58478" name="Equation" r:id="rId7" imgW="622300" imgH="330200" progId="Equation.3">
-                  <p:embed/>
-                </p:oleObj>
-              </mc:Choice>
-              <mc:Fallback>
-                <p:oleObj name="Equation" r:id="rId7" imgW="622300" imgH="330200" progId="Equation.3">
-                  <p:embed/>
-                  <p:pic>
-                    <p:nvPicPr>
-                      <p:cNvPr id="0" name=""/>
-                      <p:cNvPicPr/>
-                      <p:nvPr/>
-                    </p:nvPicPr>
-                    <p:blipFill>
-                      <a:blip r:embed="rId8"/>
-                      <a:stretch>
-                        <a:fillRect/>
-                      </a:stretch>
-                    </p:blipFill>
-                    <p:spPr>
-                      <a:xfrm>
-                        <a:off x="4482403" y="3733800"/>
-                        <a:ext cx="775397" cy="412750"/>
-                      </a:xfrm>
-                      <a:prstGeom prst="rect">
-                        <a:avLst/>
-                      </a:prstGeom>
-                    </p:spPr>
-                  </p:pic>
-                </p:oleObj>
-              </mc:Fallback>
-            </mc:AlternateContent>
-          </a:graphicData>
-        </a:graphic>
-      </p:graphicFrame>
-    </p:spTree>
-    <p:extLst>
-      <p:ext uri="{BB962C8B-B14F-4D97-AF65-F5344CB8AC3E}">
-        <p14:creationId xmlns:p14="http://schemas.microsoft.com/office/powerpoint/2010/main" val="1939629523"/>
-      </p:ext>
-    </p:extLst>
-  </p:cSld>
-  <p:clrMapOvr>
-    <a:masterClrMapping/>
-  </p:clrMapOvr>
-  <p:timing>
-    <p:tnLst>
-      <p:par>
-        <p:cTn xmlns:p14="http://schemas.microsoft.com/office/powerpoint/2010/main" id="1" dur="indefinite" restart="never" nodeType="tmRoot"/>
-      </p:par>
-    </p:tnLst>
-  </p:timing>
-</p:sld>
-</file>
-
-<file path=ppt/slides/slide11.xml><?xml version="1.0" encoding="utf-8"?>
-<p:sld xmlns:a="http://schemas.openxmlformats.org/drawingml/2006/main" xmlns:r="http://schemas.openxmlformats.org/officeDocument/2006/relationships" xmlns:p="http://schemas.openxmlformats.org/presentationml/2006/main">
-  <p:cSld>
-    <p:spTree>
-      <p:nvGrpSpPr>
-        <p:cNvPr id="1" name=""/>
-        <p:cNvGrpSpPr/>
-        <p:nvPr/>
-      </p:nvGrpSpPr>
-      <p:grpSpPr>
-        <a:xfrm>
-          <a:off x="0" y="0"/>
-          <a:ext cx="0" cy="0"/>
-          <a:chOff x="0" y="0"/>
-          <a:chExt cx="0" cy="0"/>
-        </a:xfrm>
-      </p:grpSpPr>
-      <p:sp>
-        <p:nvSpPr>
-          <p:cNvPr id="14" name="TextBox 13"/>
-          <p:cNvSpPr txBox="1"/>
-          <p:nvPr/>
-        </p:nvSpPr>
-        <p:spPr>
-          <a:xfrm>
-            <a:off x="914400" y="0"/>
-            <a:ext cx="7467600" cy="646331"/>
-          </a:xfrm>
-          <a:prstGeom prst="rect">
-            <a:avLst/>
-          </a:prstGeom>
-          <a:noFill/>
-          <a:ln>
-            <a:solidFill>
-              <a:srgbClr val="800000"/>
-            </a:solidFill>
-            <a:prstDash val="sysDash"/>
-          </a:ln>
-        </p:spPr>
-        <p:txBody>
-          <a:bodyPr wrap="square" rtlCol="0">
-            <a:spAutoFit/>
-          </a:bodyPr>
-          <a:lstStyle/>
-          <a:p>
-            <a:endParaRPr lang="en-US" sz="800" dirty="0" smtClean="0">
-              <a:solidFill>
-                <a:srgbClr val="800000"/>
-              </a:solidFill>
-            </a:endParaRPr>
-          </a:p>
-          <a:p>
-            <a:pPr algn="ctr"/>
-            <a:r>
-              <a:rPr lang="en-US" sz="2800" dirty="0" smtClean="0">
-                <a:solidFill>
-                  <a:srgbClr val="800000"/>
-                </a:solidFill>
-              </a:rPr>
-              <a:t>Logistic Regression</a:t>
-            </a:r>
-            <a:endParaRPr lang="en-US" dirty="0" smtClean="0">
-              <a:solidFill>
-                <a:schemeClr val="accent1">
-                  <a:lumMod val="75000"/>
-                </a:schemeClr>
-              </a:solidFill>
-            </a:endParaRPr>
-          </a:p>
-        </p:txBody>
-      </p:sp>
-      <p:sp>
-        <p:nvSpPr>
-          <p:cNvPr id="15" name="TextBox 14"/>
-          <p:cNvSpPr txBox="1"/>
-          <p:nvPr/>
-        </p:nvSpPr>
-        <p:spPr>
-          <a:xfrm>
-            <a:off x="457200" y="990600"/>
-            <a:ext cx="8229600" cy="5016758"/>
-          </a:xfrm>
-          <a:prstGeom prst="rect">
-            <a:avLst/>
-          </a:prstGeom>
-          <a:noFill/>
-        </p:spPr>
-        <p:txBody>
-          <a:bodyPr wrap="square" rtlCol="0">
-            <a:spAutoFit/>
-          </a:bodyPr>
-          <a:lstStyle/>
-          <a:p>
-            <a:endParaRPr lang="en-US" sz="2000" dirty="0" smtClean="0">
-              <a:solidFill>
-                <a:schemeClr val="accent1">
-                  <a:lumMod val="75000"/>
-                </a:schemeClr>
-              </a:solidFill>
-            </a:endParaRPr>
-          </a:p>
-          <a:p>
-            <a:endParaRPr lang="en-US" sz="2000" dirty="0">
-              <a:solidFill>
-                <a:schemeClr val="accent1">
-                  <a:lumMod val="75000"/>
-                </a:schemeClr>
-              </a:solidFill>
-            </a:endParaRPr>
-          </a:p>
-          <a:p>
-            <a:endParaRPr lang="en-US" sz="2000" dirty="0" smtClean="0">
-              <a:solidFill>
-                <a:schemeClr val="accent1">
-                  <a:lumMod val="75000"/>
-                </a:schemeClr>
-              </a:solidFill>
-            </a:endParaRPr>
-          </a:p>
-          <a:p>
-            <a:endParaRPr lang="en-US" sz="2000" dirty="0">
-              <a:solidFill>
-                <a:schemeClr val="accent1">
-                  <a:lumMod val="75000"/>
-                </a:schemeClr>
-              </a:solidFill>
-            </a:endParaRPr>
-          </a:p>
-          <a:p>
-            <a:endParaRPr lang="en-US" sz="2000" dirty="0" smtClean="0">
-              <a:solidFill>
-                <a:schemeClr val="accent1">
-                  <a:lumMod val="75000"/>
-                </a:schemeClr>
-              </a:solidFill>
-            </a:endParaRPr>
-          </a:p>
-          <a:p>
-            <a:endParaRPr lang="en-US" sz="2000" dirty="0">
-              <a:solidFill>
-                <a:schemeClr val="accent1">
-                  <a:lumMod val="75000"/>
-                </a:schemeClr>
-              </a:solidFill>
-            </a:endParaRPr>
-          </a:p>
-          <a:p>
-            <a:endParaRPr lang="en-US" sz="2000" dirty="0" smtClean="0">
-              <a:solidFill>
-                <a:schemeClr val="accent1">
-                  <a:lumMod val="75000"/>
-                </a:schemeClr>
-              </a:solidFill>
-            </a:endParaRPr>
-          </a:p>
-          <a:p>
-            <a:endParaRPr lang="en-US" sz="2000" dirty="0">
-              <a:solidFill>
-                <a:schemeClr val="accent1">
-                  <a:lumMod val="75000"/>
-                </a:schemeClr>
-              </a:solidFill>
-            </a:endParaRPr>
-          </a:p>
-          <a:p>
-            <a:endParaRPr lang="en-US" sz="2000" dirty="0" smtClean="0">
-              <a:solidFill>
-                <a:schemeClr val="accent1">
-                  <a:lumMod val="75000"/>
-                </a:schemeClr>
-              </a:solidFill>
-            </a:endParaRPr>
-          </a:p>
-          <a:p>
-            <a:endParaRPr lang="en-US" sz="2000" dirty="0">
-              <a:solidFill>
-                <a:schemeClr val="accent1">
-                  <a:lumMod val="75000"/>
-                </a:schemeClr>
-              </a:solidFill>
-            </a:endParaRPr>
-          </a:p>
-          <a:p>
-            <a:endParaRPr lang="en-US" sz="2000" dirty="0" smtClean="0">
-              <a:solidFill>
-                <a:schemeClr val="accent1">
-                  <a:lumMod val="75000"/>
-                </a:schemeClr>
-              </a:solidFill>
-            </a:endParaRPr>
-          </a:p>
-          <a:p>
-            <a:endParaRPr lang="en-US" sz="2000" dirty="0">
-              <a:solidFill>
-                <a:schemeClr val="accent1">
-                  <a:lumMod val="75000"/>
-                </a:schemeClr>
-              </a:solidFill>
-            </a:endParaRPr>
-          </a:p>
-          <a:p>
-            <a:endParaRPr lang="en-US" sz="2000" dirty="0" smtClean="0">
-              <a:solidFill>
-                <a:schemeClr val="accent1">
-                  <a:lumMod val="75000"/>
-                </a:schemeClr>
-              </a:solidFill>
-            </a:endParaRPr>
-          </a:p>
-          <a:p>
-            <a:endParaRPr lang="en-US" sz="2000" dirty="0">
-              <a:solidFill>
-                <a:schemeClr val="accent1">
-                  <a:lumMod val="75000"/>
-                </a:schemeClr>
-              </a:solidFill>
-            </a:endParaRPr>
-          </a:p>
-          <a:p>
-            <a:endParaRPr lang="en-US" sz="2000" dirty="0" smtClean="0">
-              <a:solidFill>
-                <a:schemeClr val="accent1">
-                  <a:lumMod val="75000"/>
-                </a:schemeClr>
-              </a:solidFill>
-            </a:endParaRPr>
-          </a:p>
-          <a:p>
-            <a:endParaRPr lang="en-US" sz="2000" dirty="0" smtClean="0">
-              <a:solidFill>
-                <a:schemeClr val="accent1">
-                  <a:lumMod val="75000"/>
-                </a:schemeClr>
-              </a:solidFill>
-            </a:endParaRPr>
-          </a:p>
-        </p:txBody>
-      </p:sp>
-      <p:sp>
-        <p:nvSpPr>
-          <p:cNvPr id="5" name="Footer Placeholder 3"/>
-          <p:cNvSpPr>
-            <a:spLocks noGrp="1"/>
-          </p:cNvSpPr>
-          <p:nvPr>
-            <p:ph type="ftr" sz="quarter" idx="11"/>
-          </p:nvPr>
-        </p:nvSpPr>
-        <p:spPr>
-          <a:xfrm>
-            <a:off x="3124200" y="6356350"/>
-            <a:ext cx="2895600" cy="365125"/>
-          </a:xfrm>
-        </p:spPr>
-        <p:txBody>
-          <a:bodyPr/>
-          <a:lstStyle/>
-          <a:p>
-            <a:r>
-              <a:rPr lang="en-US" dirty="0" smtClean="0">
-                <a:solidFill>
-                  <a:schemeClr val="accent1"/>
-                </a:solidFill>
-              </a:rPr>
-              <a:t>STT 465, MSU, Fall, 2015</a:t>
-            </a:r>
-            <a:endParaRPr lang="en-US" dirty="0">
-              <a:solidFill>
-                <a:schemeClr val="accent1"/>
-              </a:solidFill>
-            </a:endParaRPr>
-          </a:p>
-        </p:txBody>
-      </p:sp>
-      <p:graphicFrame>
-        <p:nvGraphicFramePr>
-          <p:cNvPr id="6" name="Object 5"/>
-          <p:cNvGraphicFramePr>
-            <a:graphicFrameLocks noChangeAspect="1"/>
-          </p:cNvGraphicFramePr>
-          <p:nvPr>
-            <p:extLst>
-              <p:ext uri="{D42A27DB-BD31-4B8C-83A1-F6EECF244321}">
-                <p14:modId xmlns:p14="http://schemas.microsoft.com/office/powerpoint/2010/main" val="230027806"/>
-              </p:ext>
-            </p:extLst>
-          </p:nvPr>
-        </p:nvGraphicFramePr>
-        <p:xfrm>
-          <a:off x="1143000" y="1524000"/>
-          <a:ext cx="1304925" cy="401638"/>
-        </p:xfrm>
-        <a:graphic>
-          <a:graphicData uri="http://schemas.openxmlformats.org/presentationml/2006/ole">
-            <mc:AlternateContent xmlns:mc="http://schemas.openxmlformats.org/markup-compatibility/2006">
-              <mc:Choice xmlns:v="urn:schemas-microsoft-com:vml" Requires="v">
-                <p:oleObj spid="_x0000_s59497" name="Equation" r:id="rId3" imgW="787400" imgH="241300" progId="Equation.3">
-                  <p:embed/>
-                </p:oleObj>
-              </mc:Choice>
-              <mc:Fallback>
-                <p:oleObj name="Equation" r:id="rId3" imgW="787400" imgH="241300" progId="Equation.3">
-                  <p:embed/>
-                  <p:pic>
-                    <p:nvPicPr>
-                      <p:cNvPr id="0" name=""/>
-                      <p:cNvPicPr/>
-                      <p:nvPr/>
-                    </p:nvPicPr>
-                    <p:blipFill>
-                      <a:blip r:embed="rId4"/>
-                      <a:stretch>
-                        <a:fillRect/>
-                      </a:stretch>
-                    </p:blipFill>
-                    <p:spPr>
-                      <a:xfrm>
-                        <a:off x="1143000" y="1524000"/>
-                        <a:ext cx="1304925" cy="401638"/>
-                      </a:xfrm>
-                      <a:prstGeom prst="rect">
-                        <a:avLst/>
-                      </a:prstGeom>
-                    </p:spPr>
-                  </p:pic>
-                </p:oleObj>
-              </mc:Fallback>
-            </mc:AlternateContent>
-          </a:graphicData>
-        </a:graphic>
-      </p:graphicFrame>
-      <p:graphicFrame>
-        <p:nvGraphicFramePr>
-          <p:cNvPr id="9" name="Object 8"/>
-          <p:cNvGraphicFramePr>
-            <a:graphicFrameLocks noChangeAspect="1"/>
-          </p:cNvGraphicFramePr>
-          <p:nvPr>
-            <p:extLst>
-              <p:ext uri="{D42A27DB-BD31-4B8C-83A1-F6EECF244321}">
-                <p14:modId xmlns:p14="http://schemas.microsoft.com/office/powerpoint/2010/main" val="1652034875"/>
-              </p:ext>
-            </p:extLst>
-          </p:nvPr>
-        </p:nvGraphicFramePr>
-        <p:xfrm>
-          <a:off x="3200400" y="1295400"/>
-          <a:ext cx="2295525" cy="717550"/>
-        </p:xfrm>
-        <a:graphic>
-          <a:graphicData uri="http://schemas.openxmlformats.org/presentationml/2006/ole">
-            <mc:AlternateContent xmlns:mc="http://schemas.openxmlformats.org/markup-compatibility/2006">
-              <mc:Choice xmlns:v="urn:schemas-microsoft-com:vml" Requires="v">
-                <p:oleObj spid="_x0000_s59498" name="Equation" r:id="rId5" imgW="1384300" imgH="431800" progId="Equation.3">
-                  <p:embed/>
-                </p:oleObj>
-              </mc:Choice>
-              <mc:Fallback>
-                <p:oleObj name="Equation" r:id="rId5" imgW="1384300" imgH="431800" progId="Equation.3">
-                  <p:embed/>
-                  <p:pic>
-                    <p:nvPicPr>
-                      <p:cNvPr id="0" name=""/>
-                      <p:cNvPicPr/>
-                      <p:nvPr/>
-                    </p:nvPicPr>
-                    <p:blipFill>
-                      <a:blip r:embed="rId6"/>
-                      <a:stretch>
-                        <a:fillRect/>
-                      </a:stretch>
-                    </p:blipFill>
-                    <p:spPr>
-                      <a:xfrm>
-                        <a:off x="3200400" y="1295400"/>
-                        <a:ext cx="2295525" cy="717550"/>
-                      </a:xfrm>
-                      <a:prstGeom prst="rect">
-                        <a:avLst/>
-                      </a:prstGeom>
-                    </p:spPr>
-                  </p:pic>
-                </p:oleObj>
-              </mc:Fallback>
-            </mc:AlternateContent>
-          </a:graphicData>
-        </a:graphic>
-      </p:graphicFrame>
-      <p:graphicFrame>
-        <p:nvGraphicFramePr>
-          <p:cNvPr id="10" name="Object 9"/>
-          <p:cNvGraphicFramePr>
-            <a:graphicFrameLocks noChangeAspect="1"/>
-          </p:cNvGraphicFramePr>
-          <p:nvPr>
-            <p:extLst>
-              <p:ext uri="{D42A27DB-BD31-4B8C-83A1-F6EECF244321}">
-                <p14:modId xmlns:p14="http://schemas.microsoft.com/office/powerpoint/2010/main" val="364894394"/>
-              </p:ext>
-            </p:extLst>
-          </p:nvPr>
-        </p:nvGraphicFramePr>
-        <p:xfrm>
-          <a:off x="5859463" y="1147763"/>
-          <a:ext cx="1852612" cy="1012825"/>
-        </p:xfrm>
-        <a:graphic>
-          <a:graphicData uri="http://schemas.openxmlformats.org/presentationml/2006/ole">
-            <mc:AlternateContent xmlns:mc="http://schemas.openxmlformats.org/markup-compatibility/2006">
-              <mc:Choice xmlns:v="urn:schemas-microsoft-com:vml" Requires="v">
-                <p:oleObj spid="_x0000_s59499" name="Equation" r:id="rId7" imgW="1117600" imgH="609600" progId="Equation.3">
-                  <p:embed/>
-                </p:oleObj>
-              </mc:Choice>
-              <mc:Fallback>
-                <p:oleObj name="Equation" r:id="rId7" imgW="1117600" imgH="609600" progId="Equation.3">
-                  <p:embed/>
-                  <p:pic>
-                    <p:nvPicPr>
-                      <p:cNvPr id="0" name=""/>
-                      <p:cNvPicPr/>
-                      <p:nvPr/>
-                    </p:nvPicPr>
-                    <p:blipFill>
-                      <a:blip r:embed="rId8"/>
-                      <a:stretch>
-                        <a:fillRect/>
-                      </a:stretch>
-                    </p:blipFill>
-                    <p:spPr>
-                      <a:xfrm>
-                        <a:off x="5859463" y="1147763"/>
-                        <a:ext cx="1852612" cy="1012825"/>
-                      </a:xfrm>
-                      <a:prstGeom prst="rect">
-                        <a:avLst/>
-                      </a:prstGeom>
-                    </p:spPr>
-                  </p:pic>
-                </p:oleObj>
-              </mc:Fallback>
-            </mc:AlternateContent>
-          </a:graphicData>
-        </a:graphic>
-      </p:graphicFrame>
-      <p:pic>
-        <p:nvPicPr>
-          <p:cNvPr id="2" name="Picture 1"/>
-          <p:cNvPicPr>
-            <a:picLocks noChangeAspect="1"/>
-          </p:cNvPicPr>
-          <p:nvPr/>
-        </p:nvPicPr>
-        <p:blipFill>
-          <a:blip r:embed="rId9"/>
-          <a:stretch>
-            <a:fillRect/>
-          </a:stretch>
-        </p:blipFill>
-        <p:spPr>
-          <a:xfrm>
-            <a:off x="1219200" y="2286000"/>
-            <a:ext cx="6591300" cy="3683000"/>
-          </a:xfrm>
-          <a:prstGeom prst="rect">
-            <a:avLst/>
-          </a:prstGeom>
-        </p:spPr>
-      </p:pic>
-    </p:spTree>
-    <p:extLst>
-      <p:ext uri="{BB962C8B-B14F-4D97-AF65-F5344CB8AC3E}">
-        <p14:creationId xmlns:p14="http://schemas.microsoft.com/office/powerpoint/2010/main" val="3529295096"/>
-      </p:ext>
-    </p:extLst>
-  </p:cSld>
-  <p:clrMapOvr>
-    <a:masterClrMapping/>
-  </p:clrMapOvr>
-  <p:timing>
-    <p:tnLst>
-      <p:par>
-        <p:cTn xmlns:p14="http://schemas.microsoft.com/office/powerpoint/2010/main" id="1" dur="indefinite" restart="never" nodeType="tmRoot"/>
-      </p:par>
-    </p:tnLst>
-  </p:timing>
-</p:sld>
-</file>
-
-<file path=ppt/slides/slide12.xml><?xml version="1.0" encoding="utf-8"?>
-<p:sld xmlns:a="http://schemas.openxmlformats.org/drawingml/2006/main" xmlns:r="http://schemas.openxmlformats.org/officeDocument/2006/relationships" xmlns:p="http://schemas.openxmlformats.org/presentationml/2006/main">
-  <p:cSld>
-    <p:spTree>
-      <p:nvGrpSpPr>
-        <p:cNvPr id="1" name=""/>
-        <p:cNvGrpSpPr/>
-        <p:nvPr/>
-      </p:nvGrpSpPr>
-      <p:grpSpPr>
-        <a:xfrm>
-          <a:off x="0" y="0"/>
-          <a:ext cx="0" cy="0"/>
-          <a:chOff x="0" y="0"/>
-          <a:chExt cx="0" cy="0"/>
-        </a:xfrm>
-      </p:grpSpPr>
-      <p:sp>
-        <p:nvSpPr>
-          <p:cNvPr id="14" name="TextBox 13"/>
-          <p:cNvSpPr txBox="1"/>
-          <p:nvPr/>
-        </p:nvSpPr>
-        <p:spPr>
-          <a:xfrm>
-            <a:off x="914400" y="0"/>
-            <a:ext cx="7467600" cy="646331"/>
-          </a:xfrm>
-          <a:prstGeom prst="rect">
-            <a:avLst/>
-          </a:prstGeom>
-          <a:noFill/>
-          <a:ln>
-            <a:solidFill>
-              <a:srgbClr val="800000"/>
-            </a:solidFill>
-            <a:prstDash val="sysDash"/>
-          </a:ln>
-        </p:spPr>
-        <p:txBody>
-          <a:bodyPr wrap="square" rtlCol="0">
-            <a:spAutoFit/>
-          </a:bodyPr>
-          <a:lstStyle/>
-          <a:p>
-            <a:endParaRPr lang="en-US" sz="800" dirty="0" smtClean="0">
-              <a:solidFill>
-                <a:srgbClr val="800000"/>
-              </a:solidFill>
-            </a:endParaRPr>
-          </a:p>
-          <a:p>
-            <a:pPr algn="ctr"/>
-            <a:r>
-              <a:rPr lang="en-US" sz="2800" dirty="0" smtClean="0">
-                <a:solidFill>
-                  <a:srgbClr val="800000"/>
-                </a:solidFill>
-              </a:rPr>
-              <a:t>Logistic Regression</a:t>
-            </a:r>
-            <a:endParaRPr lang="en-US" dirty="0" smtClean="0">
-              <a:solidFill>
-                <a:schemeClr val="accent1">
-                  <a:lumMod val="75000"/>
-                </a:schemeClr>
-              </a:solidFill>
-            </a:endParaRPr>
-          </a:p>
-        </p:txBody>
-      </p:sp>
-      <p:sp>
-        <p:nvSpPr>
-          <p:cNvPr id="15" name="TextBox 14"/>
-          <p:cNvSpPr txBox="1"/>
-          <p:nvPr/>
-        </p:nvSpPr>
-        <p:spPr>
-          <a:xfrm>
-            <a:off x="457200" y="990600"/>
-            <a:ext cx="8229600" cy="3477875"/>
-          </a:xfrm>
-          <a:prstGeom prst="rect">
-            <a:avLst/>
-          </a:prstGeom>
-          <a:noFill/>
-        </p:spPr>
-        <p:txBody>
-          <a:bodyPr wrap="square" rtlCol="0">
-            <a:spAutoFit/>
-          </a:bodyPr>
-          <a:lstStyle/>
-          <a:p>
-            <a:r>
-              <a:rPr lang="en-US" sz="2000" dirty="0" smtClean="0">
-                <a:solidFill>
-                  <a:schemeClr val="accent1">
-                    <a:lumMod val="75000"/>
-                  </a:schemeClr>
-                </a:solidFill>
-              </a:rPr>
-              <a:t>-  Likelihood Function</a:t>
-            </a:r>
-            <a:endParaRPr lang="en-US" sz="2000" dirty="0">
-              <a:solidFill>
-                <a:schemeClr val="accent1">
-                  <a:lumMod val="75000"/>
-                </a:schemeClr>
-              </a:solidFill>
-            </a:endParaRPr>
-          </a:p>
-          <a:p>
-            <a:endParaRPr lang="en-US" sz="2000" dirty="0" smtClean="0">
-              <a:solidFill>
-                <a:schemeClr val="accent1">
-                  <a:lumMod val="75000"/>
-                </a:schemeClr>
-              </a:solidFill>
-            </a:endParaRPr>
-          </a:p>
-          <a:p>
-            <a:endParaRPr lang="en-US" sz="2000" dirty="0">
-              <a:solidFill>
-                <a:schemeClr val="accent1">
-                  <a:lumMod val="75000"/>
-                </a:schemeClr>
-              </a:solidFill>
-            </a:endParaRPr>
-          </a:p>
-          <a:p>
-            <a:endParaRPr lang="en-US" sz="2000" dirty="0" smtClean="0">
-              <a:solidFill>
-                <a:schemeClr val="accent1">
-                  <a:lumMod val="75000"/>
-                </a:schemeClr>
-              </a:solidFill>
-            </a:endParaRPr>
-          </a:p>
-          <a:p>
-            <a:endParaRPr lang="en-US" sz="2000" dirty="0">
-              <a:solidFill>
-                <a:schemeClr val="accent1">
-                  <a:lumMod val="75000"/>
-                </a:schemeClr>
-              </a:solidFill>
-            </a:endParaRPr>
-          </a:p>
-          <a:p>
-            <a:endParaRPr lang="en-US" sz="2000" dirty="0" smtClean="0">
-              <a:solidFill>
-                <a:schemeClr val="accent1">
-                  <a:lumMod val="75000"/>
-                </a:schemeClr>
-              </a:solidFill>
-            </a:endParaRPr>
-          </a:p>
-          <a:p>
-            <a:endParaRPr lang="en-US" sz="2000" dirty="0">
-              <a:solidFill>
-                <a:schemeClr val="accent1">
-                  <a:lumMod val="75000"/>
-                </a:schemeClr>
-              </a:solidFill>
-            </a:endParaRPr>
-          </a:p>
-          <a:p>
-            <a:endParaRPr lang="en-US" sz="2000" dirty="0" smtClean="0">
-              <a:solidFill>
-                <a:schemeClr val="accent1">
-                  <a:lumMod val="75000"/>
-                </a:schemeClr>
-              </a:solidFill>
-            </a:endParaRPr>
-          </a:p>
-          <a:p>
-            <a:endParaRPr lang="en-US" sz="2000" dirty="0">
-              <a:solidFill>
-                <a:schemeClr val="accent1">
-                  <a:lumMod val="75000"/>
-                </a:schemeClr>
-              </a:solidFill>
-            </a:endParaRPr>
-          </a:p>
-          <a:p>
-            <a:endParaRPr lang="en-US" sz="2000" dirty="0" smtClean="0">
-              <a:solidFill>
-                <a:schemeClr val="accent1">
-                  <a:lumMod val="75000"/>
-                </a:schemeClr>
-              </a:solidFill>
-            </a:endParaRPr>
-          </a:p>
-          <a:p>
-            <a:endParaRPr lang="en-US" sz="2000" dirty="0" smtClean="0">
-              <a:solidFill>
-                <a:schemeClr val="accent1">
-                  <a:lumMod val="75000"/>
-                </a:schemeClr>
-              </a:solidFill>
-            </a:endParaRPr>
-          </a:p>
-        </p:txBody>
-      </p:sp>
-      <p:sp>
-        <p:nvSpPr>
-          <p:cNvPr id="5" name="Footer Placeholder 3"/>
-          <p:cNvSpPr>
-            <a:spLocks noGrp="1"/>
-          </p:cNvSpPr>
-          <p:nvPr>
-            <p:ph type="ftr" sz="quarter" idx="11"/>
-          </p:nvPr>
-        </p:nvSpPr>
-        <p:spPr>
-          <a:xfrm>
-            <a:off x="3124200" y="6356350"/>
-            <a:ext cx="2895600" cy="365125"/>
-          </a:xfrm>
-        </p:spPr>
-        <p:txBody>
-          <a:bodyPr/>
-          <a:lstStyle/>
-          <a:p>
-            <a:r>
-              <a:rPr lang="en-US" dirty="0" smtClean="0">
-                <a:solidFill>
-                  <a:schemeClr val="accent1"/>
-                </a:solidFill>
-              </a:rPr>
-              <a:t>STT 465, MSU, Fall, 2015</a:t>
-            </a:r>
-            <a:endParaRPr lang="en-US" dirty="0">
-              <a:solidFill>
-                <a:schemeClr val="accent1"/>
-              </a:solidFill>
-            </a:endParaRPr>
-          </a:p>
-        </p:txBody>
-      </p:sp>
-      <p:graphicFrame>
-        <p:nvGraphicFramePr>
-          <p:cNvPr id="9" name="Object 8"/>
-          <p:cNvGraphicFramePr>
-            <a:graphicFrameLocks noChangeAspect="1"/>
-          </p:cNvGraphicFramePr>
-          <p:nvPr>
-            <p:extLst>
-              <p:ext uri="{D42A27DB-BD31-4B8C-83A1-F6EECF244321}">
-                <p14:modId xmlns:p14="http://schemas.microsoft.com/office/powerpoint/2010/main" val="4286215689"/>
-              </p:ext>
-            </p:extLst>
-          </p:nvPr>
-        </p:nvGraphicFramePr>
-        <p:xfrm>
-          <a:off x="1524000" y="1752600"/>
-          <a:ext cx="2736850" cy="717550"/>
-        </p:xfrm>
-        <a:graphic>
-          <a:graphicData uri="http://schemas.openxmlformats.org/presentationml/2006/ole">
-            <mc:AlternateContent xmlns:mc="http://schemas.openxmlformats.org/markup-compatibility/2006">
-              <mc:Choice xmlns:v="urn:schemas-microsoft-com:vml" Requires="v">
-                <p:oleObj spid="_x0000_s60560" name="Equation" r:id="rId3" imgW="1651000" imgH="431800" progId="Equation.3">
-                  <p:embed/>
-                </p:oleObj>
-              </mc:Choice>
-              <mc:Fallback>
-                <p:oleObj name="Equation" r:id="rId3" imgW="1651000" imgH="431800" progId="Equation.3">
-                  <p:embed/>
-                  <p:pic>
-                    <p:nvPicPr>
-                      <p:cNvPr id="0" name=""/>
-                      <p:cNvPicPr/>
-                      <p:nvPr/>
-                    </p:nvPicPr>
-                    <p:blipFill>
-                      <a:blip r:embed="rId4"/>
-                      <a:stretch>
-                        <a:fillRect/>
-                      </a:stretch>
-                    </p:blipFill>
-                    <p:spPr>
-                      <a:xfrm>
-                        <a:off x="1524000" y="1752600"/>
-                        <a:ext cx="2736850" cy="717550"/>
-                      </a:xfrm>
-                      <a:prstGeom prst="rect">
-                        <a:avLst/>
-                      </a:prstGeom>
-                    </p:spPr>
-                  </p:pic>
-                </p:oleObj>
-              </mc:Fallback>
-            </mc:AlternateContent>
-          </a:graphicData>
-        </a:graphic>
-      </p:graphicFrame>
-      <p:graphicFrame>
-        <p:nvGraphicFramePr>
-          <p:cNvPr id="10" name="Object 9"/>
-          <p:cNvGraphicFramePr>
-            <a:graphicFrameLocks noChangeAspect="1"/>
-          </p:cNvGraphicFramePr>
-          <p:nvPr>
-            <p:extLst>
-              <p:ext uri="{D42A27DB-BD31-4B8C-83A1-F6EECF244321}">
-                <p14:modId xmlns:p14="http://schemas.microsoft.com/office/powerpoint/2010/main" val="3970372604"/>
-              </p:ext>
-            </p:extLst>
-          </p:nvPr>
-        </p:nvGraphicFramePr>
-        <p:xfrm>
-          <a:off x="4572000" y="1600200"/>
-          <a:ext cx="1893887" cy="1012825"/>
-        </p:xfrm>
-        <a:graphic>
-          <a:graphicData uri="http://schemas.openxmlformats.org/presentationml/2006/ole">
-            <mc:AlternateContent xmlns:mc="http://schemas.openxmlformats.org/markup-compatibility/2006">
-              <mc:Choice xmlns:v="urn:schemas-microsoft-com:vml" Requires="v">
-                <p:oleObj spid="_x0000_s60561" name="Equation" r:id="rId5" imgW="1143000" imgH="609600" progId="Equation.3">
-                  <p:embed/>
-                </p:oleObj>
-              </mc:Choice>
-              <mc:Fallback>
-                <p:oleObj name="Equation" r:id="rId5" imgW="1143000" imgH="609600" progId="Equation.3">
-                  <p:embed/>
-                  <p:pic>
-                    <p:nvPicPr>
-                      <p:cNvPr id="0" name=""/>
-                      <p:cNvPicPr/>
-                      <p:nvPr/>
-                    </p:nvPicPr>
-                    <p:blipFill>
-                      <a:blip r:embed="rId6"/>
-                      <a:stretch>
-                        <a:fillRect/>
-                      </a:stretch>
-                    </p:blipFill>
-                    <p:spPr>
-                      <a:xfrm>
-                        <a:off x="4572000" y="1600200"/>
-                        <a:ext cx="1893887" cy="1012825"/>
-                      </a:xfrm>
-                      <a:prstGeom prst="rect">
-                        <a:avLst/>
-                      </a:prstGeom>
-                    </p:spPr>
-                  </p:pic>
-                </p:oleObj>
-              </mc:Fallback>
-            </mc:AlternateContent>
-          </a:graphicData>
-        </a:graphic>
-      </p:graphicFrame>
-      <p:graphicFrame>
-        <p:nvGraphicFramePr>
-          <p:cNvPr id="11" name="Object 10"/>
-          <p:cNvGraphicFramePr>
-            <a:graphicFrameLocks noChangeAspect="1"/>
-          </p:cNvGraphicFramePr>
-          <p:nvPr>
-            <p:extLst>
-              <p:ext uri="{D42A27DB-BD31-4B8C-83A1-F6EECF244321}">
-                <p14:modId xmlns:p14="http://schemas.microsoft.com/office/powerpoint/2010/main" val="2292717311"/>
-              </p:ext>
-            </p:extLst>
-          </p:nvPr>
-        </p:nvGraphicFramePr>
-        <p:xfrm>
-          <a:off x="3124200" y="762000"/>
-          <a:ext cx="3581400" cy="755772"/>
-        </p:xfrm>
-        <a:graphic>
-          <a:graphicData uri="http://schemas.openxmlformats.org/presentationml/2006/ole">
-            <mc:AlternateContent xmlns:mc="http://schemas.openxmlformats.org/markup-compatibility/2006">
-              <mc:Choice xmlns:v="urn:schemas-microsoft-com:vml" Requires="v">
-                <p:oleObj spid="_x0000_s60562" name="Equation" r:id="rId7" imgW="1511300" imgH="317500" progId="Equation.3">
-                  <p:embed/>
-                </p:oleObj>
-              </mc:Choice>
-              <mc:Fallback>
-                <p:oleObj name="Equation" r:id="rId7" imgW="1511300" imgH="317500" progId="Equation.3">
-                  <p:embed/>
-                  <p:pic>
-                    <p:nvPicPr>
-                      <p:cNvPr id="0" name=""/>
-                      <p:cNvPicPr/>
-                      <p:nvPr/>
-                    </p:nvPicPr>
-                    <p:blipFill>
-                      <a:blip r:embed="rId8"/>
-                      <a:stretch>
-                        <a:fillRect/>
-                      </a:stretch>
-                    </p:blipFill>
-                    <p:spPr>
-                      <a:xfrm>
-                        <a:off x="3124200" y="762000"/>
-                        <a:ext cx="3581400" cy="755772"/>
-                      </a:xfrm>
-                      <a:prstGeom prst="rect">
-                        <a:avLst/>
-                      </a:prstGeom>
-                    </p:spPr>
-                  </p:pic>
-                </p:oleObj>
-              </mc:Fallback>
-            </mc:AlternateContent>
-          </a:graphicData>
-        </a:graphic>
-      </p:graphicFrame>
-      <p:graphicFrame>
-        <p:nvGraphicFramePr>
-          <p:cNvPr id="12" name="Object 11"/>
-          <p:cNvGraphicFramePr>
-            <a:graphicFrameLocks noChangeAspect="1"/>
-          </p:cNvGraphicFramePr>
-          <p:nvPr>
-            <p:extLst>
-              <p:ext uri="{D42A27DB-BD31-4B8C-83A1-F6EECF244321}">
-                <p14:modId xmlns:p14="http://schemas.microsoft.com/office/powerpoint/2010/main" val="2883083033"/>
-              </p:ext>
-            </p:extLst>
-          </p:nvPr>
-        </p:nvGraphicFramePr>
-        <p:xfrm>
-          <a:off x="1752600" y="2895600"/>
-          <a:ext cx="5116512" cy="1208088"/>
-        </p:xfrm>
-        <a:graphic>
-          <a:graphicData uri="http://schemas.openxmlformats.org/presentationml/2006/ole">
-            <mc:AlternateContent xmlns:mc="http://schemas.openxmlformats.org/markup-compatibility/2006">
-              <mc:Choice xmlns:v="urn:schemas-microsoft-com:vml" Requires="v">
-                <p:oleObj spid="_x0000_s60563" name="Equation" r:id="rId9" imgW="2159000" imgH="508000" progId="Equation.3">
-                  <p:embed/>
-                </p:oleObj>
-              </mc:Choice>
-              <mc:Fallback>
-                <p:oleObj name="Equation" r:id="rId9" imgW="2159000" imgH="508000" progId="Equation.3">
-                  <p:embed/>
-                  <p:pic>
-                    <p:nvPicPr>
-                      <p:cNvPr id="0" name=""/>
-                      <p:cNvPicPr/>
-                      <p:nvPr/>
-                    </p:nvPicPr>
-                    <p:blipFill>
-                      <a:blip r:embed="rId10"/>
-                      <a:stretch>
-                        <a:fillRect/>
-                      </a:stretch>
-                    </p:blipFill>
-                    <p:spPr>
-                      <a:xfrm>
-                        <a:off x="1752600" y="2895600"/>
-                        <a:ext cx="5116512" cy="1208088"/>
-                      </a:xfrm>
-                      <a:prstGeom prst="rect">
-                        <a:avLst/>
-                      </a:prstGeom>
-                    </p:spPr>
-                  </p:pic>
-                </p:oleObj>
-              </mc:Fallback>
-            </mc:AlternateContent>
-          </a:graphicData>
-        </a:graphic>
-      </p:graphicFrame>
-      <p:sp>
-        <p:nvSpPr>
-          <p:cNvPr id="13" name="TextBox 12"/>
-          <p:cNvSpPr txBox="1"/>
-          <p:nvPr/>
-        </p:nvSpPr>
-        <p:spPr>
-          <a:xfrm>
-            <a:off x="152400" y="4114800"/>
-            <a:ext cx="8839200" cy="830997"/>
-          </a:xfrm>
-          <a:prstGeom prst="rect">
-            <a:avLst/>
-          </a:prstGeom>
-          <a:noFill/>
-        </p:spPr>
-        <p:txBody>
-          <a:bodyPr wrap="square" rtlCol="0">
-            <a:spAutoFit/>
-          </a:bodyPr>
-          <a:lstStyle/>
-          <a:p>
-            <a:pPr marL="342900" indent="-342900">
-              <a:buFontTx/>
-              <a:buChar char="-"/>
-            </a:pPr>
-            <a:r>
-              <a:rPr lang="en-US" sz="2400" dirty="0" smtClean="0">
-                <a:solidFill>
-                  <a:schemeClr val="tx2"/>
-                </a:solidFill>
-              </a:rPr>
-              <a:t>The above likelihood can be maximized with respect to regression coefficient to obtain Max. Likelihood Estimates.</a:t>
-            </a:r>
-          </a:p>
-        </p:txBody>
-      </p:sp>
-      <p:sp>
-        <p:nvSpPr>
-          <p:cNvPr id="16" name="TextBox 15"/>
-          <p:cNvSpPr txBox="1"/>
-          <p:nvPr/>
-        </p:nvSpPr>
-        <p:spPr>
-          <a:xfrm>
-            <a:off x="2133600" y="5029200"/>
-            <a:ext cx="5029200" cy="1200328"/>
-          </a:xfrm>
-          <a:prstGeom prst="rect">
-            <a:avLst/>
-          </a:prstGeom>
-          <a:solidFill>
-            <a:schemeClr val="accent6">
-              <a:lumMod val="20000"/>
-              <a:lumOff val="80000"/>
-            </a:schemeClr>
-          </a:solidFill>
-        </p:spPr>
-        <p:txBody>
-          <a:bodyPr wrap="square" rtlCol="0">
-            <a:spAutoFit/>
-          </a:bodyPr>
-          <a:lstStyle/>
-          <a:p>
-            <a:pPr algn="ctr"/>
-            <a:r>
-              <a:rPr lang="en-US" sz="2400" dirty="0" smtClean="0">
-                <a:solidFill>
-                  <a:schemeClr val="tx2"/>
-                </a:solidFill>
-              </a:rPr>
-              <a:t>   </a:t>
-            </a:r>
-          </a:p>
-          <a:p>
-            <a:pPr algn="ctr"/>
-            <a:r>
-              <a:rPr lang="en-US" sz="2400" dirty="0" err="1" smtClean="0">
-                <a:latin typeface="Courier New"/>
-                <a:cs typeface="Courier New"/>
-              </a:rPr>
-              <a:t>glm</a:t>
-            </a:r>
-            <a:r>
-              <a:rPr lang="en-US" sz="2400" dirty="0" smtClean="0">
-                <a:latin typeface="Courier New"/>
-                <a:cs typeface="Courier New"/>
-              </a:rPr>
-              <a:t>(</a:t>
-            </a:r>
-            <a:r>
-              <a:rPr lang="en-US" sz="2400" dirty="0" err="1" smtClean="0">
-                <a:latin typeface="Courier New"/>
-                <a:cs typeface="Courier New"/>
-              </a:rPr>
-              <a:t>y~X,family</a:t>
-            </a:r>
-            <a:r>
-              <a:rPr lang="en-US" sz="2400" dirty="0" smtClean="0">
-                <a:latin typeface="Courier New"/>
-                <a:cs typeface="Courier New"/>
-              </a:rPr>
-              <a:t>=binomial)</a:t>
-            </a:r>
-          </a:p>
-          <a:p>
-            <a:pPr algn="ctr"/>
-            <a:endParaRPr lang="en-US" sz="2400" dirty="0" smtClean="0">
-              <a:latin typeface="Courier New"/>
-              <a:cs typeface="Courier New"/>
-            </a:endParaRPr>
-          </a:p>
-        </p:txBody>
-      </p:sp>
-    </p:spTree>
-    <p:extLst>
-      <p:ext uri="{BB962C8B-B14F-4D97-AF65-F5344CB8AC3E}">
-        <p14:creationId xmlns:p14="http://schemas.microsoft.com/office/powerpoint/2010/main" val="3197103422"/>
-      </p:ext>
-    </p:extLst>
-  </p:cSld>
-  <p:clrMapOvr>
-    <a:masterClrMapping/>
-  </p:clrMapOvr>
-  <p:timing>
-    <p:tnLst>
-      <p:par>
-        <p:cTn xmlns:p14="http://schemas.microsoft.com/office/powerpoint/2010/main" id="1" dur="indefinite" restart="never" nodeType="tmRoot"/>
-      </p:par>
-    </p:tnLst>
-  </p:timing>
-</p:sld>
-</file>
-
-<file path=ppt/slides/slide13.xml><?xml version="1.0" encoding="utf-8"?>
-<p:sld xmlns:a="http://schemas.openxmlformats.org/drawingml/2006/main" xmlns:r="http://schemas.openxmlformats.org/officeDocument/2006/relationships" xmlns:p="http://schemas.openxmlformats.org/presentationml/2006/main">
-  <p:cSld>
-    <p:spTree>
-      <p:nvGrpSpPr>
-        <p:cNvPr id="1" name=""/>
-        <p:cNvGrpSpPr/>
-        <p:nvPr/>
-      </p:nvGrpSpPr>
-      <p:grpSpPr>
-        <a:xfrm>
-          <a:off x="0" y="0"/>
-          <a:ext cx="0" cy="0"/>
-          <a:chOff x="0" y="0"/>
-          <a:chExt cx="0" cy="0"/>
-        </a:xfrm>
-      </p:grpSpPr>
-      <p:sp>
-        <p:nvSpPr>
-          <p:cNvPr id="14" name="TextBox 13"/>
-          <p:cNvSpPr txBox="1"/>
-          <p:nvPr/>
-        </p:nvSpPr>
-        <p:spPr>
-          <a:xfrm>
-            <a:off x="914400" y="0"/>
-            <a:ext cx="7467600" cy="646331"/>
-          </a:xfrm>
-          <a:prstGeom prst="rect">
-            <a:avLst/>
-          </a:prstGeom>
-          <a:noFill/>
-          <a:ln>
-            <a:solidFill>
-              <a:srgbClr val="800000"/>
-            </a:solidFill>
-            <a:prstDash val="sysDash"/>
-          </a:ln>
-        </p:spPr>
-        <p:txBody>
-          <a:bodyPr wrap="square" rtlCol="0">
-            <a:spAutoFit/>
-          </a:bodyPr>
-          <a:lstStyle/>
-          <a:p>
-            <a:endParaRPr lang="en-US" sz="800" dirty="0" smtClean="0">
-              <a:solidFill>
-                <a:srgbClr val="800000"/>
-              </a:solidFill>
-            </a:endParaRPr>
-          </a:p>
-          <a:p>
-            <a:pPr algn="ctr"/>
-            <a:r>
-              <a:rPr lang="en-US" sz="2800" dirty="0" smtClean="0">
-                <a:solidFill>
-                  <a:srgbClr val="800000"/>
-                </a:solidFill>
-              </a:rPr>
-              <a:t>Threshold Model (</a:t>
-            </a:r>
-            <a:r>
-              <a:rPr lang="en-US" sz="2800" dirty="0" err="1" smtClean="0">
-                <a:solidFill>
-                  <a:srgbClr val="800000"/>
-                </a:solidFill>
-              </a:rPr>
-              <a:t>Probit</a:t>
-            </a:r>
-            <a:r>
-              <a:rPr lang="en-US" sz="2800" dirty="0" smtClean="0">
-                <a:solidFill>
-                  <a:srgbClr val="800000"/>
-                </a:solidFill>
-              </a:rPr>
-              <a:t> Link)</a:t>
-            </a:r>
-            <a:endParaRPr lang="en-US" dirty="0" smtClean="0">
-              <a:solidFill>
-                <a:schemeClr val="accent1">
-                  <a:lumMod val="75000"/>
-                </a:schemeClr>
-              </a:solidFill>
-            </a:endParaRPr>
-          </a:p>
-        </p:txBody>
-      </p:sp>
-      <p:sp>
-        <p:nvSpPr>
-          <p:cNvPr id="15" name="TextBox 14"/>
-          <p:cNvSpPr txBox="1"/>
-          <p:nvPr/>
-        </p:nvSpPr>
-        <p:spPr>
-          <a:xfrm>
-            <a:off x="457200" y="990600"/>
-            <a:ext cx="8229600" cy="5016758"/>
-          </a:xfrm>
-          <a:prstGeom prst="rect">
-            <a:avLst/>
-          </a:prstGeom>
-          <a:noFill/>
-        </p:spPr>
-        <p:txBody>
-          <a:bodyPr wrap="square" rtlCol="0">
-            <a:spAutoFit/>
-          </a:bodyPr>
-          <a:lstStyle/>
-          <a:p>
-            <a:endParaRPr lang="en-US" sz="2000" dirty="0" smtClean="0">
-              <a:solidFill>
-                <a:schemeClr val="accent1">
-                  <a:lumMod val="75000"/>
-                </a:schemeClr>
-              </a:solidFill>
-            </a:endParaRPr>
-          </a:p>
-          <a:p>
-            <a:endParaRPr lang="en-US" sz="2000" dirty="0">
-              <a:solidFill>
-                <a:schemeClr val="accent1">
-                  <a:lumMod val="75000"/>
-                </a:schemeClr>
-              </a:solidFill>
-            </a:endParaRPr>
-          </a:p>
-          <a:p>
-            <a:endParaRPr lang="en-US" sz="2000" dirty="0" smtClean="0">
-              <a:solidFill>
-                <a:schemeClr val="accent1">
-                  <a:lumMod val="75000"/>
-                </a:schemeClr>
-              </a:solidFill>
-            </a:endParaRPr>
-          </a:p>
-          <a:p>
-            <a:endParaRPr lang="en-US" sz="2000" dirty="0">
-              <a:solidFill>
-                <a:schemeClr val="accent1">
-                  <a:lumMod val="75000"/>
-                </a:schemeClr>
-              </a:solidFill>
-            </a:endParaRPr>
-          </a:p>
-          <a:p>
-            <a:endParaRPr lang="en-US" sz="2000" dirty="0" smtClean="0">
-              <a:solidFill>
-                <a:schemeClr val="accent1">
-                  <a:lumMod val="75000"/>
-                </a:schemeClr>
-              </a:solidFill>
-            </a:endParaRPr>
-          </a:p>
-          <a:p>
-            <a:endParaRPr lang="en-US" sz="2000" dirty="0">
-              <a:solidFill>
-                <a:schemeClr val="accent1">
-                  <a:lumMod val="75000"/>
-                </a:schemeClr>
-              </a:solidFill>
-            </a:endParaRPr>
-          </a:p>
-          <a:p>
-            <a:endParaRPr lang="en-US" sz="2000" dirty="0" smtClean="0">
-              <a:solidFill>
-                <a:schemeClr val="accent1">
-                  <a:lumMod val="75000"/>
-                </a:schemeClr>
-              </a:solidFill>
-            </a:endParaRPr>
-          </a:p>
-          <a:p>
-            <a:endParaRPr lang="en-US" sz="2000" dirty="0">
-              <a:solidFill>
-                <a:schemeClr val="accent1">
-                  <a:lumMod val="75000"/>
-                </a:schemeClr>
-              </a:solidFill>
-            </a:endParaRPr>
-          </a:p>
-          <a:p>
-            <a:endParaRPr lang="en-US" sz="2000" dirty="0" smtClean="0">
-              <a:solidFill>
-                <a:schemeClr val="accent1">
-                  <a:lumMod val="75000"/>
-                </a:schemeClr>
-              </a:solidFill>
-            </a:endParaRPr>
-          </a:p>
-          <a:p>
-            <a:endParaRPr lang="en-US" sz="2000" dirty="0">
-              <a:solidFill>
-                <a:schemeClr val="accent1">
-                  <a:lumMod val="75000"/>
-                </a:schemeClr>
-              </a:solidFill>
-            </a:endParaRPr>
-          </a:p>
-          <a:p>
-            <a:endParaRPr lang="en-US" sz="2000" dirty="0" smtClean="0">
-              <a:solidFill>
-                <a:schemeClr val="accent1">
-                  <a:lumMod val="75000"/>
-                </a:schemeClr>
-              </a:solidFill>
-            </a:endParaRPr>
-          </a:p>
-          <a:p>
-            <a:endParaRPr lang="en-US" sz="2000" dirty="0">
-              <a:solidFill>
-                <a:schemeClr val="accent1">
-                  <a:lumMod val="75000"/>
-                </a:schemeClr>
-              </a:solidFill>
-            </a:endParaRPr>
-          </a:p>
-          <a:p>
-            <a:endParaRPr lang="en-US" sz="2000" dirty="0" smtClean="0">
-              <a:solidFill>
-                <a:schemeClr val="accent1">
-                  <a:lumMod val="75000"/>
-                </a:schemeClr>
-              </a:solidFill>
-            </a:endParaRPr>
-          </a:p>
-          <a:p>
-            <a:endParaRPr lang="en-US" sz="2000" dirty="0">
-              <a:solidFill>
-                <a:schemeClr val="accent1">
-                  <a:lumMod val="75000"/>
-                </a:schemeClr>
-              </a:solidFill>
-            </a:endParaRPr>
-          </a:p>
-          <a:p>
-            <a:endParaRPr lang="en-US" sz="2000" dirty="0" smtClean="0">
-              <a:solidFill>
-                <a:schemeClr val="accent1">
-                  <a:lumMod val="75000"/>
-                </a:schemeClr>
-              </a:solidFill>
-            </a:endParaRPr>
-          </a:p>
-          <a:p>
-            <a:endParaRPr lang="en-US" sz="2000" dirty="0" smtClean="0">
-              <a:solidFill>
-                <a:schemeClr val="accent1">
-                  <a:lumMod val="75000"/>
-                </a:schemeClr>
-              </a:solidFill>
-            </a:endParaRPr>
-          </a:p>
-        </p:txBody>
-      </p:sp>
-      <p:sp>
-        <p:nvSpPr>
-          <p:cNvPr id="5" name="Footer Placeholder 3"/>
-          <p:cNvSpPr>
-            <a:spLocks noGrp="1"/>
-          </p:cNvSpPr>
-          <p:nvPr>
-            <p:ph type="ftr" sz="quarter" idx="11"/>
-          </p:nvPr>
-        </p:nvSpPr>
-        <p:spPr>
-          <a:xfrm>
-            <a:off x="3124200" y="6356350"/>
-            <a:ext cx="2895600" cy="365125"/>
-          </a:xfrm>
-        </p:spPr>
-        <p:txBody>
-          <a:bodyPr/>
-          <a:lstStyle/>
-          <a:p>
-            <a:r>
-              <a:rPr lang="en-US" dirty="0" smtClean="0">
-                <a:solidFill>
-                  <a:schemeClr val="accent1"/>
-                </a:solidFill>
-              </a:rPr>
-              <a:t>STT 465, MSU, Fall, 2015</a:t>
-            </a:r>
-            <a:endParaRPr lang="en-US" dirty="0">
-              <a:solidFill>
-                <a:schemeClr val="accent1"/>
-              </a:solidFill>
-            </a:endParaRPr>
-          </a:p>
-        </p:txBody>
-      </p:sp>
-      <p:graphicFrame>
-        <p:nvGraphicFramePr>
-          <p:cNvPr id="11" name="Object 10"/>
-          <p:cNvGraphicFramePr>
-            <a:graphicFrameLocks noChangeAspect="1"/>
-          </p:cNvGraphicFramePr>
-          <p:nvPr>
-            <p:extLst>
-              <p:ext uri="{D42A27DB-BD31-4B8C-83A1-F6EECF244321}">
-                <p14:modId xmlns:p14="http://schemas.microsoft.com/office/powerpoint/2010/main" val="2436574787"/>
-              </p:ext>
-            </p:extLst>
-          </p:nvPr>
-        </p:nvGraphicFramePr>
-        <p:xfrm>
-          <a:off x="1712913" y="1295400"/>
-          <a:ext cx="2260600" cy="685800"/>
-        </p:xfrm>
-        <a:graphic>
-          <a:graphicData uri="http://schemas.openxmlformats.org/presentationml/2006/ole">
-            <mc:AlternateContent xmlns:mc="http://schemas.openxmlformats.org/markup-compatibility/2006">
-              <mc:Choice xmlns:v="urn:schemas-microsoft-com:vml" Requires="v">
-                <p:oleObj spid="_x0000_s63609" name="Equation" r:id="rId3" imgW="1092200" imgH="330200" progId="Equation.3">
-                  <p:embed/>
-                </p:oleObj>
-              </mc:Choice>
-              <mc:Fallback>
-                <p:oleObj name="Equation" r:id="rId3" imgW="1092200" imgH="330200" progId="Equation.3">
-                  <p:embed/>
-                  <p:pic>
-                    <p:nvPicPr>
-                      <p:cNvPr id="0" name=""/>
-                      <p:cNvPicPr/>
-                      <p:nvPr/>
-                    </p:nvPicPr>
-                    <p:blipFill>
-                      <a:blip r:embed="rId4"/>
-                      <a:stretch>
-                        <a:fillRect/>
-                      </a:stretch>
-                    </p:blipFill>
-                    <p:spPr>
-                      <a:xfrm>
-                        <a:off x="1712913" y="1295400"/>
-                        <a:ext cx="2260600" cy="685800"/>
-                      </a:xfrm>
-                      <a:prstGeom prst="rect">
-                        <a:avLst/>
-                      </a:prstGeom>
-                    </p:spPr>
-                  </p:pic>
-                </p:oleObj>
-              </mc:Fallback>
-            </mc:AlternateContent>
-          </a:graphicData>
-        </a:graphic>
-      </p:graphicFrame>
-      <p:graphicFrame>
-        <p:nvGraphicFramePr>
-          <p:cNvPr id="12" name="Object 11"/>
-          <p:cNvGraphicFramePr>
-            <a:graphicFrameLocks noChangeAspect="1"/>
-          </p:cNvGraphicFramePr>
-          <p:nvPr>
-            <p:extLst>
-              <p:ext uri="{D42A27DB-BD31-4B8C-83A1-F6EECF244321}">
-                <p14:modId xmlns:p14="http://schemas.microsoft.com/office/powerpoint/2010/main" val="2179518489"/>
-              </p:ext>
-            </p:extLst>
-          </p:nvPr>
-        </p:nvGraphicFramePr>
-        <p:xfrm>
-          <a:off x="5638800" y="1143000"/>
-          <a:ext cx="2416175" cy="976312"/>
-        </p:xfrm>
-        <a:graphic>
-          <a:graphicData uri="http://schemas.openxmlformats.org/presentationml/2006/ole">
-            <mc:AlternateContent xmlns:mc="http://schemas.openxmlformats.org/markup-compatibility/2006">
-              <mc:Choice xmlns:v="urn:schemas-microsoft-com:vml" Requires="v">
-                <p:oleObj spid="_x0000_s63610" name="Equation" r:id="rId5" imgW="1168400" imgH="469900" progId="Equation.3">
-                  <p:embed/>
-                </p:oleObj>
-              </mc:Choice>
-              <mc:Fallback>
-                <p:oleObj name="Equation" r:id="rId5" imgW="1168400" imgH="469900" progId="Equation.3">
-                  <p:embed/>
-                  <p:pic>
-                    <p:nvPicPr>
-                      <p:cNvPr id="0" name=""/>
-                      <p:cNvPicPr/>
-                      <p:nvPr/>
-                    </p:nvPicPr>
-                    <p:blipFill>
-                      <a:blip r:embed="rId6"/>
-                      <a:stretch>
-                        <a:fillRect/>
-                      </a:stretch>
-                    </p:blipFill>
-                    <p:spPr>
-                      <a:xfrm>
-                        <a:off x="5638800" y="1143000"/>
-                        <a:ext cx="2416175" cy="976312"/>
-                      </a:xfrm>
-                      <a:prstGeom prst="rect">
-                        <a:avLst/>
-                      </a:prstGeom>
-                    </p:spPr>
-                  </p:pic>
-                </p:oleObj>
-              </mc:Fallback>
-            </mc:AlternateContent>
-          </a:graphicData>
-        </a:graphic>
-      </p:graphicFrame>
-      <p:graphicFrame>
-        <p:nvGraphicFramePr>
-          <p:cNvPr id="7" name="Object 6"/>
-          <p:cNvGraphicFramePr>
-            <a:graphicFrameLocks noChangeAspect="1"/>
-          </p:cNvGraphicFramePr>
-          <p:nvPr>
-            <p:extLst>
-              <p:ext uri="{D42A27DB-BD31-4B8C-83A1-F6EECF244321}">
-                <p14:modId xmlns:p14="http://schemas.microsoft.com/office/powerpoint/2010/main" val="4023850696"/>
-              </p:ext>
-            </p:extLst>
-          </p:nvPr>
-        </p:nvGraphicFramePr>
-        <p:xfrm>
-          <a:off x="6248400" y="2286000"/>
-          <a:ext cx="1444625" cy="658813"/>
-        </p:xfrm>
-        <a:graphic>
-          <a:graphicData uri="http://schemas.openxmlformats.org/presentationml/2006/ole">
-            <mc:AlternateContent xmlns:mc="http://schemas.openxmlformats.org/markup-compatibility/2006">
-              <mc:Choice xmlns:v="urn:schemas-microsoft-com:vml" Requires="v">
-                <p:oleObj spid="_x0000_s63611" name="Equation" r:id="rId7" imgW="698500" imgH="317500" progId="Equation.3">
-                  <p:embed/>
-                </p:oleObj>
-              </mc:Choice>
-              <mc:Fallback>
-                <p:oleObj name="Equation" r:id="rId7" imgW="698500" imgH="317500" progId="Equation.3">
-                  <p:embed/>
-                  <p:pic>
-                    <p:nvPicPr>
-                      <p:cNvPr id="0" name=""/>
-                      <p:cNvPicPr/>
-                      <p:nvPr/>
-                    </p:nvPicPr>
-                    <p:blipFill>
-                      <a:blip r:embed="rId8"/>
-                      <a:stretch>
-                        <a:fillRect/>
-                      </a:stretch>
-                    </p:blipFill>
-                    <p:spPr>
-                      <a:xfrm>
-                        <a:off x="6248400" y="2286000"/>
-                        <a:ext cx="1444625" cy="658813"/>
-                      </a:xfrm>
-                      <a:prstGeom prst="rect">
-                        <a:avLst/>
-                      </a:prstGeom>
-                    </p:spPr>
-                  </p:pic>
-                </p:oleObj>
-              </mc:Fallback>
-            </mc:AlternateContent>
-          </a:graphicData>
-        </a:graphic>
-      </p:graphicFrame>
-      <p:graphicFrame>
-        <p:nvGraphicFramePr>
-          <p:cNvPr id="8" name="Object 7"/>
-          <p:cNvGraphicFramePr>
-            <a:graphicFrameLocks noChangeAspect="1"/>
-          </p:cNvGraphicFramePr>
-          <p:nvPr>
-            <p:extLst>
-              <p:ext uri="{D42A27DB-BD31-4B8C-83A1-F6EECF244321}">
-                <p14:modId xmlns:p14="http://schemas.microsoft.com/office/powerpoint/2010/main" val="966328685"/>
-              </p:ext>
-            </p:extLst>
-          </p:nvPr>
-        </p:nvGraphicFramePr>
-        <p:xfrm>
-          <a:off x="1066800" y="2362200"/>
-          <a:ext cx="4205287" cy="3640138"/>
-        </p:xfrm>
-        <a:graphic>
-          <a:graphicData uri="http://schemas.openxmlformats.org/presentationml/2006/ole">
-            <mc:AlternateContent xmlns:mc="http://schemas.openxmlformats.org/markup-compatibility/2006">
-              <mc:Choice xmlns:v="urn:schemas-microsoft-com:vml" Requires="v">
-                <p:oleObj spid="_x0000_s63612" name="Equation" r:id="rId9" imgW="2032000" imgH="1752600" progId="Equation.3">
-                  <p:embed/>
-                </p:oleObj>
-              </mc:Choice>
-              <mc:Fallback>
-                <p:oleObj name="Equation" r:id="rId9" imgW="2032000" imgH="1752600" progId="Equation.3">
-                  <p:embed/>
-                  <p:pic>
-                    <p:nvPicPr>
-                      <p:cNvPr id="0" name=""/>
-                      <p:cNvPicPr/>
-                      <p:nvPr/>
-                    </p:nvPicPr>
-                    <p:blipFill>
-                      <a:blip r:embed="rId10"/>
-                      <a:stretch>
-                        <a:fillRect/>
-                      </a:stretch>
-                    </p:blipFill>
-                    <p:spPr>
-                      <a:xfrm>
-                        <a:off x="1066800" y="2362200"/>
-                        <a:ext cx="4205287" cy="3640138"/>
-                      </a:xfrm>
-                      <a:prstGeom prst="rect">
-                        <a:avLst/>
-                      </a:prstGeom>
-                    </p:spPr>
-                  </p:pic>
-                </p:oleObj>
-              </mc:Fallback>
-            </mc:AlternateContent>
-          </a:graphicData>
-        </a:graphic>
-      </p:graphicFrame>
-    </p:spTree>
-    <p:extLst>
-      <p:ext uri="{BB962C8B-B14F-4D97-AF65-F5344CB8AC3E}">
-        <p14:creationId xmlns:p14="http://schemas.microsoft.com/office/powerpoint/2010/main" val="823656594"/>
-      </p:ext>
-    </p:extLst>
-  </p:cSld>
-  <p:clrMapOvr>
-    <a:masterClrMapping/>
-  </p:clrMapOvr>
-  <p:timing>
-    <p:tnLst>
-      <p:par>
-        <p:cTn xmlns:p14="http://schemas.microsoft.com/office/powerpoint/2010/main" id="1" dur="indefinite" restart="never" nodeType="tmRoot"/>
-      </p:par>
-    </p:tnLst>
-  </p:timing>
-</p:sld>
-</file>
-
-<file path=ppt/slides/slide14.xml><?xml version="1.0" encoding="utf-8"?>
-<p:sld xmlns:a="http://schemas.openxmlformats.org/drawingml/2006/main" xmlns:r="http://schemas.openxmlformats.org/officeDocument/2006/relationships" xmlns:p="http://schemas.openxmlformats.org/presentationml/2006/main">
-  <p:cSld>
-    <p:spTree>
-      <p:nvGrpSpPr>
-        <p:cNvPr id="1" name=""/>
-        <p:cNvGrpSpPr/>
-        <p:nvPr/>
-      </p:nvGrpSpPr>
-      <p:grpSpPr>
-        <a:xfrm>
-          <a:off x="0" y="0"/>
-          <a:ext cx="0" cy="0"/>
-          <a:chOff x="0" y="0"/>
-          <a:chExt cx="0" cy="0"/>
-        </a:xfrm>
-      </p:grpSpPr>
-      <p:sp>
-        <p:nvSpPr>
-          <p:cNvPr id="14" name="TextBox 13"/>
-          <p:cNvSpPr txBox="1"/>
-          <p:nvPr/>
-        </p:nvSpPr>
-        <p:spPr>
-          <a:xfrm>
-            <a:off x="914400" y="0"/>
-            <a:ext cx="7467600" cy="646331"/>
-          </a:xfrm>
-          <a:prstGeom prst="rect">
-            <a:avLst/>
-          </a:prstGeom>
-          <a:noFill/>
-          <a:ln>
-            <a:solidFill>
-              <a:srgbClr val="800000"/>
-            </a:solidFill>
-            <a:prstDash val="sysDash"/>
-          </a:ln>
-        </p:spPr>
-        <p:txBody>
-          <a:bodyPr wrap="square" rtlCol="0">
-            <a:spAutoFit/>
-          </a:bodyPr>
-          <a:lstStyle/>
-          <a:p>
-            <a:endParaRPr lang="en-US" sz="800" dirty="0" smtClean="0">
-              <a:solidFill>
-                <a:srgbClr val="800000"/>
-              </a:solidFill>
-            </a:endParaRPr>
-          </a:p>
-          <a:p>
-            <a:pPr algn="ctr"/>
-            <a:r>
-              <a:rPr lang="en-US" sz="2800" dirty="0" smtClean="0">
-                <a:solidFill>
-                  <a:srgbClr val="800000"/>
-                </a:solidFill>
-              </a:rPr>
-              <a:t>Threshold Model (</a:t>
-            </a:r>
-            <a:r>
-              <a:rPr lang="en-US" sz="2800" dirty="0" err="1" smtClean="0">
-                <a:solidFill>
-                  <a:srgbClr val="800000"/>
-                </a:solidFill>
-              </a:rPr>
-              <a:t>Probit</a:t>
-            </a:r>
-            <a:r>
-              <a:rPr lang="en-US" sz="2800" dirty="0" smtClean="0">
-                <a:solidFill>
-                  <a:srgbClr val="800000"/>
-                </a:solidFill>
-              </a:rPr>
-              <a:t> link)</a:t>
-            </a:r>
-            <a:endParaRPr lang="en-US" dirty="0" smtClean="0">
-              <a:solidFill>
-                <a:schemeClr val="accent1">
-                  <a:lumMod val="75000"/>
-                </a:schemeClr>
-              </a:solidFill>
-            </a:endParaRPr>
-          </a:p>
-        </p:txBody>
-      </p:sp>
-      <p:sp>
-        <p:nvSpPr>
-          <p:cNvPr id="15" name="TextBox 14"/>
-          <p:cNvSpPr txBox="1"/>
-          <p:nvPr/>
-        </p:nvSpPr>
-        <p:spPr>
-          <a:xfrm>
-            <a:off x="457200" y="990600"/>
-            <a:ext cx="8229600" cy="5016758"/>
-          </a:xfrm>
-          <a:prstGeom prst="rect">
-            <a:avLst/>
-          </a:prstGeom>
-          <a:noFill/>
-        </p:spPr>
-        <p:txBody>
-          <a:bodyPr wrap="square" rtlCol="0">
-            <a:spAutoFit/>
-          </a:bodyPr>
-          <a:lstStyle/>
-          <a:p>
-            <a:endParaRPr lang="en-US" sz="2000" dirty="0" smtClean="0">
-              <a:solidFill>
-                <a:schemeClr val="accent1">
-                  <a:lumMod val="75000"/>
-                </a:schemeClr>
-              </a:solidFill>
-            </a:endParaRPr>
-          </a:p>
-          <a:p>
-            <a:endParaRPr lang="en-US" sz="2000" dirty="0">
-              <a:solidFill>
-                <a:schemeClr val="accent1">
-                  <a:lumMod val="75000"/>
-                </a:schemeClr>
-              </a:solidFill>
-            </a:endParaRPr>
-          </a:p>
-          <a:p>
-            <a:endParaRPr lang="en-US" sz="2000" dirty="0" smtClean="0">
-              <a:solidFill>
-                <a:schemeClr val="accent1">
-                  <a:lumMod val="75000"/>
-                </a:schemeClr>
-              </a:solidFill>
-            </a:endParaRPr>
-          </a:p>
-          <a:p>
-            <a:endParaRPr lang="en-US" sz="2000" dirty="0">
-              <a:solidFill>
-                <a:schemeClr val="accent1">
-                  <a:lumMod val="75000"/>
-                </a:schemeClr>
-              </a:solidFill>
-            </a:endParaRPr>
-          </a:p>
-          <a:p>
-            <a:endParaRPr lang="en-US" sz="2000" dirty="0" smtClean="0">
-              <a:solidFill>
-                <a:schemeClr val="accent1">
-                  <a:lumMod val="75000"/>
-                </a:schemeClr>
-              </a:solidFill>
-            </a:endParaRPr>
-          </a:p>
-          <a:p>
-            <a:endParaRPr lang="en-US" sz="2000" dirty="0">
-              <a:solidFill>
-                <a:schemeClr val="accent1">
-                  <a:lumMod val="75000"/>
-                </a:schemeClr>
-              </a:solidFill>
-            </a:endParaRPr>
-          </a:p>
-          <a:p>
-            <a:endParaRPr lang="en-US" sz="2000" dirty="0" smtClean="0">
-              <a:solidFill>
-                <a:schemeClr val="accent1">
-                  <a:lumMod val="75000"/>
-                </a:schemeClr>
-              </a:solidFill>
-            </a:endParaRPr>
-          </a:p>
-          <a:p>
-            <a:endParaRPr lang="en-US" sz="2000" dirty="0">
-              <a:solidFill>
-                <a:schemeClr val="accent1">
-                  <a:lumMod val="75000"/>
-                </a:schemeClr>
-              </a:solidFill>
-            </a:endParaRPr>
-          </a:p>
-          <a:p>
-            <a:endParaRPr lang="en-US" sz="2000" dirty="0" smtClean="0">
-              <a:solidFill>
-                <a:schemeClr val="accent1">
-                  <a:lumMod val="75000"/>
-                </a:schemeClr>
-              </a:solidFill>
-            </a:endParaRPr>
-          </a:p>
-          <a:p>
-            <a:endParaRPr lang="en-US" sz="2000" dirty="0">
-              <a:solidFill>
-                <a:schemeClr val="accent1">
-                  <a:lumMod val="75000"/>
-                </a:schemeClr>
-              </a:solidFill>
-            </a:endParaRPr>
-          </a:p>
-          <a:p>
-            <a:endParaRPr lang="en-US" sz="2000" dirty="0" smtClean="0">
-              <a:solidFill>
-                <a:schemeClr val="accent1">
-                  <a:lumMod val="75000"/>
-                </a:schemeClr>
-              </a:solidFill>
-            </a:endParaRPr>
-          </a:p>
-          <a:p>
-            <a:endParaRPr lang="en-US" sz="2000" dirty="0">
-              <a:solidFill>
-                <a:schemeClr val="accent1">
-                  <a:lumMod val="75000"/>
-                </a:schemeClr>
-              </a:solidFill>
-            </a:endParaRPr>
-          </a:p>
-          <a:p>
-            <a:endParaRPr lang="en-US" sz="2000" dirty="0" smtClean="0">
-              <a:solidFill>
-                <a:schemeClr val="accent1">
-                  <a:lumMod val="75000"/>
-                </a:schemeClr>
-              </a:solidFill>
-            </a:endParaRPr>
-          </a:p>
-          <a:p>
-            <a:endParaRPr lang="en-US" sz="2000" dirty="0">
-              <a:solidFill>
-                <a:schemeClr val="accent1">
-                  <a:lumMod val="75000"/>
-                </a:schemeClr>
-              </a:solidFill>
-            </a:endParaRPr>
-          </a:p>
-          <a:p>
-            <a:endParaRPr lang="en-US" sz="2000" dirty="0" smtClean="0">
-              <a:solidFill>
-                <a:schemeClr val="accent1">
-                  <a:lumMod val="75000"/>
-                </a:schemeClr>
-              </a:solidFill>
-            </a:endParaRPr>
-          </a:p>
-          <a:p>
-            <a:endParaRPr lang="en-US" sz="2000" dirty="0" smtClean="0">
-              <a:solidFill>
-                <a:schemeClr val="accent1">
-                  <a:lumMod val="75000"/>
-                </a:schemeClr>
-              </a:solidFill>
-            </a:endParaRPr>
-          </a:p>
-        </p:txBody>
-      </p:sp>
-      <p:sp>
-        <p:nvSpPr>
-          <p:cNvPr id="5" name="Footer Placeholder 3"/>
-          <p:cNvSpPr>
-            <a:spLocks noGrp="1"/>
-          </p:cNvSpPr>
-          <p:nvPr>
-            <p:ph type="ftr" sz="quarter" idx="11"/>
-          </p:nvPr>
-        </p:nvSpPr>
-        <p:spPr>
-          <a:xfrm>
-            <a:off x="3124200" y="6356350"/>
-            <a:ext cx="2895600" cy="365125"/>
-          </a:xfrm>
-        </p:spPr>
-        <p:txBody>
-          <a:bodyPr/>
-          <a:lstStyle/>
-          <a:p>
-            <a:r>
-              <a:rPr lang="en-US" dirty="0" smtClean="0">
-                <a:solidFill>
-                  <a:schemeClr val="accent1"/>
-                </a:solidFill>
-              </a:rPr>
-              <a:t>STT 465, MSU, Fall, 2015</a:t>
-            </a:r>
-            <a:endParaRPr lang="en-US" dirty="0">
-              <a:solidFill>
-                <a:schemeClr val="accent1"/>
-              </a:solidFill>
-            </a:endParaRPr>
-          </a:p>
-        </p:txBody>
-      </p:sp>
-      <p:graphicFrame>
-        <p:nvGraphicFramePr>
-          <p:cNvPr id="6" name="Object 5"/>
-          <p:cNvGraphicFramePr>
-            <a:graphicFrameLocks noChangeAspect="1"/>
-          </p:cNvGraphicFramePr>
-          <p:nvPr>
-            <p:extLst>
-              <p:ext uri="{D42A27DB-BD31-4B8C-83A1-F6EECF244321}">
-                <p14:modId xmlns:p14="http://schemas.microsoft.com/office/powerpoint/2010/main" val="117040366"/>
-              </p:ext>
-            </p:extLst>
-          </p:nvPr>
-        </p:nvGraphicFramePr>
-        <p:xfrm>
-          <a:off x="1676400" y="1066800"/>
-          <a:ext cx="1304925" cy="401638"/>
-        </p:xfrm>
-        <a:graphic>
-          <a:graphicData uri="http://schemas.openxmlformats.org/presentationml/2006/ole">
-            <mc:AlternateContent xmlns:mc="http://schemas.openxmlformats.org/markup-compatibility/2006">
-              <mc:Choice xmlns:v="urn:schemas-microsoft-com:vml" Requires="v">
-                <p:oleObj spid="_x0000_s65583" name="Equation" r:id="rId3" imgW="787400" imgH="241300" progId="Equation.3">
-                  <p:embed/>
-                </p:oleObj>
-              </mc:Choice>
-              <mc:Fallback>
-                <p:oleObj name="Equation" r:id="rId3" imgW="787400" imgH="241300" progId="Equation.3">
-                  <p:embed/>
-                  <p:pic>
-                    <p:nvPicPr>
-                      <p:cNvPr id="0" name=""/>
-                      <p:cNvPicPr/>
-                      <p:nvPr/>
-                    </p:nvPicPr>
-                    <p:blipFill>
-                      <a:blip r:embed="rId4"/>
-                      <a:stretch>
-                        <a:fillRect/>
-                      </a:stretch>
-                    </p:blipFill>
-                    <p:spPr>
-                      <a:xfrm>
-                        <a:off x="1676400" y="1066800"/>
-                        <a:ext cx="1304925" cy="401638"/>
-                      </a:xfrm>
-                      <a:prstGeom prst="rect">
-                        <a:avLst/>
-                      </a:prstGeom>
-                    </p:spPr>
-                  </p:pic>
-                </p:oleObj>
-              </mc:Fallback>
-            </mc:AlternateContent>
-          </a:graphicData>
-        </a:graphic>
-      </p:graphicFrame>
-      <p:graphicFrame>
-        <p:nvGraphicFramePr>
-          <p:cNvPr id="10" name="Object 9"/>
-          <p:cNvGraphicFramePr>
-            <a:graphicFrameLocks noChangeAspect="1"/>
-          </p:cNvGraphicFramePr>
-          <p:nvPr>
-            <p:extLst>
-              <p:ext uri="{D42A27DB-BD31-4B8C-83A1-F6EECF244321}">
-                <p14:modId xmlns:p14="http://schemas.microsoft.com/office/powerpoint/2010/main" val="4186513163"/>
-              </p:ext>
-            </p:extLst>
-          </p:nvPr>
-        </p:nvGraphicFramePr>
-        <p:xfrm>
-          <a:off x="3657600" y="914400"/>
-          <a:ext cx="2293937" cy="611188"/>
-        </p:xfrm>
-        <a:graphic>
-          <a:graphicData uri="http://schemas.openxmlformats.org/presentationml/2006/ole">
-            <mc:AlternateContent xmlns:mc="http://schemas.openxmlformats.org/markup-compatibility/2006">
-              <mc:Choice xmlns:v="urn:schemas-microsoft-com:vml" Requires="v">
-                <p:oleObj spid="_x0000_s65584" name="Equation" r:id="rId5" imgW="1384300" imgH="368300" progId="Equation.3">
-                  <p:embed/>
-                </p:oleObj>
-              </mc:Choice>
-              <mc:Fallback>
-                <p:oleObj name="Equation" r:id="rId5" imgW="1384300" imgH="368300" progId="Equation.3">
-                  <p:embed/>
-                  <p:pic>
-                    <p:nvPicPr>
-                      <p:cNvPr id="0" name=""/>
-                      <p:cNvPicPr/>
-                      <p:nvPr/>
-                    </p:nvPicPr>
-                    <p:blipFill>
-                      <a:blip r:embed="rId6"/>
-                      <a:stretch>
-                        <a:fillRect/>
-                      </a:stretch>
-                    </p:blipFill>
-                    <p:spPr>
-                      <a:xfrm>
-                        <a:off x="3657600" y="914400"/>
-                        <a:ext cx="2293937" cy="611188"/>
-                      </a:xfrm>
-                      <a:prstGeom prst="rect">
-                        <a:avLst/>
-                      </a:prstGeom>
-                    </p:spPr>
-                  </p:pic>
-                </p:oleObj>
-              </mc:Fallback>
-            </mc:AlternateContent>
-          </a:graphicData>
-        </a:graphic>
-      </p:graphicFrame>
-      <p:pic>
-        <p:nvPicPr>
-          <p:cNvPr id="3" name="Picture 2"/>
-          <p:cNvPicPr>
-            <a:picLocks noChangeAspect="1"/>
-          </p:cNvPicPr>
-          <p:nvPr/>
-        </p:nvPicPr>
-        <p:blipFill>
-          <a:blip r:embed="rId7"/>
-          <a:stretch>
-            <a:fillRect/>
-          </a:stretch>
-        </p:blipFill>
-        <p:spPr>
-          <a:xfrm>
-            <a:off x="1143000" y="1905000"/>
-            <a:ext cx="6400800" cy="4724400"/>
-          </a:xfrm>
-          <a:prstGeom prst="rect">
-            <a:avLst/>
-          </a:prstGeom>
-        </p:spPr>
-      </p:pic>
-    </p:spTree>
-    <p:extLst>
-      <p:ext uri="{BB962C8B-B14F-4D97-AF65-F5344CB8AC3E}">
-        <p14:creationId xmlns:p14="http://schemas.microsoft.com/office/powerpoint/2010/main" val="3011067316"/>
-      </p:ext>
-    </p:extLst>
-  </p:cSld>
-  <p:clrMapOvr>
-    <a:masterClrMapping/>
-  </p:clrMapOvr>
-  <p:timing>
-    <p:tnLst>
-      <p:par>
-        <p:cTn xmlns:p14="http://schemas.microsoft.com/office/powerpoint/2010/main" id="1" dur="indefinite" restart="never" nodeType="tmRoot"/>
-      </p:par>
-    </p:tnLst>
-  </p:timing>
-</p:sld>
-</file>
-
-<file path=ppt/slides/slide15.xml><?xml version="1.0" encoding="utf-8"?>
-<p:sld xmlns:a="http://schemas.openxmlformats.org/drawingml/2006/main" xmlns:r="http://schemas.openxmlformats.org/officeDocument/2006/relationships" xmlns:p="http://schemas.openxmlformats.org/presentationml/2006/main">
-  <p:cSld>
-    <p:spTree>
-      <p:nvGrpSpPr>
-        <p:cNvPr id="1" name=""/>
-        <p:cNvGrpSpPr/>
-        <p:nvPr/>
-      </p:nvGrpSpPr>
-      <p:grpSpPr>
-        <a:xfrm>
-          <a:off x="0" y="0"/>
-          <a:ext cx="0" cy="0"/>
-          <a:chOff x="0" y="0"/>
-          <a:chExt cx="0" cy="0"/>
-        </a:xfrm>
-      </p:grpSpPr>
-      <p:sp>
-        <p:nvSpPr>
-          <p:cNvPr id="14" name="TextBox 13"/>
-          <p:cNvSpPr txBox="1"/>
-          <p:nvPr/>
-        </p:nvSpPr>
-        <p:spPr>
-          <a:xfrm>
-            <a:off x="914400" y="0"/>
-            <a:ext cx="7467600" cy="646331"/>
-          </a:xfrm>
-          <a:prstGeom prst="rect">
-            <a:avLst/>
-          </a:prstGeom>
-          <a:noFill/>
-          <a:ln>
-            <a:solidFill>
-              <a:srgbClr val="800000"/>
-            </a:solidFill>
-            <a:prstDash val="sysDash"/>
-          </a:ln>
-        </p:spPr>
-        <p:txBody>
-          <a:bodyPr wrap="square" rtlCol="0">
-            <a:spAutoFit/>
-          </a:bodyPr>
-          <a:lstStyle/>
-          <a:p>
-            <a:endParaRPr lang="en-US" sz="800" dirty="0" smtClean="0">
-              <a:solidFill>
-                <a:srgbClr val="800000"/>
-              </a:solidFill>
-            </a:endParaRPr>
-          </a:p>
-          <a:p>
-            <a:pPr algn="ctr"/>
-            <a:r>
-              <a:rPr lang="en-US" sz="2800" dirty="0" smtClean="0">
-                <a:solidFill>
-                  <a:srgbClr val="800000"/>
-                </a:solidFill>
-              </a:rPr>
-              <a:t>Threshold Model (</a:t>
-            </a:r>
-            <a:r>
-              <a:rPr lang="en-US" sz="2800" dirty="0" err="1" smtClean="0">
-                <a:solidFill>
-                  <a:srgbClr val="800000"/>
-                </a:solidFill>
-              </a:rPr>
-              <a:t>Probit</a:t>
-            </a:r>
-            <a:r>
-              <a:rPr lang="en-US" sz="2800" dirty="0" smtClean="0">
-                <a:solidFill>
-                  <a:srgbClr val="800000"/>
-                </a:solidFill>
-              </a:rPr>
-              <a:t> Link)</a:t>
-            </a:r>
-            <a:endParaRPr lang="en-US" dirty="0" smtClean="0">
-              <a:solidFill>
-                <a:schemeClr val="accent1">
-                  <a:lumMod val="75000"/>
-                </a:schemeClr>
-              </a:solidFill>
-            </a:endParaRPr>
-          </a:p>
-        </p:txBody>
-      </p:sp>
-      <p:sp>
-        <p:nvSpPr>
-          <p:cNvPr id="15" name="TextBox 14"/>
-          <p:cNvSpPr txBox="1"/>
-          <p:nvPr/>
-        </p:nvSpPr>
-        <p:spPr>
-          <a:xfrm>
-            <a:off x="457200" y="990600"/>
-            <a:ext cx="8229600" cy="3477875"/>
-          </a:xfrm>
-          <a:prstGeom prst="rect">
-            <a:avLst/>
-          </a:prstGeom>
-          <a:noFill/>
-        </p:spPr>
-        <p:txBody>
-          <a:bodyPr wrap="square" rtlCol="0">
-            <a:spAutoFit/>
-          </a:bodyPr>
-          <a:lstStyle/>
-          <a:p>
-            <a:r>
-              <a:rPr lang="en-US" sz="2000" dirty="0" smtClean="0">
-                <a:solidFill>
-                  <a:schemeClr val="accent1">
-                    <a:lumMod val="75000"/>
-                  </a:schemeClr>
-                </a:solidFill>
-              </a:rPr>
-              <a:t>-  Likelihood Function</a:t>
-            </a:r>
-            <a:endParaRPr lang="en-US" sz="2000" dirty="0">
-              <a:solidFill>
-                <a:schemeClr val="accent1">
-                  <a:lumMod val="75000"/>
-                </a:schemeClr>
-              </a:solidFill>
-            </a:endParaRPr>
-          </a:p>
-          <a:p>
-            <a:endParaRPr lang="en-US" sz="2000" dirty="0" smtClean="0">
-              <a:solidFill>
-                <a:schemeClr val="accent1">
-                  <a:lumMod val="75000"/>
-                </a:schemeClr>
-              </a:solidFill>
-            </a:endParaRPr>
-          </a:p>
-          <a:p>
-            <a:endParaRPr lang="en-US" sz="2000" dirty="0">
-              <a:solidFill>
-                <a:schemeClr val="accent1">
-                  <a:lumMod val="75000"/>
-                </a:schemeClr>
-              </a:solidFill>
-            </a:endParaRPr>
-          </a:p>
-          <a:p>
-            <a:endParaRPr lang="en-US" sz="2000" dirty="0" smtClean="0">
-              <a:solidFill>
-                <a:schemeClr val="accent1">
-                  <a:lumMod val="75000"/>
-                </a:schemeClr>
-              </a:solidFill>
-            </a:endParaRPr>
-          </a:p>
-          <a:p>
-            <a:endParaRPr lang="en-US" sz="2000" dirty="0">
-              <a:solidFill>
-                <a:schemeClr val="accent1">
-                  <a:lumMod val="75000"/>
-                </a:schemeClr>
-              </a:solidFill>
-            </a:endParaRPr>
-          </a:p>
-          <a:p>
-            <a:endParaRPr lang="en-US" sz="2000" dirty="0" smtClean="0">
-              <a:solidFill>
-                <a:schemeClr val="accent1">
-                  <a:lumMod val="75000"/>
-                </a:schemeClr>
-              </a:solidFill>
-            </a:endParaRPr>
-          </a:p>
-          <a:p>
-            <a:endParaRPr lang="en-US" sz="2000" dirty="0">
-              <a:solidFill>
-                <a:schemeClr val="accent1">
-                  <a:lumMod val="75000"/>
-                </a:schemeClr>
-              </a:solidFill>
-            </a:endParaRPr>
-          </a:p>
-          <a:p>
-            <a:endParaRPr lang="en-US" sz="2000" dirty="0" smtClean="0">
-              <a:solidFill>
-                <a:schemeClr val="accent1">
-                  <a:lumMod val="75000"/>
-                </a:schemeClr>
-              </a:solidFill>
-            </a:endParaRPr>
-          </a:p>
-          <a:p>
-            <a:endParaRPr lang="en-US" sz="2000" dirty="0">
-              <a:solidFill>
-                <a:schemeClr val="accent1">
-                  <a:lumMod val="75000"/>
-                </a:schemeClr>
-              </a:solidFill>
-            </a:endParaRPr>
-          </a:p>
-          <a:p>
-            <a:endParaRPr lang="en-US" sz="2000" dirty="0" smtClean="0">
-              <a:solidFill>
-                <a:schemeClr val="accent1">
-                  <a:lumMod val="75000"/>
-                </a:schemeClr>
-              </a:solidFill>
-            </a:endParaRPr>
-          </a:p>
-          <a:p>
-            <a:endParaRPr lang="en-US" sz="2000" dirty="0" smtClean="0">
-              <a:solidFill>
-                <a:schemeClr val="accent1">
-                  <a:lumMod val="75000"/>
-                </a:schemeClr>
-              </a:solidFill>
-            </a:endParaRPr>
-          </a:p>
-        </p:txBody>
-      </p:sp>
-      <p:graphicFrame>
-        <p:nvGraphicFramePr>
-          <p:cNvPr id="11" name="Object 10"/>
-          <p:cNvGraphicFramePr>
-            <a:graphicFrameLocks noChangeAspect="1"/>
-          </p:cNvGraphicFramePr>
-          <p:nvPr>
-            <p:extLst>
-              <p:ext uri="{D42A27DB-BD31-4B8C-83A1-F6EECF244321}">
-                <p14:modId xmlns:p14="http://schemas.microsoft.com/office/powerpoint/2010/main" val="3317205207"/>
-              </p:ext>
-            </p:extLst>
-          </p:nvPr>
-        </p:nvGraphicFramePr>
-        <p:xfrm>
-          <a:off x="609600" y="1676400"/>
-          <a:ext cx="3581400" cy="755772"/>
-        </p:xfrm>
-        <a:graphic>
-          <a:graphicData uri="http://schemas.openxmlformats.org/presentationml/2006/ole">
-            <mc:AlternateContent xmlns:mc="http://schemas.openxmlformats.org/markup-compatibility/2006">
-              <mc:Choice xmlns:v="urn:schemas-microsoft-com:vml" Requires="v">
-                <p:oleObj spid="_x0000_s64635" name="Equation" r:id="rId3" imgW="1511300" imgH="317500" progId="Equation.3">
-                  <p:embed/>
-                </p:oleObj>
-              </mc:Choice>
-              <mc:Fallback>
-                <p:oleObj name="Equation" r:id="rId3" imgW="1511300" imgH="317500" progId="Equation.3">
-                  <p:embed/>
-                  <p:pic>
-                    <p:nvPicPr>
-                      <p:cNvPr id="0" name=""/>
-                      <p:cNvPicPr/>
-                      <p:nvPr/>
-                    </p:nvPicPr>
-                    <p:blipFill>
-                      <a:blip r:embed="rId4"/>
-                      <a:stretch>
-                        <a:fillRect/>
-                      </a:stretch>
-                    </p:blipFill>
-                    <p:spPr>
-                      <a:xfrm>
-                        <a:off x="609600" y="1676400"/>
-                        <a:ext cx="3581400" cy="755772"/>
-                      </a:xfrm>
-                      <a:prstGeom prst="rect">
-                        <a:avLst/>
-                      </a:prstGeom>
-                    </p:spPr>
-                  </p:pic>
-                </p:oleObj>
-              </mc:Fallback>
-            </mc:AlternateContent>
-          </a:graphicData>
-        </a:graphic>
-      </p:graphicFrame>
-      <p:graphicFrame>
-        <p:nvGraphicFramePr>
-          <p:cNvPr id="12" name="Object 11"/>
-          <p:cNvGraphicFramePr>
-            <a:graphicFrameLocks noChangeAspect="1"/>
-          </p:cNvGraphicFramePr>
-          <p:nvPr>
-            <p:extLst>
-              <p:ext uri="{D42A27DB-BD31-4B8C-83A1-F6EECF244321}">
-                <p14:modId xmlns:p14="http://schemas.microsoft.com/office/powerpoint/2010/main" val="2383290730"/>
-              </p:ext>
-            </p:extLst>
-          </p:nvPr>
-        </p:nvGraphicFramePr>
-        <p:xfrm>
-          <a:off x="228600" y="2819400"/>
-          <a:ext cx="8667751" cy="1027112"/>
-        </p:xfrm>
-        <a:graphic>
-          <a:graphicData uri="http://schemas.openxmlformats.org/presentationml/2006/ole">
-            <mc:AlternateContent xmlns:mc="http://schemas.openxmlformats.org/markup-compatibility/2006">
-              <mc:Choice xmlns:v="urn:schemas-microsoft-com:vml" Requires="v">
-                <p:oleObj spid="_x0000_s64636" name="Equation" r:id="rId5" imgW="3657600" imgH="431800" progId="Equation.3">
-                  <p:embed/>
-                </p:oleObj>
-              </mc:Choice>
-              <mc:Fallback>
-                <p:oleObj name="Equation" r:id="rId5" imgW="3657600" imgH="431800" progId="Equation.3">
-                  <p:embed/>
-                  <p:pic>
-                    <p:nvPicPr>
-                      <p:cNvPr id="0" name=""/>
-                      <p:cNvPicPr/>
-                      <p:nvPr/>
-                    </p:nvPicPr>
-                    <p:blipFill>
-                      <a:blip r:embed="rId6"/>
-                      <a:stretch>
-                        <a:fillRect/>
-                      </a:stretch>
-                    </p:blipFill>
-                    <p:spPr>
-                      <a:xfrm>
-                        <a:off x="228600" y="2819400"/>
-                        <a:ext cx="8667751" cy="1027112"/>
-                      </a:xfrm>
-                      <a:prstGeom prst="rect">
-                        <a:avLst/>
-                      </a:prstGeom>
-                    </p:spPr>
-                  </p:pic>
-                </p:oleObj>
-              </mc:Fallback>
-            </mc:AlternateContent>
-          </a:graphicData>
-        </a:graphic>
-      </p:graphicFrame>
-      <p:graphicFrame>
-        <p:nvGraphicFramePr>
-          <p:cNvPr id="13" name="Object 12"/>
-          <p:cNvGraphicFramePr>
-            <a:graphicFrameLocks noChangeAspect="1"/>
-          </p:cNvGraphicFramePr>
-          <p:nvPr>
-            <p:extLst>
-              <p:ext uri="{D42A27DB-BD31-4B8C-83A1-F6EECF244321}">
-                <p14:modId xmlns:p14="http://schemas.microsoft.com/office/powerpoint/2010/main" val="1394910053"/>
-              </p:ext>
-            </p:extLst>
-          </p:nvPr>
-        </p:nvGraphicFramePr>
-        <p:xfrm>
-          <a:off x="4648200" y="1676400"/>
-          <a:ext cx="2859971" cy="762000"/>
-        </p:xfrm>
-        <a:graphic>
-          <a:graphicData uri="http://schemas.openxmlformats.org/presentationml/2006/ole">
-            <mc:AlternateContent xmlns:mc="http://schemas.openxmlformats.org/markup-compatibility/2006">
-              <mc:Choice xmlns:v="urn:schemas-microsoft-com:vml" Requires="v">
-                <p:oleObj spid="_x0000_s64637" name="Equation" r:id="rId7" imgW="1384300" imgH="368300" progId="Equation.3">
-                  <p:embed/>
-                </p:oleObj>
-              </mc:Choice>
-              <mc:Fallback>
-                <p:oleObj name="Equation" r:id="rId7" imgW="1384300" imgH="368300" progId="Equation.3">
-                  <p:embed/>
-                  <p:pic>
-                    <p:nvPicPr>
-                      <p:cNvPr id="0" name=""/>
-                      <p:cNvPicPr/>
-                      <p:nvPr/>
-                    </p:nvPicPr>
-                    <p:blipFill>
-                      <a:blip r:embed="rId8"/>
-                      <a:stretch>
-                        <a:fillRect/>
-                      </a:stretch>
-                    </p:blipFill>
-                    <p:spPr>
-                      <a:xfrm>
-                        <a:off x="4648200" y="1676400"/>
-                        <a:ext cx="2859971" cy="762000"/>
-                      </a:xfrm>
-                      <a:prstGeom prst="rect">
-                        <a:avLst/>
-                      </a:prstGeom>
-                    </p:spPr>
-                  </p:pic>
-                </p:oleObj>
-              </mc:Fallback>
-            </mc:AlternateContent>
-          </a:graphicData>
-        </a:graphic>
-      </p:graphicFrame>
-      <p:sp>
-        <p:nvSpPr>
-          <p:cNvPr id="16" name="TextBox 15"/>
-          <p:cNvSpPr txBox="1"/>
-          <p:nvPr/>
-        </p:nvSpPr>
-        <p:spPr>
-          <a:xfrm>
-            <a:off x="16933" y="4191000"/>
-            <a:ext cx="9296400" cy="2308324"/>
-          </a:xfrm>
-          <a:prstGeom prst="rect">
-            <a:avLst/>
-          </a:prstGeom>
-          <a:noFill/>
-        </p:spPr>
-        <p:txBody>
-          <a:bodyPr wrap="square" rtlCol="0">
-            <a:spAutoFit/>
-          </a:bodyPr>
-          <a:lstStyle/>
-          <a:p>
-            <a:pPr marL="342900" indent="-342900">
-              <a:buFontTx/>
-              <a:buChar char="-"/>
-            </a:pPr>
-            <a:r>
-              <a:rPr lang="en-US" sz="2400" dirty="0" smtClean="0">
-                <a:solidFill>
-                  <a:schemeClr val="tx2"/>
-                </a:solidFill>
-              </a:rPr>
-              <a:t>The above function can be used to derive Max. Likelihood Estimates</a:t>
-            </a:r>
-          </a:p>
-          <a:p>
-            <a:endParaRPr lang="en-US" sz="2400" dirty="0">
-              <a:solidFill>
-                <a:schemeClr val="tx2"/>
-              </a:solidFill>
-            </a:endParaRPr>
-          </a:p>
-          <a:p>
-            <a:endParaRPr lang="en-US" sz="2400" dirty="0" smtClean="0">
-              <a:solidFill>
-                <a:schemeClr val="tx2"/>
-              </a:solidFill>
-            </a:endParaRPr>
-          </a:p>
-          <a:p>
-            <a:pPr marL="342900" indent="-342900">
-              <a:buFontTx/>
-              <a:buChar char="-"/>
-            </a:pPr>
-            <a:r>
-              <a:rPr lang="en-US" sz="2400" dirty="0" smtClean="0">
-                <a:solidFill>
-                  <a:schemeClr val="tx2"/>
-                </a:solidFill>
-              </a:rPr>
-              <a:t>ML and Bayesian analysis can be difficult because the integrals involved do not have closed forms.</a:t>
-            </a:r>
-          </a:p>
-          <a:p>
-            <a:pPr marL="342900" indent="-342900">
-              <a:buFontTx/>
-              <a:buChar char="-"/>
-            </a:pPr>
-            <a:r>
-              <a:rPr lang="en-US" sz="2400" dirty="0" smtClean="0">
-                <a:solidFill>
-                  <a:schemeClr val="tx2"/>
-                </a:solidFill>
-              </a:rPr>
-              <a:t>Instead we will use ‘data augmentation’</a:t>
-            </a:r>
-            <a:endParaRPr lang="en-US" sz="2400" dirty="0">
-              <a:solidFill>
-                <a:schemeClr val="tx2"/>
-              </a:solidFill>
-            </a:endParaRPr>
-          </a:p>
-        </p:txBody>
-      </p:sp>
-      <p:sp>
-        <p:nvSpPr>
-          <p:cNvPr id="2" name="Rectangle 1"/>
-          <p:cNvSpPr/>
-          <p:nvPr/>
-        </p:nvSpPr>
-        <p:spPr>
-          <a:xfrm>
-            <a:off x="1524000" y="4876800"/>
-            <a:ext cx="5791200" cy="369332"/>
-          </a:xfrm>
-          <a:prstGeom prst="rect">
-            <a:avLst/>
-          </a:prstGeom>
-          <a:solidFill>
-            <a:schemeClr val="accent6">
-              <a:lumMod val="20000"/>
-              <a:lumOff val="80000"/>
-            </a:schemeClr>
-          </a:solidFill>
-        </p:spPr>
-        <p:txBody>
-          <a:bodyPr wrap="square">
-            <a:spAutoFit/>
-          </a:bodyPr>
-          <a:lstStyle/>
-          <a:p>
-            <a:pPr algn="ctr"/>
-            <a:r>
-              <a:rPr lang="en-US" dirty="0" err="1">
-                <a:solidFill>
-                  <a:srgbClr val="000000"/>
-                </a:solidFill>
-                <a:latin typeface="Courier New"/>
-                <a:cs typeface="Courier New"/>
-              </a:rPr>
-              <a:t>glm</a:t>
-            </a:r>
-            <a:r>
-              <a:rPr lang="en-US" dirty="0">
-                <a:solidFill>
-                  <a:srgbClr val="000000"/>
-                </a:solidFill>
-                <a:latin typeface="Courier New"/>
-                <a:cs typeface="Courier New"/>
-              </a:rPr>
-              <a:t>(</a:t>
-            </a:r>
-            <a:r>
-              <a:rPr lang="en-US" dirty="0" err="1">
-                <a:solidFill>
-                  <a:srgbClr val="000000"/>
-                </a:solidFill>
-                <a:latin typeface="Courier New"/>
-                <a:cs typeface="Courier New"/>
-              </a:rPr>
-              <a:t>y~X</a:t>
-            </a:r>
-            <a:r>
-              <a:rPr lang="en-US" dirty="0" smtClean="0">
-                <a:solidFill>
-                  <a:srgbClr val="000000"/>
-                </a:solidFill>
-                <a:latin typeface="Courier New"/>
-                <a:cs typeface="Courier New"/>
-              </a:rPr>
-              <a:t>, family</a:t>
-            </a:r>
-            <a:r>
-              <a:rPr lang="en-US" dirty="0">
-                <a:solidFill>
-                  <a:srgbClr val="000000"/>
-                </a:solidFill>
-                <a:latin typeface="Courier New"/>
-                <a:cs typeface="Courier New"/>
-              </a:rPr>
-              <a:t>=binomial(link=</a:t>
-            </a:r>
-            <a:r>
-              <a:rPr lang="en-US" dirty="0" err="1">
-                <a:solidFill>
-                  <a:srgbClr val="000000"/>
-                </a:solidFill>
-                <a:latin typeface="Courier New"/>
-                <a:cs typeface="Courier New"/>
-              </a:rPr>
-              <a:t>probit</a:t>
-            </a:r>
-            <a:r>
-              <a:rPr lang="en-US" dirty="0">
-                <a:solidFill>
-                  <a:srgbClr val="000000"/>
-                </a:solidFill>
-                <a:latin typeface="Courier New"/>
-                <a:cs typeface="Courier New"/>
-              </a:rPr>
-              <a:t>)) </a:t>
-            </a:r>
-            <a:endParaRPr lang="en-US" dirty="0"/>
-          </a:p>
-        </p:txBody>
-      </p:sp>
-    </p:spTree>
-    <p:extLst>
-      <p:ext uri="{BB962C8B-B14F-4D97-AF65-F5344CB8AC3E}">
-        <p14:creationId xmlns:p14="http://schemas.microsoft.com/office/powerpoint/2010/main" val="48515063"/>
-      </p:ext>
-    </p:extLst>
-  </p:cSld>
-  <p:clrMapOvr>
-    <a:masterClrMapping/>
-  </p:clrMapOvr>
-  <p:timing>
-    <p:tnLst>
-      <p:par>
-        <p:cTn xmlns:p14="http://schemas.microsoft.com/office/powerpoint/2010/main" id="1" dur="indefinite" restart="never" nodeType="tmRoot"/>
-      </p:par>
-    </p:tnLst>
-  </p:timing>
-</p:sld>
-</file>
-
-<file path=ppt/slides/slide16.xml><?xml version="1.0" encoding="utf-8"?>
-<p:sld xmlns:a="http://schemas.openxmlformats.org/drawingml/2006/main" xmlns:r="http://schemas.openxmlformats.org/officeDocument/2006/relationships" xmlns:p="http://schemas.openxmlformats.org/presentationml/2006/main">
-  <p:cSld>
-    <p:spTree>
-      <p:nvGrpSpPr>
-        <p:cNvPr id="1" name=""/>
-        <p:cNvGrpSpPr/>
-        <p:nvPr/>
-      </p:nvGrpSpPr>
-      <p:grpSpPr>
-        <a:xfrm>
-          <a:off x="0" y="0"/>
-          <a:ext cx="0" cy="0"/>
-          <a:chOff x="0" y="0"/>
-          <a:chExt cx="0" cy="0"/>
-        </a:xfrm>
-      </p:grpSpPr>
-      <p:sp>
-        <p:nvSpPr>
-          <p:cNvPr id="2" name="Title 1"/>
-          <p:cNvSpPr>
-            <a:spLocks noGrp="1"/>
-          </p:cNvSpPr>
-          <p:nvPr>
-            <p:ph type="ctrTitle"/>
-          </p:nvPr>
-        </p:nvSpPr>
-        <p:spPr>
-          <a:xfrm>
-            <a:off x="838200" y="0"/>
-            <a:ext cx="7772400" cy="762000"/>
-          </a:xfrm>
-        </p:spPr>
-        <p:txBody>
-          <a:bodyPr>
-            <a:normAutofit/>
-          </a:bodyPr>
-          <a:lstStyle/>
-          <a:p>
+              <a:t>Selection in Multiple Linear </a:t>
+            </a:r>
             <a:r>
               <a:rPr lang="en-US" sz="3200" dirty="0" smtClean="0">
                 <a:solidFill>
@@ -7938,9 +4321,9 @@
                   </a:schemeClr>
                 </a:solidFill>
               </a:rPr>
-              <a:t>Bayesian Model For Binary Outcomes</a:t>
-            </a:r>
-            <a:endParaRPr lang="en-US" sz="3200" dirty="0">
+              <a:t>Regression </a:t>
+            </a:r>
+            <a:endParaRPr lang="en-US" sz="3200" dirty="0" smtClean="0">
               <a:solidFill>
                 <a:schemeClr val="accent2">
                   <a:lumMod val="75000"/>
@@ -7960,12 +4343,7 @@
             <p:ph type="ftr" sz="quarter" idx="11"/>
           </p:nvPr>
         </p:nvSpPr>
-        <p:spPr>
-          <a:xfrm>
-            <a:off x="3124200" y="6569075"/>
-            <a:ext cx="2895600" cy="365125"/>
-          </a:xfrm>
-        </p:spPr>
+        <p:spPr/>
         <p:txBody>
           <a:bodyPr/>
           <a:lstStyle/>
@@ -7986,1577 +4364,10 @@
           </a:p>
         </p:txBody>
       </p:sp>
-      <p:sp>
-        <p:nvSpPr>
-          <p:cNvPr id="6" name="TextBox 5"/>
-          <p:cNvSpPr txBox="1"/>
-          <p:nvPr/>
-        </p:nvSpPr>
-        <p:spPr>
-          <a:xfrm>
-            <a:off x="0" y="838200"/>
-            <a:ext cx="8991600" cy="5632310"/>
-          </a:xfrm>
-          <a:prstGeom prst="rect">
-            <a:avLst/>
-          </a:prstGeom>
-          <a:noFill/>
-          <a:ln>
-            <a:solidFill>
-              <a:srgbClr val="800000"/>
-            </a:solidFill>
-            <a:prstDash val="sysDash"/>
-          </a:ln>
-        </p:spPr>
-        <p:txBody>
-          <a:bodyPr wrap="square" rtlCol="0">
-            <a:spAutoFit/>
-          </a:bodyPr>
-          <a:lstStyle/>
-          <a:p>
-            <a:endParaRPr lang="en-US" sz="2400" smtClean="0">
-              <a:solidFill>
-                <a:schemeClr val="accent1">
-                  <a:lumMod val="75000"/>
-                </a:schemeClr>
-              </a:solidFill>
-            </a:endParaRPr>
-          </a:p>
-          <a:p>
-            <a:endParaRPr lang="en-US" sz="2400" smtClean="0">
-              <a:solidFill>
-                <a:schemeClr val="accent1">
-                  <a:lumMod val="75000"/>
-                </a:schemeClr>
-              </a:solidFill>
-            </a:endParaRPr>
-          </a:p>
-          <a:p>
-            <a:endParaRPr lang="en-US" sz="2400" smtClean="0">
-              <a:solidFill>
-                <a:schemeClr val="accent1">
-                  <a:lumMod val="75000"/>
-                </a:schemeClr>
-              </a:solidFill>
-            </a:endParaRPr>
-          </a:p>
-          <a:p>
-            <a:endParaRPr lang="en-US" sz="2400" smtClean="0">
-              <a:solidFill>
-                <a:schemeClr val="accent1">
-                  <a:lumMod val="75000"/>
-                </a:schemeClr>
-              </a:solidFill>
-            </a:endParaRPr>
-          </a:p>
-          <a:p>
-            <a:endParaRPr lang="en-US" sz="2400" smtClean="0">
-              <a:solidFill>
-                <a:schemeClr val="accent1">
-                  <a:lumMod val="75000"/>
-                </a:schemeClr>
-              </a:solidFill>
-            </a:endParaRPr>
-          </a:p>
-          <a:p>
-            <a:endParaRPr lang="en-US" sz="2400" smtClean="0">
-              <a:solidFill>
-                <a:schemeClr val="accent1">
-                  <a:lumMod val="75000"/>
-                </a:schemeClr>
-              </a:solidFill>
-            </a:endParaRPr>
-          </a:p>
-          <a:p>
-            <a:endParaRPr lang="en-US" sz="2400" smtClean="0">
-              <a:solidFill>
-                <a:schemeClr val="accent1">
-                  <a:lumMod val="75000"/>
-                </a:schemeClr>
-              </a:solidFill>
-            </a:endParaRPr>
-          </a:p>
-          <a:p>
-            <a:endParaRPr lang="en-US" sz="2400" smtClean="0">
-              <a:solidFill>
-                <a:schemeClr val="accent1">
-                  <a:lumMod val="75000"/>
-                </a:schemeClr>
-              </a:solidFill>
-            </a:endParaRPr>
-          </a:p>
-          <a:p>
-            <a:endParaRPr lang="en-US" sz="2400" smtClean="0">
-              <a:solidFill>
-                <a:schemeClr val="accent1">
-                  <a:lumMod val="75000"/>
-                </a:schemeClr>
-              </a:solidFill>
-            </a:endParaRPr>
-          </a:p>
-          <a:p>
-            <a:endParaRPr lang="en-US" sz="2400" smtClean="0">
-              <a:solidFill>
-                <a:schemeClr val="accent1">
-                  <a:lumMod val="75000"/>
-                </a:schemeClr>
-              </a:solidFill>
-            </a:endParaRPr>
-          </a:p>
-          <a:p>
-            <a:endParaRPr lang="en-US" sz="2400" smtClean="0">
-              <a:solidFill>
-                <a:schemeClr val="accent1">
-                  <a:lumMod val="75000"/>
-                </a:schemeClr>
-              </a:solidFill>
-            </a:endParaRPr>
-          </a:p>
-          <a:p>
-            <a:endParaRPr lang="en-US" sz="2400" smtClean="0">
-              <a:solidFill>
-                <a:schemeClr val="accent1">
-                  <a:lumMod val="75000"/>
-                </a:schemeClr>
-              </a:solidFill>
-            </a:endParaRPr>
-          </a:p>
-          <a:p>
-            <a:endParaRPr lang="en-US" sz="2400" smtClean="0">
-              <a:solidFill>
-                <a:schemeClr val="accent1">
-                  <a:lumMod val="75000"/>
-                </a:schemeClr>
-              </a:solidFill>
-            </a:endParaRPr>
-          </a:p>
-          <a:p>
-            <a:endParaRPr lang="en-US" sz="2400" smtClean="0">
-              <a:solidFill>
-                <a:schemeClr val="accent1">
-                  <a:lumMod val="75000"/>
-                </a:schemeClr>
-              </a:solidFill>
-            </a:endParaRPr>
-          </a:p>
-          <a:p>
-            <a:endParaRPr lang="en-US" sz="2400" dirty="0">
-              <a:solidFill>
-                <a:schemeClr val="accent1">
-                  <a:lumMod val="75000"/>
-                </a:schemeClr>
-              </a:solidFill>
-            </a:endParaRPr>
-          </a:p>
-        </p:txBody>
-      </p:sp>
-      <p:sp>
-        <p:nvSpPr>
-          <p:cNvPr id="3" name="TextBox 2"/>
-          <p:cNvSpPr txBox="1"/>
-          <p:nvPr/>
-        </p:nvSpPr>
-        <p:spPr>
-          <a:xfrm>
-            <a:off x="381000" y="914400"/>
-            <a:ext cx="5334000" cy="461665"/>
-          </a:xfrm>
-          <a:prstGeom prst="rect">
-            <a:avLst/>
-          </a:prstGeom>
-          <a:noFill/>
-        </p:spPr>
-        <p:txBody>
-          <a:bodyPr wrap="square" rtlCol="0">
-            <a:spAutoFit/>
-          </a:bodyPr>
-          <a:lstStyle/>
-          <a:p>
-            <a:r>
-              <a:rPr lang="en-US" sz="2400" dirty="0" smtClean="0">
-                <a:solidFill>
-                  <a:schemeClr val="tx2"/>
-                </a:solidFill>
-              </a:rPr>
-              <a:t>(Bayesian) Likelihood Function</a:t>
-            </a:r>
-            <a:endParaRPr lang="en-US" sz="2400" dirty="0">
-              <a:solidFill>
-                <a:schemeClr val="tx2"/>
-              </a:solidFill>
-            </a:endParaRPr>
-          </a:p>
-        </p:txBody>
-      </p:sp>
-      <p:sp>
-        <p:nvSpPr>
-          <p:cNvPr id="11" name="TextBox 10"/>
-          <p:cNvSpPr txBox="1"/>
-          <p:nvPr/>
-        </p:nvSpPr>
-        <p:spPr>
-          <a:xfrm>
-            <a:off x="304800" y="3733800"/>
-            <a:ext cx="8839200" cy="461665"/>
-          </a:xfrm>
-          <a:prstGeom prst="rect">
-            <a:avLst/>
-          </a:prstGeom>
-          <a:noFill/>
-        </p:spPr>
-        <p:txBody>
-          <a:bodyPr wrap="square" rtlCol="0">
-            <a:spAutoFit/>
-          </a:bodyPr>
-          <a:lstStyle/>
-          <a:p>
-            <a:r>
-              <a:rPr lang="en-US" sz="2400" dirty="0" smtClean="0">
-                <a:solidFill>
-                  <a:schemeClr val="tx2"/>
-                </a:solidFill>
-              </a:rPr>
-              <a:t>Prior</a:t>
-            </a:r>
-            <a:endParaRPr lang="en-US" sz="2400" dirty="0">
-              <a:solidFill>
-                <a:schemeClr val="tx2"/>
-              </a:solidFill>
-            </a:endParaRPr>
-          </a:p>
-        </p:txBody>
-      </p:sp>
-      <p:sp>
-        <p:nvSpPr>
-          <p:cNvPr id="12" name="TextBox 11"/>
-          <p:cNvSpPr txBox="1"/>
-          <p:nvPr/>
-        </p:nvSpPr>
-        <p:spPr>
-          <a:xfrm>
-            <a:off x="533400" y="4495800"/>
-            <a:ext cx="7620000" cy="461665"/>
-          </a:xfrm>
-          <a:prstGeom prst="rect">
-            <a:avLst/>
-          </a:prstGeom>
-          <a:noFill/>
-        </p:spPr>
-        <p:txBody>
-          <a:bodyPr wrap="square" rtlCol="0">
-            <a:spAutoFit/>
-          </a:bodyPr>
-          <a:lstStyle/>
-          <a:p>
-            <a:pPr algn="ctr"/>
-            <a:r>
-              <a:rPr lang="en-US" sz="2400" dirty="0" smtClean="0">
-                <a:solidFill>
-                  <a:schemeClr val="tx2"/>
-                </a:solidFill>
-              </a:rPr>
-              <a:t>Joint Posterior</a:t>
-            </a:r>
-            <a:endParaRPr lang="en-US" sz="2400" dirty="0">
-              <a:solidFill>
-                <a:schemeClr val="tx2"/>
-              </a:solidFill>
-            </a:endParaRPr>
-          </a:p>
-        </p:txBody>
-      </p:sp>
-      <p:graphicFrame>
-        <p:nvGraphicFramePr>
-          <p:cNvPr id="13" name="Object 12"/>
-          <p:cNvGraphicFramePr>
-            <a:graphicFrameLocks noChangeAspect="1"/>
-          </p:cNvGraphicFramePr>
-          <p:nvPr>
-            <p:extLst>
-              <p:ext uri="{D42A27DB-BD31-4B8C-83A1-F6EECF244321}">
-                <p14:modId xmlns:p14="http://schemas.microsoft.com/office/powerpoint/2010/main" val="1506266929"/>
-              </p:ext>
-            </p:extLst>
-          </p:nvPr>
-        </p:nvGraphicFramePr>
-        <p:xfrm>
-          <a:off x="339724" y="1600200"/>
-          <a:ext cx="8651876" cy="1981200"/>
-        </p:xfrm>
-        <a:graphic>
-          <a:graphicData uri="http://schemas.openxmlformats.org/presentationml/2006/ole">
-            <mc:AlternateContent xmlns:mc="http://schemas.openxmlformats.org/markup-compatibility/2006">
-              <mc:Choice xmlns:v="urn:schemas-microsoft-com:vml" Requires="v">
-                <p:oleObj spid="_x0000_s66653" name="Equation" r:id="rId4" imgW="4330700" imgH="990600" progId="Equation.3">
-                  <p:embed/>
-                </p:oleObj>
-              </mc:Choice>
-              <mc:Fallback>
-                <p:oleObj name="Equation" r:id="rId4" imgW="4330700" imgH="990600" progId="Equation.3">
-                  <p:embed/>
-                  <p:pic>
-                    <p:nvPicPr>
-                      <p:cNvPr id="0" name=""/>
-                      <p:cNvPicPr/>
-                      <p:nvPr/>
-                    </p:nvPicPr>
-                    <p:blipFill>
-                      <a:blip r:embed="rId5"/>
-                      <a:stretch>
-                        <a:fillRect/>
-                      </a:stretch>
-                    </p:blipFill>
-                    <p:spPr>
-                      <a:xfrm>
-                        <a:off x="339724" y="1600200"/>
-                        <a:ext cx="8651876" cy="1981200"/>
-                      </a:xfrm>
-                      <a:prstGeom prst="rect">
-                        <a:avLst/>
-                      </a:prstGeom>
-                    </p:spPr>
-                  </p:pic>
-                </p:oleObj>
-              </mc:Fallback>
-            </mc:AlternateContent>
-          </a:graphicData>
-        </a:graphic>
-      </p:graphicFrame>
-      <p:graphicFrame>
-        <p:nvGraphicFramePr>
-          <p:cNvPr id="14" name="Object 13"/>
-          <p:cNvGraphicFramePr>
-            <a:graphicFrameLocks noChangeAspect="1"/>
-          </p:cNvGraphicFramePr>
-          <p:nvPr>
-            <p:extLst>
-              <p:ext uri="{D42A27DB-BD31-4B8C-83A1-F6EECF244321}">
-                <p14:modId xmlns:p14="http://schemas.microsoft.com/office/powerpoint/2010/main" val="2090728015"/>
-              </p:ext>
-            </p:extLst>
-          </p:nvPr>
-        </p:nvGraphicFramePr>
-        <p:xfrm>
-          <a:off x="1727200" y="3581400"/>
-          <a:ext cx="1884363" cy="762000"/>
-        </p:xfrm>
-        <a:graphic>
-          <a:graphicData uri="http://schemas.openxmlformats.org/presentationml/2006/ole">
-            <mc:AlternateContent xmlns:mc="http://schemas.openxmlformats.org/markup-compatibility/2006">
-              <mc:Choice xmlns:v="urn:schemas-microsoft-com:vml" Requires="v">
-                <p:oleObj spid="_x0000_s66654" name="Equation" r:id="rId6" imgW="723900" imgH="292100" progId="Equation.3">
-                  <p:embed/>
-                </p:oleObj>
-              </mc:Choice>
-              <mc:Fallback>
-                <p:oleObj name="Equation" r:id="rId6" imgW="723900" imgH="292100" progId="Equation.3">
-                  <p:embed/>
-                  <p:pic>
-                    <p:nvPicPr>
-                      <p:cNvPr id="0" name=""/>
-                      <p:cNvPicPr/>
-                      <p:nvPr/>
-                    </p:nvPicPr>
-                    <p:blipFill>
-                      <a:blip r:embed="rId7"/>
-                      <a:stretch>
-                        <a:fillRect/>
-                      </a:stretch>
-                    </p:blipFill>
-                    <p:spPr>
-                      <a:xfrm>
-                        <a:off x="1727200" y="3581400"/>
-                        <a:ext cx="1884363" cy="762000"/>
-                      </a:xfrm>
-                      <a:prstGeom prst="rect">
-                        <a:avLst/>
-                      </a:prstGeom>
-                    </p:spPr>
-                  </p:pic>
-                </p:oleObj>
-              </mc:Fallback>
-            </mc:AlternateContent>
-          </a:graphicData>
-        </a:graphic>
-      </p:graphicFrame>
-      <p:graphicFrame>
-        <p:nvGraphicFramePr>
-          <p:cNvPr id="15" name="Object 14"/>
-          <p:cNvGraphicFramePr>
-            <a:graphicFrameLocks noChangeAspect="1"/>
-          </p:cNvGraphicFramePr>
-          <p:nvPr>
-            <p:extLst>
-              <p:ext uri="{D42A27DB-BD31-4B8C-83A1-F6EECF244321}">
-                <p14:modId xmlns:p14="http://schemas.microsoft.com/office/powerpoint/2010/main" val="3811183250"/>
-              </p:ext>
-            </p:extLst>
-          </p:nvPr>
-        </p:nvGraphicFramePr>
-        <p:xfrm>
-          <a:off x="4800600" y="914400"/>
-          <a:ext cx="539750" cy="381000"/>
-        </p:xfrm>
-        <a:graphic>
-          <a:graphicData uri="http://schemas.openxmlformats.org/presentationml/2006/ole">
-            <mc:AlternateContent xmlns:mc="http://schemas.openxmlformats.org/markup-compatibility/2006">
-              <mc:Choice xmlns:v="urn:schemas-microsoft-com:vml" Requires="v">
-                <p:oleObj spid="_x0000_s66655" name="Equation" r:id="rId8" imgW="215900" imgH="215900" progId="Equation.3">
-                  <p:embed/>
-                </p:oleObj>
-              </mc:Choice>
-              <mc:Fallback>
-                <p:oleObj name="Equation" r:id="rId8" imgW="215900" imgH="215900" progId="Equation.3">
-                  <p:embed/>
-                  <p:pic>
-                    <p:nvPicPr>
-                      <p:cNvPr id="0" name=""/>
-                      <p:cNvPicPr/>
-                      <p:nvPr/>
-                    </p:nvPicPr>
-                    <p:blipFill>
-                      <a:blip r:embed="rId9"/>
-                      <a:stretch>
-                        <a:fillRect/>
-                      </a:stretch>
-                    </p:blipFill>
-                    <p:spPr>
-                      <a:xfrm>
-                        <a:off x="4800600" y="914400"/>
-                        <a:ext cx="539750" cy="381000"/>
-                      </a:xfrm>
-                      <a:prstGeom prst="rect">
-                        <a:avLst/>
-                      </a:prstGeom>
-                    </p:spPr>
-                  </p:pic>
-                </p:oleObj>
-              </mc:Fallback>
-            </mc:AlternateContent>
-          </a:graphicData>
-        </a:graphic>
-      </p:graphicFrame>
-      <p:sp>
-        <p:nvSpPr>
-          <p:cNvPr id="17" name="Rectangle 16"/>
-          <p:cNvSpPr/>
-          <p:nvPr/>
-        </p:nvSpPr>
-        <p:spPr>
-          <a:xfrm>
-            <a:off x="5306840" y="914400"/>
-            <a:ext cx="2112027" cy="369332"/>
-          </a:xfrm>
-          <a:prstGeom prst="rect">
-            <a:avLst/>
-          </a:prstGeom>
-        </p:spPr>
-        <p:txBody>
-          <a:bodyPr wrap="none">
-            <a:spAutoFit/>
-          </a:bodyPr>
-          <a:lstStyle/>
-          <a:p>
-            <a:pPr algn="ctr"/>
-            <a:r>
-              <a:rPr lang="en-US" dirty="0" smtClean="0"/>
-              <a:t>Unobserved liability.</a:t>
-            </a:r>
-            <a:endParaRPr lang="en-US" dirty="0"/>
-          </a:p>
-        </p:txBody>
-      </p:sp>
-      <p:graphicFrame>
-        <p:nvGraphicFramePr>
-          <p:cNvPr id="18" name="Object 17"/>
-          <p:cNvGraphicFramePr>
-            <a:graphicFrameLocks noChangeAspect="1"/>
-          </p:cNvGraphicFramePr>
-          <p:nvPr>
-            <p:extLst>
-              <p:ext uri="{D42A27DB-BD31-4B8C-83A1-F6EECF244321}">
-                <p14:modId xmlns:p14="http://schemas.microsoft.com/office/powerpoint/2010/main" val="4022213833"/>
-              </p:ext>
-            </p:extLst>
-          </p:nvPr>
-        </p:nvGraphicFramePr>
-        <p:xfrm>
-          <a:off x="152400" y="5181600"/>
-          <a:ext cx="8820150" cy="970619"/>
-        </p:xfrm>
-        <a:graphic>
-          <a:graphicData uri="http://schemas.openxmlformats.org/presentationml/2006/ole">
-            <mc:AlternateContent xmlns:mc="http://schemas.openxmlformats.org/markup-compatibility/2006">
-              <mc:Choice xmlns:v="urn:schemas-microsoft-com:vml" Requires="v">
-                <p:oleObj spid="_x0000_s66656" name="Equation" r:id="rId10" imgW="5778500" imgH="635000" progId="Equation.3">
-                  <p:embed/>
-                </p:oleObj>
-              </mc:Choice>
-              <mc:Fallback>
-                <p:oleObj name="Equation" r:id="rId10" imgW="5778500" imgH="635000" progId="Equation.3">
-                  <p:embed/>
-                  <p:pic>
-                    <p:nvPicPr>
-                      <p:cNvPr id="0" name=""/>
-                      <p:cNvPicPr/>
-                      <p:nvPr/>
-                    </p:nvPicPr>
-                    <p:blipFill>
-                      <a:blip r:embed="rId11"/>
-                      <a:stretch>
-                        <a:fillRect/>
-                      </a:stretch>
-                    </p:blipFill>
-                    <p:spPr>
-                      <a:xfrm>
-                        <a:off x="152400" y="5181600"/>
-                        <a:ext cx="8820150" cy="970619"/>
-                      </a:xfrm>
-                      <a:prstGeom prst="rect">
-                        <a:avLst/>
-                      </a:prstGeom>
-                    </p:spPr>
-                  </p:pic>
-                </p:oleObj>
-              </mc:Fallback>
-            </mc:AlternateContent>
-          </a:graphicData>
-        </a:graphic>
-      </p:graphicFrame>
     </p:spTree>
     <p:extLst>
       <p:ext uri="{BB962C8B-B14F-4D97-AF65-F5344CB8AC3E}">
-        <p14:creationId xmlns:p14="http://schemas.microsoft.com/office/powerpoint/2010/main" val="3079322687"/>
-      </p:ext>
-    </p:extLst>
-  </p:cSld>
-  <p:clrMapOvr>
-    <a:masterClrMapping/>
-  </p:clrMapOvr>
-  <p:timing>
-    <p:tnLst>
-      <p:par>
-        <p:cTn xmlns:p14="http://schemas.microsoft.com/office/powerpoint/2010/main" id="1" dur="indefinite" restart="never" nodeType="tmRoot"/>
-      </p:par>
-    </p:tnLst>
-  </p:timing>
-</p:sld>
-</file>
-
-<file path=ppt/slides/slide17.xml><?xml version="1.0" encoding="utf-8"?>
-<p:sld xmlns:a="http://schemas.openxmlformats.org/drawingml/2006/main" xmlns:r="http://schemas.openxmlformats.org/officeDocument/2006/relationships" xmlns:p="http://schemas.openxmlformats.org/presentationml/2006/main">
-  <p:cSld>
-    <p:spTree>
-      <p:nvGrpSpPr>
-        <p:cNvPr id="1" name=""/>
-        <p:cNvGrpSpPr/>
-        <p:nvPr/>
-      </p:nvGrpSpPr>
-      <p:grpSpPr>
-        <a:xfrm>
-          <a:off x="0" y="0"/>
-          <a:ext cx="0" cy="0"/>
-          <a:chOff x="0" y="0"/>
-          <a:chExt cx="0" cy="0"/>
-        </a:xfrm>
-      </p:grpSpPr>
-      <p:sp>
-        <p:nvSpPr>
-          <p:cNvPr id="2" name="Title 1"/>
-          <p:cNvSpPr>
-            <a:spLocks noGrp="1"/>
-          </p:cNvSpPr>
-          <p:nvPr>
-            <p:ph type="ctrTitle"/>
-          </p:nvPr>
-        </p:nvSpPr>
-        <p:spPr>
-          <a:xfrm>
-            <a:off x="914400" y="152400"/>
-            <a:ext cx="7772400" cy="762000"/>
-          </a:xfrm>
-        </p:spPr>
-        <p:txBody>
-          <a:bodyPr>
-            <a:normAutofit/>
-          </a:bodyPr>
-          <a:lstStyle/>
-          <a:p>
-            <a:r>
-              <a:rPr lang="en-US" sz="3200" dirty="0" smtClean="0">
-                <a:solidFill>
-                  <a:schemeClr val="accent2">
-                    <a:lumMod val="75000"/>
-                  </a:schemeClr>
-                </a:solidFill>
-              </a:rPr>
-              <a:t>Fully Conditional Distributions</a:t>
-            </a:r>
-            <a:endParaRPr lang="en-US" sz="3200" dirty="0">
-              <a:solidFill>
-                <a:schemeClr val="accent2">
-                  <a:lumMod val="75000"/>
-                </a:schemeClr>
-              </a:solidFill>
-            </a:endParaRPr>
-          </a:p>
-        </p:txBody>
-      </p:sp>
-      <p:sp>
-        <p:nvSpPr>
-          <p:cNvPr id="4" name="Footer Placeholder 3"/>
-          <p:cNvSpPr>
-            <a:spLocks noGrp="1"/>
-          </p:cNvSpPr>
-          <p:nvPr>
-            <p:ph type="ftr" sz="quarter" idx="11"/>
-          </p:nvPr>
-        </p:nvSpPr>
-        <p:spPr>
-          <a:xfrm>
-            <a:off x="3124200" y="6569075"/>
-            <a:ext cx="2895600" cy="365125"/>
-          </a:xfrm>
-        </p:spPr>
-        <p:txBody>
-          <a:bodyPr/>
-          <a:lstStyle/>
-          <a:p>
-            <a:r>
-              <a:rPr lang="en-US" dirty="0" smtClean="0">
-                <a:solidFill>
-                  <a:schemeClr val="accent1"/>
-                </a:solidFill>
-              </a:rPr>
-              <a:t>STT 465, MSU, Fall, 2015</a:t>
-            </a:r>
-            <a:endParaRPr lang="en-US" dirty="0">
-              <a:solidFill>
-                <a:schemeClr val="accent1"/>
-              </a:solidFill>
-            </a:endParaRPr>
-          </a:p>
-        </p:txBody>
-      </p:sp>
-      <p:sp>
-        <p:nvSpPr>
-          <p:cNvPr id="6" name="TextBox 5"/>
-          <p:cNvSpPr txBox="1"/>
-          <p:nvPr/>
-        </p:nvSpPr>
-        <p:spPr>
-          <a:xfrm>
-            <a:off x="76200" y="990600"/>
-            <a:ext cx="8991600" cy="5632310"/>
-          </a:xfrm>
-          <a:prstGeom prst="rect">
-            <a:avLst/>
-          </a:prstGeom>
-          <a:noFill/>
-          <a:ln>
-            <a:solidFill>
-              <a:srgbClr val="800000"/>
-            </a:solidFill>
-            <a:prstDash val="sysDash"/>
-          </a:ln>
-        </p:spPr>
-        <p:txBody>
-          <a:bodyPr wrap="square" rtlCol="0">
-            <a:spAutoFit/>
-          </a:bodyPr>
-          <a:lstStyle/>
-          <a:p>
-            <a:endParaRPr lang="en-US" sz="2400" smtClean="0">
-              <a:solidFill>
-                <a:schemeClr val="accent1">
-                  <a:lumMod val="75000"/>
-                </a:schemeClr>
-              </a:solidFill>
-            </a:endParaRPr>
-          </a:p>
-          <a:p>
-            <a:endParaRPr lang="en-US" sz="2400" smtClean="0">
-              <a:solidFill>
-                <a:schemeClr val="accent1">
-                  <a:lumMod val="75000"/>
-                </a:schemeClr>
-              </a:solidFill>
-            </a:endParaRPr>
-          </a:p>
-          <a:p>
-            <a:endParaRPr lang="en-US" sz="2400" smtClean="0">
-              <a:solidFill>
-                <a:schemeClr val="accent1">
-                  <a:lumMod val="75000"/>
-                </a:schemeClr>
-              </a:solidFill>
-            </a:endParaRPr>
-          </a:p>
-          <a:p>
-            <a:endParaRPr lang="en-US" sz="2400" smtClean="0">
-              <a:solidFill>
-                <a:schemeClr val="accent1">
-                  <a:lumMod val="75000"/>
-                </a:schemeClr>
-              </a:solidFill>
-            </a:endParaRPr>
-          </a:p>
-          <a:p>
-            <a:endParaRPr lang="en-US" sz="2400" smtClean="0">
-              <a:solidFill>
-                <a:schemeClr val="accent1">
-                  <a:lumMod val="75000"/>
-                </a:schemeClr>
-              </a:solidFill>
-            </a:endParaRPr>
-          </a:p>
-          <a:p>
-            <a:endParaRPr lang="en-US" sz="2400" smtClean="0">
-              <a:solidFill>
-                <a:schemeClr val="accent1">
-                  <a:lumMod val="75000"/>
-                </a:schemeClr>
-              </a:solidFill>
-            </a:endParaRPr>
-          </a:p>
-          <a:p>
-            <a:endParaRPr lang="en-US" sz="2400" smtClean="0">
-              <a:solidFill>
-                <a:schemeClr val="accent1">
-                  <a:lumMod val="75000"/>
-                </a:schemeClr>
-              </a:solidFill>
-            </a:endParaRPr>
-          </a:p>
-          <a:p>
-            <a:endParaRPr lang="en-US" sz="2400" smtClean="0">
-              <a:solidFill>
-                <a:schemeClr val="accent1">
-                  <a:lumMod val="75000"/>
-                </a:schemeClr>
-              </a:solidFill>
-            </a:endParaRPr>
-          </a:p>
-          <a:p>
-            <a:endParaRPr lang="en-US" sz="2400" smtClean="0">
-              <a:solidFill>
-                <a:schemeClr val="accent1">
-                  <a:lumMod val="75000"/>
-                </a:schemeClr>
-              </a:solidFill>
-            </a:endParaRPr>
-          </a:p>
-          <a:p>
-            <a:endParaRPr lang="en-US" sz="2400" smtClean="0">
-              <a:solidFill>
-                <a:schemeClr val="accent1">
-                  <a:lumMod val="75000"/>
-                </a:schemeClr>
-              </a:solidFill>
-            </a:endParaRPr>
-          </a:p>
-          <a:p>
-            <a:endParaRPr lang="en-US" sz="2400" smtClean="0">
-              <a:solidFill>
-                <a:schemeClr val="accent1">
-                  <a:lumMod val="75000"/>
-                </a:schemeClr>
-              </a:solidFill>
-            </a:endParaRPr>
-          </a:p>
-          <a:p>
-            <a:endParaRPr lang="en-US" sz="2400" smtClean="0">
-              <a:solidFill>
-                <a:schemeClr val="accent1">
-                  <a:lumMod val="75000"/>
-                </a:schemeClr>
-              </a:solidFill>
-            </a:endParaRPr>
-          </a:p>
-          <a:p>
-            <a:endParaRPr lang="en-US" sz="2400" smtClean="0">
-              <a:solidFill>
-                <a:schemeClr val="accent1">
-                  <a:lumMod val="75000"/>
-                </a:schemeClr>
-              </a:solidFill>
-            </a:endParaRPr>
-          </a:p>
-          <a:p>
-            <a:endParaRPr lang="en-US" sz="2400" smtClean="0">
-              <a:solidFill>
-                <a:schemeClr val="accent1">
-                  <a:lumMod val="75000"/>
-                </a:schemeClr>
-              </a:solidFill>
-            </a:endParaRPr>
-          </a:p>
-          <a:p>
-            <a:endParaRPr lang="en-US" sz="2400" dirty="0">
-              <a:solidFill>
-                <a:schemeClr val="accent1">
-                  <a:lumMod val="75000"/>
-                </a:schemeClr>
-              </a:solidFill>
-            </a:endParaRPr>
-          </a:p>
-        </p:txBody>
-      </p:sp>
-      <p:graphicFrame>
-        <p:nvGraphicFramePr>
-          <p:cNvPr id="18" name="Object 17"/>
-          <p:cNvGraphicFramePr>
-            <a:graphicFrameLocks noChangeAspect="1"/>
-          </p:cNvGraphicFramePr>
-          <p:nvPr>
-            <p:extLst>
-              <p:ext uri="{D42A27DB-BD31-4B8C-83A1-F6EECF244321}">
-                <p14:modId xmlns:p14="http://schemas.microsoft.com/office/powerpoint/2010/main" val="3387295684"/>
-              </p:ext>
-            </p:extLst>
-          </p:nvPr>
-        </p:nvGraphicFramePr>
-        <p:xfrm>
-          <a:off x="228600" y="1066800"/>
-          <a:ext cx="5410200" cy="1031684"/>
-        </p:xfrm>
-        <a:graphic>
-          <a:graphicData uri="http://schemas.openxmlformats.org/presentationml/2006/ole">
-            <mc:AlternateContent xmlns:mc="http://schemas.openxmlformats.org/markup-compatibility/2006">
-              <mc:Choice xmlns:v="urn:schemas-microsoft-com:vml" Requires="v">
-                <p:oleObj spid="_x0000_s67620" name="Equation" r:id="rId4" imgW="2400300" imgH="457200" progId="Equation.3">
-                  <p:embed/>
-                </p:oleObj>
-              </mc:Choice>
-              <mc:Fallback>
-                <p:oleObj name="Equation" r:id="rId4" imgW="2400300" imgH="457200" progId="Equation.3">
-                  <p:embed/>
-                  <p:pic>
-                    <p:nvPicPr>
-                      <p:cNvPr id="0" name=""/>
-                      <p:cNvPicPr/>
-                      <p:nvPr/>
-                    </p:nvPicPr>
-                    <p:blipFill>
-                      <a:blip r:embed="rId5"/>
-                      <a:stretch>
-                        <a:fillRect/>
-                      </a:stretch>
-                    </p:blipFill>
-                    <p:spPr>
-                      <a:xfrm>
-                        <a:off x="228600" y="1066800"/>
-                        <a:ext cx="5410200" cy="1031684"/>
-                      </a:xfrm>
-                      <a:prstGeom prst="rect">
-                        <a:avLst/>
-                      </a:prstGeom>
-                    </p:spPr>
-                  </p:pic>
-                </p:oleObj>
-              </mc:Fallback>
-            </mc:AlternateContent>
-          </a:graphicData>
-        </a:graphic>
-      </p:graphicFrame>
-      <p:graphicFrame>
-        <p:nvGraphicFramePr>
-          <p:cNvPr id="8" name="Object 7"/>
-          <p:cNvGraphicFramePr>
-            <a:graphicFrameLocks noChangeAspect="1"/>
-          </p:cNvGraphicFramePr>
-          <p:nvPr>
-            <p:extLst>
-              <p:ext uri="{D42A27DB-BD31-4B8C-83A1-F6EECF244321}">
-                <p14:modId xmlns:p14="http://schemas.microsoft.com/office/powerpoint/2010/main" val="4193681974"/>
-              </p:ext>
-            </p:extLst>
-          </p:nvPr>
-        </p:nvGraphicFramePr>
-        <p:xfrm>
-          <a:off x="228600" y="2288790"/>
-          <a:ext cx="5638800" cy="1064010"/>
-        </p:xfrm>
-        <a:graphic>
-          <a:graphicData uri="http://schemas.openxmlformats.org/presentationml/2006/ole">
-            <mc:AlternateContent xmlns:mc="http://schemas.openxmlformats.org/markup-compatibility/2006">
-              <mc:Choice xmlns:v="urn:schemas-microsoft-com:vml" Requires="v">
-                <p:oleObj spid="_x0000_s67621" name="Equation" r:id="rId6" imgW="2425700" imgH="457200" progId="Equation.3">
-                  <p:embed/>
-                </p:oleObj>
-              </mc:Choice>
-              <mc:Fallback>
-                <p:oleObj name="Equation" r:id="rId6" imgW="2425700" imgH="457200" progId="Equation.3">
-                  <p:embed/>
-                  <p:pic>
-                    <p:nvPicPr>
-                      <p:cNvPr id="0" name=""/>
-                      <p:cNvPicPr/>
-                      <p:nvPr/>
-                    </p:nvPicPr>
-                    <p:blipFill>
-                      <a:blip r:embed="rId7"/>
-                      <a:stretch>
-                        <a:fillRect/>
-                      </a:stretch>
-                    </p:blipFill>
-                    <p:spPr>
-                      <a:xfrm>
-                        <a:off x="228600" y="2288790"/>
-                        <a:ext cx="5638800" cy="1064010"/>
-                      </a:xfrm>
-                      <a:prstGeom prst="rect">
-                        <a:avLst/>
-                      </a:prstGeom>
-                    </p:spPr>
-                  </p:pic>
-                </p:oleObj>
-              </mc:Fallback>
-            </mc:AlternateContent>
-          </a:graphicData>
-        </a:graphic>
-      </p:graphicFrame>
-      <p:sp>
-        <p:nvSpPr>
-          <p:cNvPr id="9" name="TextBox 8"/>
-          <p:cNvSpPr txBox="1"/>
-          <p:nvPr/>
-        </p:nvSpPr>
-        <p:spPr>
-          <a:xfrm>
-            <a:off x="228600" y="3581400"/>
-            <a:ext cx="8686800" cy="1569660"/>
-          </a:xfrm>
-          <a:prstGeom prst="rect">
-            <a:avLst/>
-          </a:prstGeom>
-          <a:noFill/>
-        </p:spPr>
-        <p:txBody>
-          <a:bodyPr wrap="square" rtlCol="0">
-            <a:spAutoFit/>
-          </a:bodyPr>
-          <a:lstStyle/>
-          <a:p>
-            <a:pPr marL="342900" indent="-342900">
-              <a:buFontTx/>
-              <a:buChar char="-"/>
-            </a:pPr>
-            <a:r>
-              <a:rPr lang="en-US" sz="2400" dirty="0" smtClean="0">
-                <a:solidFill>
-                  <a:schemeClr val="tx2"/>
-                </a:solidFill>
-              </a:rPr>
-              <a:t>These are truncated normal densities with mean x</a:t>
-            </a:r>
-            <a:r>
-              <a:rPr lang="en-US" sz="2400" baseline="-25000" dirty="0" smtClean="0">
-                <a:solidFill>
-                  <a:schemeClr val="tx2"/>
-                </a:solidFill>
-              </a:rPr>
-              <a:t>i</a:t>
-            </a:r>
-            <a:r>
-              <a:rPr lang="en-US" sz="2400" dirty="0" smtClean="0">
-                <a:solidFill>
-                  <a:schemeClr val="tx2"/>
-                </a:solidFill>
-              </a:rPr>
-              <a:t>’β and variance equal to 0. Truncated below or above zero depending on whether </a:t>
-            </a:r>
-            <a:r>
-              <a:rPr lang="en-US" sz="2400" i="1" dirty="0" err="1" smtClean="0">
-                <a:solidFill>
-                  <a:schemeClr val="tx2"/>
-                </a:solidFill>
-              </a:rPr>
-              <a:t>y</a:t>
-            </a:r>
-            <a:r>
-              <a:rPr lang="en-US" sz="2400" i="1" baseline="-25000" dirty="0" err="1" smtClean="0">
-                <a:solidFill>
-                  <a:schemeClr val="tx2"/>
-                </a:solidFill>
-              </a:rPr>
-              <a:t>i</a:t>
-            </a:r>
-            <a:r>
-              <a:rPr lang="en-US" sz="2400" i="1" dirty="0" smtClean="0">
-                <a:solidFill>
-                  <a:schemeClr val="tx2"/>
-                </a:solidFill>
-              </a:rPr>
-              <a:t> i</a:t>
-            </a:r>
-            <a:r>
-              <a:rPr lang="en-US" sz="2400" dirty="0" smtClean="0">
-                <a:solidFill>
-                  <a:schemeClr val="tx2"/>
-                </a:solidFill>
-              </a:rPr>
-              <a:t>s equal to 1 or 0, respectively.</a:t>
-            </a:r>
-          </a:p>
-          <a:p>
-            <a:endParaRPr lang="en-US" sz="2400" dirty="0">
-              <a:solidFill>
-                <a:schemeClr val="tx2"/>
-              </a:solidFill>
-            </a:endParaRPr>
-          </a:p>
-        </p:txBody>
-      </p:sp>
-    </p:spTree>
-    <p:extLst>
-      <p:ext uri="{BB962C8B-B14F-4D97-AF65-F5344CB8AC3E}">
-        <p14:creationId xmlns:p14="http://schemas.microsoft.com/office/powerpoint/2010/main" val="4242477570"/>
-      </p:ext>
-    </p:extLst>
-  </p:cSld>
-  <p:clrMapOvr>
-    <a:masterClrMapping/>
-  </p:clrMapOvr>
-  <p:timing>
-    <p:tnLst>
-      <p:par>
-        <p:cTn xmlns:p14="http://schemas.microsoft.com/office/powerpoint/2010/main" id="1" dur="indefinite" restart="never" nodeType="tmRoot"/>
-      </p:par>
-    </p:tnLst>
-  </p:timing>
-</p:sld>
-</file>
-
-<file path=ppt/slides/slide18.xml><?xml version="1.0" encoding="utf-8"?>
-<p:sld xmlns:a="http://schemas.openxmlformats.org/drawingml/2006/main" xmlns:r="http://schemas.openxmlformats.org/officeDocument/2006/relationships" xmlns:p="http://schemas.openxmlformats.org/presentationml/2006/main">
-  <p:cSld>
-    <p:spTree>
-      <p:nvGrpSpPr>
-        <p:cNvPr id="1" name=""/>
-        <p:cNvGrpSpPr/>
-        <p:nvPr/>
-      </p:nvGrpSpPr>
-      <p:grpSpPr>
-        <a:xfrm>
-          <a:off x="0" y="0"/>
-          <a:ext cx="0" cy="0"/>
-          <a:chOff x="0" y="0"/>
-          <a:chExt cx="0" cy="0"/>
-        </a:xfrm>
-      </p:grpSpPr>
-      <p:sp>
-        <p:nvSpPr>
-          <p:cNvPr id="2" name="Title 1"/>
-          <p:cNvSpPr>
-            <a:spLocks noGrp="1"/>
-          </p:cNvSpPr>
-          <p:nvPr>
-            <p:ph type="ctrTitle"/>
-          </p:nvPr>
-        </p:nvSpPr>
-        <p:spPr>
-          <a:xfrm>
-            <a:off x="914400" y="152400"/>
-            <a:ext cx="7772400" cy="762000"/>
-          </a:xfrm>
-        </p:spPr>
-        <p:txBody>
-          <a:bodyPr>
-            <a:normAutofit/>
-          </a:bodyPr>
-          <a:lstStyle/>
-          <a:p>
-            <a:r>
-              <a:rPr lang="en-US" sz="3200" dirty="0" smtClean="0">
-                <a:solidFill>
-                  <a:schemeClr val="accent2">
-                    <a:lumMod val="75000"/>
-                  </a:schemeClr>
-                </a:solidFill>
-              </a:rPr>
-              <a:t>Outline of a Gibbs Sampler</a:t>
-            </a:r>
-            <a:endParaRPr lang="en-US" sz="3200" dirty="0">
-              <a:solidFill>
-                <a:schemeClr val="accent2">
-                  <a:lumMod val="75000"/>
-                </a:schemeClr>
-              </a:solidFill>
-            </a:endParaRPr>
-          </a:p>
-        </p:txBody>
-      </p:sp>
-      <p:sp>
-        <p:nvSpPr>
-          <p:cNvPr id="4" name="Footer Placeholder 3"/>
-          <p:cNvSpPr>
-            <a:spLocks noGrp="1"/>
-          </p:cNvSpPr>
-          <p:nvPr>
-            <p:ph type="ftr" sz="quarter" idx="11"/>
-          </p:nvPr>
-        </p:nvSpPr>
-        <p:spPr>
-          <a:xfrm>
-            <a:off x="3124200" y="6569075"/>
-            <a:ext cx="2895600" cy="365125"/>
-          </a:xfrm>
-        </p:spPr>
-        <p:txBody>
-          <a:bodyPr/>
-          <a:lstStyle/>
-          <a:p>
-            <a:r>
-              <a:rPr lang="en-US" dirty="0" smtClean="0">
-                <a:solidFill>
-                  <a:schemeClr val="accent1"/>
-                </a:solidFill>
-              </a:rPr>
-              <a:t>STT 465, MSU, Fall, 2015</a:t>
-            </a:r>
-            <a:endParaRPr lang="en-US" dirty="0">
-              <a:solidFill>
-                <a:schemeClr val="accent1"/>
-              </a:solidFill>
-            </a:endParaRPr>
-          </a:p>
-        </p:txBody>
-      </p:sp>
-      <p:sp>
-        <p:nvSpPr>
-          <p:cNvPr id="6" name="TextBox 5"/>
-          <p:cNvSpPr txBox="1"/>
-          <p:nvPr/>
-        </p:nvSpPr>
-        <p:spPr>
-          <a:xfrm>
-            <a:off x="76200" y="990600"/>
-            <a:ext cx="8991600" cy="5632310"/>
-          </a:xfrm>
-          <a:prstGeom prst="rect">
-            <a:avLst/>
-          </a:prstGeom>
-          <a:noFill/>
-          <a:ln>
-            <a:solidFill>
-              <a:srgbClr val="800000"/>
-            </a:solidFill>
-            <a:prstDash val="sysDash"/>
-          </a:ln>
-        </p:spPr>
-        <p:txBody>
-          <a:bodyPr wrap="square" rtlCol="0">
-            <a:spAutoFit/>
-          </a:bodyPr>
-          <a:lstStyle/>
-          <a:p>
-            <a:endParaRPr lang="en-US" sz="2400" smtClean="0">
-              <a:solidFill>
-                <a:schemeClr val="accent1">
-                  <a:lumMod val="75000"/>
-                </a:schemeClr>
-              </a:solidFill>
-            </a:endParaRPr>
-          </a:p>
-          <a:p>
-            <a:endParaRPr lang="en-US" sz="2400" smtClean="0">
-              <a:solidFill>
-                <a:schemeClr val="accent1">
-                  <a:lumMod val="75000"/>
-                </a:schemeClr>
-              </a:solidFill>
-            </a:endParaRPr>
-          </a:p>
-          <a:p>
-            <a:endParaRPr lang="en-US" sz="2400" smtClean="0">
-              <a:solidFill>
-                <a:schemeClr val="accent1">
-                  <a:lumMod val="75000"/>
-                </a:schemeClr>
-              </a:solidFill>
-            </a:endParaRPr>
-          </a:p>
-          <a:p>
-            <a:endParaRPr lang="en-US" sz="2400" smtClean="0">
-              <a:solidFill>
-                <a:schemeClr val="accent1">
-                  <a:lumMod val="75000"/>
-                </a:schemeClr>
-              </a:solidFill>
-            </a:endParaRPr>
-          </a:p>
-          <a:p>
-            <a:endParaRPr lang="en-US" sz="2400" smtClean="0">
-              <a:solidFill>
-                <a:schemeClr val="accent1">
-                  <a:lumMod val="75000"/>
-                </a:schemeClr>
-              </a:solidFill>
-            </a:endParaRPr>
-          </a:p>
-          <a:p>
-            <a:endParaRPr lang="en-US" sz="2400" smtClean="0">
-              <a:solidFill>
-                <a:schemeClr val="accent1">
-                  <a:lumMod val="75000"/>
-                </a:schemeClr>
-              </a:solidFill>
-            </a:endParaRPr>
-          </a:p>
-          <a:p>
-            <a:endParaRPr lang="en-US" sz="2400" smtClean="0">
-              <a:solidFill>
-                <a:schemeClr val="accent1">
-                  <a:lumMod val="75000"/>
-                </a:schemeClr>
-              </a:solidFill>
-            </a:endParaRPr>
-          </a:p>
-          <a:p>
-            <a:endParaRPr lang="en-US" sz="2400" smtClean="0">
-              <a:solidFill>
-                <a:schemeClr val="accent1">
-                  <a:lumMod val="75000"/>
-                </a:schemeClr>
-              </a:solidFill>
-            </a:endParaRPr>
-          </a:p>
-          <a:p>
-            <a:endParaRPr lang="en-US" sz="2400" smtClean="0">
-              <a:solidFill>
-                <a:schemeClr val="accent1">
-                  <a:lumMod val="75000"/>
-                </a:schemeClr>
-              </a:solidFill>
-            </a:endParaRPr>
-          </a:p>
-          <a:p>
-            <a:endParaRPr lang="en-US" sz="2400" smtClean="0">
-              <a:solidFill>
-                <a:schemeClr val="accent1">
-                  <a:lumMod val="75000"/>
-                </a:schemeClr>
-              </a:solidFill>
-            </a:endParaRPr>
-          </a:p>
-          <a:p>
-            <a:endParaRPr lang="en-US" sz="2400" smtClean="0">
-              <a:solidFill>
-                <a:schemeClr val="accent1">
-                  <a:lumMod val="75000"/>
-                </a:schemeClr>
-              </a:solidFill>
-            </a:endParaRPr>
-          </a:p>
-          <a:p>
-            <a:endParaRPr lang="en-US" sz="2400" smtClean="0">
-              <a:solidFill>
-                <a:schemeClr val="accent1">
-                  <a:lumMod val="75000"/>
-                </a:schemeClr>
-              </a:solidFill>
-            </a:endParaRPr>
-          </a:p>
-          <a:p>
-            <a:endParaRPr lang="en-US" sz="2400" smtClean="0">
-              <a:solidFill>
-                <a:schemeClr val="accent1">
-                  <a:lumMod val="75000"/>
-                </a:schemeClr>
-              </a:solidFill>
-            </a:endParaRPr>
-          </a:p>
-          <a:p>
-            <a:endParaRPr lang="en-US" sz="2400" smtClean="0">
-              <a:solidFill>
-                <a:schemeClr val="accent1">
-                  <a:lumMod val="75000"/>
-                </a:schemeClr>
-              </a:solidFill>
-            </a:endParaRPr>
-          </a:p>
-          <a:p>
-            <a:endParaRPr lang="en-US" sz="2400" dirty="0">
-              <a:solidFill>
-                <a:schemeClr val="accent1">
-                  <a:lumMod val="75000"/>
-                </a:schemeClr>
-              </a:solidFill>
-            </a:endParaRPr>
-          </a:p>
-        </p:txBody>
-      </p:sp>
-      <p:sp>
-        <p:nvSpPr>
-          <p:cNvPr id="16" name="TextBox 15"/>
-          <p:cNvSpPr txBox="1"/>
-          <p:nvPr/>
-        </p:nvSpPr>
-        <p:spPr>
-          <a:xfrm>
-            <a:off x="228600" y="914400"/>
-            <a:ext cx="8686800" cy="5632310"/>
-          </a:xfrm>
-          <a:prstGeom prst="rect">
-            <a:avLst/>
-          </a:prstGeom>
-          <a:noFill/>
-        </p:spPr>
-        <p:txBody>
-          <a:bodyPr wrap="square" rtlCol="0">
-            <a:spAutoFit/>
-          </a:bodyPr>
-          <a:lstStyle/>
-          <a:p>
-            <a:pPr marL="342900" indent="-342900">
-              <a:buFontTx/>
-              <a:buChar char="-"/>
-            </a:pPr>
-            <a:r>
-              <a:rPr lang="en-US" sz="2400" dirty="0" smtClean="0">
-                <a:solidFill>
-                  <a:schemeClr val="tx2"/>
-                </a:solidFill>
-              </a:rPr>
-              <a:t>Once we have sampled the un-observed liabilities the likelihood function becomes the standard Gaussian likelihood for data      .</a:t>
-            </a:r>
-          </a:p>
-          <a:p>
-            <a:pPr marL="342900" indent="-342900">
-              <a:buFontTx/>
-              <a:buChar char="-"/>
-            </a:pPr>
-            <a:endParaRPr lang="en-US" sz="2400" dirty="0">
-              <a:solidFill>
-                <a:schemeClr val="tx2"/>
-              </a:solidFill>
-            </a:endParaRPr>
-          </a:p>
-          <a:p>
-            <a:pPr marL="342900" indent="-342900">
-              <a:buFontTx/>
-              <a:buChar char="-"/>
-            </a:pPr>
-            <a:endParaRPr lang="en-US" sz="2400" dirty="0" smtClean="0">
-              <a:solidFill>
-                <a:schemeClr val="tx2"/>
-              </a:solidFill>
-            </a:endParaRPr>
-          </a:p>
-          <a:p>
-            <a:pPr marL="342900" indent="-342900">
-              <a:buFontTx/>
-              <a:buChar char="-"/>
-            </a:pPr>
-            <a:endParaRPr lang="en-US" sz="2400" dirty="0">
-              <a:solidFill>
-                <a:schemeClr val="tx2"/>
-              </a:solidFill>
-            </a:endParaRPr>
-          </a:p>
-          <a:p>
-            <a:pPr marL="342900" indent="-342900">
-              <a:buFontTx/>
-              <a:buChar char="-"/>
-            </a:pPr>
-            <a:endParaRPr lang="en-US" sz="2400" dirty="0" smtClean="0">
-              <a:solidFill>
-                <a:schemeClr val="tx2"/>
-              </a:solidFill>
-            </a:endParaRPr>
-          </a:p>
-          <a:p>
-            <a:pPr marL="342900" indent="-342900">
-              <a:buFontTx/>
-              <a:buChar char="-"/>
-            </a:pPr>
-            <a:endParaRPr lang="en-US" sz="2400" dirty="0" smtClean="0">
-              <a:solidFill>
-                <a:schemeClr val="tx2"/>
-              </a:solidFill>
-            </a:endParaRPr>
-          </a:p>
-          <a:p>
-            <a:pPr marL="342900" indent="-342900">
-              <a:buFontTx/>
-              <a:buChar char="-"/>
-            </a:pPr>
-            <a:r>
-              <a:rPr lang="en-US" sz="2400" dirty="0" smtClean="0">
-                <a:solidFill>
-                  <a:schemeClr val="tx2"/>
-                </a:solidFill>
-              </a:rPr>
-              <a:t>Therefore, the fully conditionals for all the parameters (regression coefficients, variances, etc.) are the same as the ones we discussed for the linear model, with one exception, the error variance is fixed to 1, and we do not need to sample it.</a:t>
-            </a:r>
-          </a:p>
-          <a:p>
-            <a:pPr marL="342900" indent="-342900">
-              <a:buFontTx/>
-              <a:buChar char="-"/>
-            </a:pPr>
-            <a:endParaRPr lang="en-US" sz="2400" dirty="0">
-              <a:solidFill>
-                <a:schemeClr val="tx2"/>
-              </a:solidFill>
-            </a:endParaRPr>
-          </a:p>
-          <a:p>
-            <a:pPr marL="342900" indent="-342900">
-              <a:buFontTx/>
-              <a:buChar char="-"/>
-            </a:pPr>
-            <a:r>
-              <a:rPr lang="en-US" sz="2400" dirty="0" smtClean="0">
-                <a:solidFill>
-                  <a:schemeClr val="tx2"/>
-                </a:solidFill>
-              </a:rPr>
-              <a:t>Consequently, only a few modifications are needed to adapt the sampler we developed for the linear regression to accommodate binary outcomes (see sampler in </a:t>
-            </a:r>
-            <a:r>
-              <a:rPr lang="en-US" sz="2400" dirty="0" err="1" smtClean="0">
-                <a:solidFill>
-                  <a:schemeClr val="tx2"/>
-                </a:solidFill>
-              </a:rPr>
-              <a:t>GitHub</a:t>
-            </a:r>
-            <a:r>
-              <a:rPr lang="en-US" sz="2400" smtClean="0">
-                <a:solidFill>
-                  <a:schemeClr val="tx2"/>
-                </a:solidFill>
-              </a:rPr>
-              <a:t>).</a:t>
-            </a:r>
-            <a:endParaRPr lang="en-US" sz="2400" dirty="0">
-              <a:solidFill>
-                <a:schemeClr val="tx2"/>
-              </a:solidFill>
-            </a:endParaRPr>
-          </a:p>
-        </p:txBody>
-      </p:sp>
-      <p:graphicFrame>
-        <p:nvGraphicFramePr>
-          <p:cNvPr id="7" name="Object 6"/>
-          <p:cNvGraphicFramePr>
-            <a:graphicFrameLocks noChangeAspect="1"/>
-          </p:cNvGraphicFramePr>
-          <p:nvPr>
-            <p:extLst>
-              <p:ext uri="{D42A27DB-BD31-4B8C-83A1-F6EECF244321}">
-                <p14:modId xmlns:p14="http://schemas.microsoft.com/office/powerpoint/2010/main" val="1808318035"/>
-              </p:ext>
-            </p:extLst>
-          </p:nvPr>
-        </p:nvGraphicFramePr>
-        <p:xfrm>
-          <a:off x="228600" y="2057400"/>
-          <a:ext cx="8651875" cy="1346200"/>
-        </p:xfrm>
-        <a:graphic>
-          <a:graphicData uri="http://schemas.openxmlformats.org/presentationml/2006/ole">
-            <mc:AlternateContent xmlns:mc="http://schemas.openxmlformats.org/markup-compatibility/2006">
-              <mc:Choice xmlns:v="urn:schemas-microsoft-com:vml" Requires="v">
-                <p:oleObj spid="_x0000_s81939" name="Equation" r:id="rId4" imgW="4330700" imgH="673100" progId="Equation.3">
-                  <p:embed/>
-                </p:oleObj>
-              </mc:Choice>
-              <mc:Fallback>
-                <p:oleObj name="Equation" r:id="rId4" imgW="4330700" imgH="673100" progId="Equation.3">
-                  <p:embed/>
-                  <p:pic>
-                    <p:nvPicPr>
-                      <p:cNvPr id="0" name=""/>
-                      <p:cNvPicPr/>
-                      <p:nvPr/>
-                    </p:nvPicPr>
-                    <p:blipFill>
-                      <a:blip r:embed="rId5"/>
-                      <a:stretch>
-                        <a:fillRect/>
-                      </a:stretch>
-                    </p:blipFill>
-                    <p:spPr>
-                      <a:xfrm>
-                        <a:off x="228600" y="2057400"/>
-                        <a:ext cx="8651875" cy="1346200"/>
-                      </a:xfrm>
-                      <a:prstGeom prst="rect">
-                        <a:avLst/>
-                      </a:prstGeom>
-                    </p:spPr>
-                  </p:pic>
-                </p:oleObj>
-              </mc:Fallback>
-            </mc:AlternateContent>
-          </a:graphicData>
-        </a:graphic>
-      </p:graphicFrame>
-      <p:graphicFrame>
-        <p:nvGraphicFramePr>
-          <p:cNvPr id="3" name="Object 2"/>
-          <p:cNvGraphicFramePr>
-            <a:graphicFrameLocks noChangeAspect="1"/>
-          </p:cNvGraphicFramePr>
-          <p:nvPr>
-            <p:extLst>
-              <p:ext uri="{D42A27DB-BD31-4B8C-83A1-F6EECF244321}">
-                <p14:modId xmlns:p14="http://schemas.microsoft.com/office/powerpoint/2010/main" val="2433665005"/>
-              </p:ext>
-            </p:extLst>
-          </p:nvPr>
-        </p:nvGraphicFramePr>
-        <p:xfrm>
-          <a:off x="8153400" y="1524000"/>
-          <a:ext cx="304800" cy="457200"/>
-        </p:xfrm>
-        <a:graphic>
-          <a:graphicData uri="http://schemas.openxmlformats.org/presentationml/2006/ole">
-            <mc:AlternateContent xmlns:mc="http://schemas.openxmlformats.org/markup-compatibility/2006">
-              <mc:Choice xmlns:v="urn:schemas-microsoft-com:vml" Requires="v">
-                <p:oleObj spid="_x0000_s81940" name="Equation" r:id="rId6" imgW="127000" imgH="203200" progId="Equation.3">
-                  <p:embed/>
-                </p:oleObj>
-              </mc:Choice>
-              <mc:Fallback>
-                <p:oleObj name="Equation" r:id="rId6" imgW="127000" imgH="203200" progId="Equation.3">
-                  <p:embed/>
-                  <p:pic>
-                    <p:nvPicPr>
-                      <p:cNvPr id="0" name=""/>
-                      <p:cNvPicPr/>
-                      <p:nvPr/>
-                    </p:nvPicPr>
-                    <p:blipFill>
-                      <a:blip r:embed="rId7"/>
-                      <a:stretch>
-                        <a:fillRect/>
-                      </a:stretch>
-                    </p:blipFill>
-                    <p:spPr>
-                      <a:xfrm>
-                        <a:off x="8153400" y="1524000"/>
-                        <a:ext cx="304800" cy="457200"/>
-                      </a:xfrm>
-                      <a:prstGeom prst="rect">
-                        <a:avLst/>
-                      </a:prstGeom>
-                    </p:spPr>
-                  </p:pic>
-                </p:oleObj>
-              </mc:Fallback>
-            </mc:AlternateContent>
-          </a:graphicData>
-        </a:graphic>
-      </p:graphicFrame>
-    </p:spTree>
-    <p:extLst>
-      <p:ext uri="{BB962C8B-B14F-4D97-AF65-F5344CB8AC3E}">
-        <p14:creationId xmlns:p14="http://schemas.microsoft.com/office/powerpoint/2010/main" val="2602301065"/>
+        <p14:creationId xmlns:p14="http://schemas.microsoft.com/office/powerpoint/2010/main" val="577598476"/>
       </p:ext>
     </p:extLst>
   </p:cSld>
@@ -9878,7 +4689,7 @@
         </p:nvSpPr>
         <p:spPr>
           <a:xfrm>
-            <a:off x="533400" y="4038600"/>
+            <a:off x="381000" y="3505200"/>
             <a:ext cx="7620000" cy="1200328"/>
           </a:xfrm>
           <a:prstGeom prst="rect">
@@ -9976,11 +4787,6 @@
               </a:rPr>
               <a:t>predictor from the model.</a:t>
             </a:r>
-            <a:endParaRPr lang="en-US" sz="2400" dirty="0" smtClean="0">
-              <a:solidFill>
-                <a:schemeClr val="tx2"/>
-              </a:solidFill>
-            </a:endParaRPr>
           </a:p>
           <a:p>
             <a:endParaRPr lang="en-US" sz="2400" dirty="0" smtClean="0">
@@ -10013,7 +4819,7 @@
           <a:graphicData uri="http://schemas.openxmlformats.org/presentationml/2006/ole">
             <mc:AlternateContent xmlns:mc="http://schemas.openxmlformats.org/markup-compatibility/2006">
               <mc:Choice xmlns:v="urn:schemas-microsoft-com:vml" Requires="v">
-                <p:oleObj spid="_x0000_s1100" name="Equation" r:id="rId4" imgW="1193800" imgH="330200" progId="Equation.3">
+                <p:oleObj spid="_x0000_s1117" name="Equation" r:id="rId4" imgW="1193800" imgH="330200" progId="Equation.3">
                   <p:embed/>
                 </p:oleObj>
               </mc:Choice>
@@ -10057,20 +4863,20 @@
           <p:nvPr>
             <p:extLst>
               <p:ext uri="{D42A27DB-BD31-4B8C-83A1-F6EECF244321}">
-                <p14:modId xmlns:p14="http://schemas.microsoft.com/office/powerpoint/2010/main" val="4052363660"/>
+                <p14:modId xmlns:p14="http://schemas.microsoft.com/office/powerpoint/2010/main" val="375314092"/>
               </p:ext>
             </p:extLst>
           </p:nvPr>
         </p:nvGraphicFramePr>
         <p:xfrm>
-          <a:off x="5181600" y="1143000"/>
+          <a:off x="5410200" y="990600"/>
           <a:ext cx="1374775" cy="563563"/>
         </p:xfrm>
         <a:graphic>
           <a:graphicData uri="http://schemas.openxmlformats.org/presentationml/2006/ole">
             <mc:AlternateContent xmlns:mc="http://schemas.openxmlformats.org/markup-compatibility/2006">
               <mc:Choice xmlns:v="urn:schemas-microsoft-com:vml" Requires="v">
-                <p:oleObj spid="_x0000_s1101" name="Equation" r:id="rId6" imgW="558800" imgH="228600" progId="Equation.3">
+                <p:oleObj spid="_x0000_s1118" name="Equation" r:id="rId6" imgW="558800" imgH="228600" progId="Equation.3">
                   <p:embed/>
                 </p:oleObj>
               </mc:Choice>
@@ -10091,7 +4897,7 @@
                     </p:blipFill>
                     <p:spPr>
                       <a:xfrm>
-                        <a:off x="5181600" y="1143000"/>
+                        <a:off x="5410200" y="990600"/>
                         <a:ext cx="1374775" cy="563563"/>
                       </a:xfrm>
                       <a:prstGeom prst="rect">
@@ -10114,20 +4920,20 @@
           <p:nvPr>
             <p:extLst>
               <p:ext uri="{D42A27DB-BD31-4B8C-83A1-F6EECF244321}">
-                <p14:modId xmlns:p14="http://schemas.microsoft.com/office/powerpoint/2010/main" val="2510394094"/>
+                <p14:modId xmlns:p14="http://schemas.microsoft.com/office/powerpoint/2010/main" val="2243825791"/>
               </p:ext>
             </p:extLst>
           </p:nvPr>
         </p:nvGraphicFramePr>
         <p:xfrm>
-          <a:off x="5257800" y="1752600"/>
+          <a:off x="5410200" y="1600200"/>
           <a:ext cx="2717800" cy="782637"/>
         </p:xfrm>
         <a:graphic>
           <a:graphicData uri="http://schemas.openxmlformats.org/presentationml/2006/ole">
             <mc:AlternateContent xmlns:mc="http://schemas.openxmlformats.org/markup-compatibility/2006">
               <mc:Choice xmlns:v="urn:schemas-microsoft-com:vml" Requires="v">
-                <p:oleObj spid="_x0000_s1102" name="Equation" r:id="rId8" imgW="1104900" imgH="317500" progId="Equation.3">
+                <p:oleObj spid="_x0000_s1119" name="Equation" r:id="rId8" imgW="1104900" imgH="317500" progId="Equation.3">
                   <p:embed/>
                 </p:oleObj>
               </mc:Choice>
@@ -10148,7 +4954,7 @@
                     </p:blipFill>
                     <p:spPr>
                       <a:xfrm>
-                        <a:off x="5257800" y="1752600"/>
+                        <a:off x="5410200" y="1600200"/>
                         <a:ext cx="2717800" cy="782637"/>
                       </a:xfrm>
                       <a:prstGeom prst="rect">
@@ -10171,20 +4977,20 @@
           <p:nvPr>
             <p:extLst>
               <p:ext uri="{D42A27DB-BD31-4B8C-83A1-F6EECF244321}">
-                <p14:modId xmlns:p14="http://schemas.microsoft.com/office/powerpoint/2010/main" val="379205327"/>
+                <p14:modId xmlns:p14="http://schemas.microsoft.com/office/powerpoint/2010/main" val="3149596294"/>
               </p:ext>
             </p:extLst>
           </p:nvPr>
         </p:nvGraphicFramePr>
         <p:xfrm>
-          <a:off x="5181600" y="2438400"/>
+          <a:off x="5410200" y="2362200"/>
           <a:ext cx="2093912" cy="846137"/>
         </p:xfrm>
         <a:graphic>
           <a:graphicData uri="http://schemas.openxmlformats.org/presentationml/2006/ole">
             <mc:AlternateContent xmlns:mc="http://schemas.openxmlformats.org/markup-compatibility/2006">
               <mc:Choice xmlns:v="urn:schemas-microsoft-com:vml" Requires="v">
-                <p:oleObj spid="_x0000_s1103" name="Equation" r:id="rId10" imgW="850900" imgH="342900" progId="Equation.3">
+                <p:oleObj spid="_x0000_s1120" name="Equation" r:id="rId10" imgW="850900" imgH="342900" progId="Equation.3">
                   <p:embed/>
                 </p:oleObj>
               </mc:Choice>
@@ -10205,7 +5011,7 @@
                     </p:blipFill>
                     <p:spPr>
                       <a:xfrm>
-                        <a:off x="5181600" y="2438400"/>
+                        <a:off x="5410200" y="2362200"/>
                         <a:ext cx="2093912" cy="846137"/>
                       </a:xfrm>
                       <a:prstGeom prst="rect">
@@ -10219,6 +5025,55 @@
           </a:graphicData>
         </a:graphic>
       </p:graphicFrame>
+      <p:sp>
+        <p:nvSpPr>
+          <p:cNvPr id="11" name="TextBox 10"/>
+          <p:cNvSpPr txBox="1"/>
+          <p:nvPr/>
+        </p:nvSpPr>
+        <p:spPr>
+          <a:xfrm>
+            <a:off x="457200" y="5029200"/>
+            <a:ext cx="7620000" cy="830997"/>
+          </a:xfrm>
+          <a:prstGeom prst="rect">
+            <a:avLst/>
+          </a:prstGeom>
+          <a:noFill/>
+        </p:spPr>
+        <p:txBody>
+          <a:bodyPr wrap="square" rtlCol="0">
+            <a:spAutoFit/>
+          </a:bodyPr>
+          <a:lstStyle/>
+          <a:p>
+            <a:pPr marL="342900" indent="-342900">
+              <a:buFont typeface="Symbol" charset="0"/>
+              <a:buChar char=""/>
+            </a:pPr>
+            <a:r>
+              <a:rPr lang="en-US" sz="2400" dirty="0" smtClean="0">
+                <a:solidFill>
+                  <a:schemeClr val="tx2"/>
+                </a:solidFill>
+              </a:rPr>
+              <a:t>Next, we will discuss a Gibbs sampler for this model.</a:t>
+            </a:r>
+            <a:endParaRPr lang="en-US" sz="2400" dirty="0" smtClean="0">
+              <a:solidFill>
+                <a:schemeClr val="tx2"/>
+              </a:solidFill>
+            </a:endParaRPr>
+          </a:p>
+          <a:p>
+            <a:endParaRPr lang="en-US" sz="2400" dirty="0" smtClean="0">
+              <a:solidFill>
+                <a:schemeClr val="tx2"/>
+              </a:solidFill>
+            </a:endParaRPr>
+          </a:p>
+        </p:txBody>
+      </p:sp>
     </p:spTree>
     <p:extLst>
       <p:ext uri="{BB962C8B-B14F-4D97-AF65-F5344CB8AC3E}">
@@ -10507,7 +5362,7 @@
         <p:spPr>
           <a:xfrm>
             <a:off x="228600" y="914400"/>
-            <a:ext cx="7620000" cy="461665"/>
+            <a:ext cx="8915400" cy="461665"/>
           </a:xfrm>
           <a:prstGeom prst="rect">
             <a:avLst/>
@@ -10521,14 +5376,14 @@
           <a:lstStyle/>
           <a:p>
             <a:r>
-              <a:rPr lang="en-US" sz="2400" dirty="0" smtClean="0">
+              <a:rPr lang="en-US" sz="2400" u="sng" dirty="0" smtClean="0">
                 <a:solidFill>
                   <a:schemeClr val="tx2"/>
                 </a:solidFill>
               </a:rPr>
-              <a:t>Likelihood</a:t>
-            </a:r>
-            <a:endParaRPr lang="en-US" sz="2400" dirty="0">
+              <a:t>Likelihood								</a:t>
+            </a:r>
+            <a:endParaRPr lang="en-US" sz="2400" u="sng" dirty="0">
               <a:solidFill>
                 <a:schemeClr val="tx2"/>
               </a:solidFill>
@@ -10545,20 +5400,20 @@
           <p:nvPr>
             <p:extLst>
               <p:ext uri="{D42A27DB-BD31-4B8C-83A1-F6EECF244321}">
-                <p14:modId xmlns:p14="http://schemas.microsoft.com/office/powerpoint/2010/main" val="840550717"/>
+                <p14:modId xmlns:p14="http://schemas.microsoft.com/office/powerpoint/2010/main" val="4223756131"/>
               </p:ext>
             </p:extLst>
           </p:nvPr>
         </p:nvGraphicFramePr>
         <p:xfrm>
-          <a:off x="2057400" y="914400"/>
+          <a:off x="457200" y="1524000"/>
           <a:ext cx="2936875" cy="812800"/>
         </p:xfrm>
         <a:graphic>
           <a:graphicData uri="http://schemas.openxmlformats.org/presentationml/2006/ole">
             <mc:AlternateContent xmlns:mc="http://schemas.openxmlformats.org/markup-compatibility/2006">
               <mc:Choice xmlns:v="urn:schemas-microsoft-com:vml" Requires="v">
-                <p:oleObj spid="_x0000_s85002" name="Equation" r:id="rId4" imgW="1193800" imgH="330200" progId="Equation.3">
+                <p:oleObj spid="_x0000_s85019" name="Equation" r:id="rId4" imgW="1193800" imgH="330200" progId="Equation.3">
                   <p:embed/>
                 </p:oleObj>
               </mc:Choice>
@@ -10579,7 +5434,7 @@
                     </p:blipFill>
                     <p:spPr>
                       <a:xfrm>
-                        <a:off x="2057400" y="914400"/>
+                        <a:off x="457200" y="1524000"/>
                         <a:ext cx="2936875" cy="812800"/>
                       </a:xfrm>
                       <a:prstGeom prst="rect">
@@ -10602,20 +5457,20 @@
           <p:nvPr>
             <p:extLst>
               <p:ext uri="{D42A27DB-BD31-4B8C-83A1-F6EECF244321}">
-                <p14:modId xmlns:p14="http://schemas.microsoft.com/office/powerpoint/2010/main" val="1941045230"/>
+                <p14:modId xmlns:p14="http://schemas.microsoft.com/office/powerpoint/2010/main" val="1624808172"/>
               </p:ext>
             </p:extLst>
           </p:nvPr>
         </p:nvGraphicFramePr>
         <p:xfrm>
-          <a:off x="5334000" y="838200"/>
+          <a:off x="3733800" y="1447800"/>
           <a:ext cx="2030413" cy="846137"/>
         </p:xfrm>
         <a:graphic>
           <a:graphicData uri="http://schemas.openxmlformats.org/presentationml/2006/ole">
             <mc:AlternateContent xmlns:mc="http://schemas.openxmlformats.org/markup-compatibility/2006">
               <mc:Choice xmlns:v="urn:schemas-microsoft-com:vml" Requires="v">
-                <p:oleObj spid="_x0000_s85003" name="Equation" r:id="rId6" imgW="825500" imgH="342900" progId="Equation.3">
+                <p:oleObj spid="_x0000_s85020" name="Equation" r:id="rId6" imgW="825500" imgH="342900" progId="Equation.3">
                   <p:embed/>
                 </p:oleObj>
               </mc:Choice>
@@ -10636,7 +5491,7 @@
                     </p:blipFill>
                     <p:spPr>
                       <a:xfrm>
-                        <a:off x="5334000" y="838200"/>
+                        <a:off x="3733800" y="1447800"/>
                         <a:ext cx="2030413" cy="846137"/>
                       </a:xfrm>
                       <a:prstGeom prst="rect">
@@ -10659,20 +5514,20 @@
           <p:nvPr>
             <p:extLst>
               <p:ext uri="{D42A27DB-BD31-4B8C-83A1-F6EECF244321}">
-                <p14:modId xmlns:p14="http://schemas.microsoft.com/office/powerpoint/2010/main" val="2461169608"/>
+                <p14:modId xmlns:p14="http://schemas.microsoft.com/office/powerpoint/2010/main" val="912286882"/>
               </p:ext>
             </p:extLst>
           </p:nvPr>
         </p:nvGraphicFramePr>
         <p:xfrm>
-          <a:off x="2057400" y="1676400"/>
-          <a:ext cx="4999038" cy="1874838"/>
+          <a:off x="2133600" y="2286000"/>
+          <a:ext cx="4038600" cy="1514636"/>
         </p:xfrm>
         <a:graphic>
           <a:graphicData uri="http://schemas.openxmlformats.org/presentationml/2006/ole">
             <mc:AlternateContent xmlns:mc="http://schemas.openxmlformats.org/markup-compatibility/2006">
               <mc:Choice xmlns:v="urn:schemas-microsoft-com:vml" Requires="v">
-                <p:oleObj spid="_x0000_s85004" name="Equation" r:id="rId8" imgW="2032000" imgH="762000" progId="Equation.3">
+                <p:oleObj spid="_x0000_s85021" name="Equation" r:id="rId8" imgW="2032000" imgH="762000" progId="Equation.3">
                   <p:embed/>
                 </p:oleObj>
               </mc:Choice>
@@ -10693,8 +5548,8 @@
                     </p:blipFill>
                     <p:spPr>
                       <a:xfrm>
-                        <a:off x="2057400" y="1676400"/>
-                        <a:ext cx="4999038" cy="1874838"/>
+                        <a:off x="2133600" y="2286000"/>
+                        <a:ext cx="4038600" cy="1514636"/>
                       </a:xfrm>
                       <a:prstGeom prst="rect">
                         <a:avLst/>
@@ -10754,25 +5609,25 @@
           <p:nvPr>
             <p:extLst>
               <p:ext uri="{D42A27DB-BD31-4B8C-83A1-F6EECF244321}">
-                <p14:modId xmlns:p14="http://schemas.microsoft.com/office/powerpoint/2010/main" val="1539256234"/>
+                <p14:modId xmlns:p14="http://schemas.microsoft.com/office/powerpoint/2010/main" val="4048138963"/>
               </p:ext>
             </p:extLst>
           </p:nvPr>
         </p:nvGraphicFramePr>
         <p:xfrm>
-          <a:off x="533400" y="4114800"/>
-          <a:ext cx="7967662" cy="1938338"/>
+          <a:off x="369887" y="4343400"/>
+          <a:ext cx="8240713" cy="1577844"/>
         </p:xfrm>
         <a:graphic>
           <a:graphicData uri="http://schemas.openxmlformats.org/presentationml/2006/ole">
             <mc:AlternateContent xmlns:mc="http://schemas.openxmlformats.org/markup-compatibility/2006">
               <mc:Choice xmlns:v="urn:schemas-microsoft-com:vml" Requires="v">
-                <p:oleObj spid="_x0000_s85005" name="Equation" r:id="rId10" imgW="3238500" imgH="787400" progId="Equation.3">
+                <p:oleObj spid="_x0000_s85022" name="Equation" r:id="rId10" imgW="4114800" imgH="787400" progId="Equation.3">
                   <p:embed/>
                 </p:oleObj>
               </mc:Choice>
               <mc:Fallback>
-                <p:oleObj name="Equation" r:id="rId10" imgW="3238500" imgH="787400" progId="Equation.3">
+                <p:oleObj name="Equation" r:id="rId10" imgW="4114800" imgH="787400" progId="Equation.3">
                   <p:embed/>
                   <p:pic>
                     <p:nvPicPr>
@@ -10788,8 +5643,8 @@
                     </p:blipFill>
                     <p:spPr>
                       <a:xfrm>
-                        <a:off x="533400" y="4114800"/>
-                        <a:ext cx="7967662" cy="1938338"/>
+                        <a:off x="369887" y="4343400"/>
+                        <a:ext cx="8240713" cy="1577844"/>
                       </a:xfrm>
                       <a:prstGeom prst="rect">
                         <a:avLst/>
@@ -11090,7 +5945,7 @@
         <p:spPr>
           <a:xfrm>
             <a:off x="228600" y="914400"/>
-            <a:ext cx="7620000" cy="461665"/>
+            <a:ext cx="8915400" cy="461665"/>
           </a:xfrm>
           <a:prstGeom prst="rect">
             <a:avLst/>
@@ -11104,14 +5959,14 @@
           <a:lstStyle/>
           <a:p>
             <a:r>
-              <a:rPr lang="en-US" sz="2400" dirty="0" smtClean="0">
+              <a:rPr lang="en-US" sz="2400" u="sng" dirty="0" smtClean="0">
                 <a:solidFill>
                   <a:schemeClr val="tx2"/>
                 </a:solidFill>
               </a:rPr>
-              <a:t>Likelihood</a:t>
-            </a:r>
-            <a:endParaRPr lang="en-US" sz="2400" dirty="0">
+              <a:t>Joint Posterior								</a:t>
+            </a:r>
+            <a:endParaRPr lang="en-US" sz="2400" u="sng" dirty="0">
               <a:solidFill>
                 <a:schemeClr val="tx2"/>
               </a:solidFill>
@@ -11121,32 +5976,32 @@
       </p:sp>
       <p:graphicFrame>
         <p:nvGraphicFramePr>
-          <p:cNvPr id="10" name="Object 9"/>
+          <p:cNvPr id="11" name="Object 10"/>
           <p:cNvGraphicFramePr>
             <a:graphicFrameLocks noChangeAspect="1"/>
           </p:cNvGraphicFramePr>
           <p:nvPr>
             <p:extLst>
               <p:ext uri="{D42A27DB-BD31-4B8C-83A1-F6EECF244321}">
-                <p14:modId xmlns:p14="http://schemas.microsoft.com/office/powerpoint/2010/main" val="392521461"/>
+                <p14:modId xmlns:p14="http://schemas.microsoft.com/office/powerpoint/2010/main" val="2751702872"/>
               </p:ext>
             </p:extLst>
           </p:nvPr>
         </p:nvGraphicFramePr>
         <p:xfrm>
-          <a:off x="2057400" y="914400"/>
-          <a:ext cx="2936875" cy="812800"/>
+          <a:off x="762000" y="1981200"/>
+          <a:ext cx="7042150" cy="2776537"/>
         </p:xfrm>
         <a:graphic>
           <a:graphicData uri="http://schemas.openxmlformats.org/presentationml/2006/ole">
             <mc:AlternateContent xmlns:mc="http://schemas.openxmlformats.org/markup-compatibility/2006">
               <mc:Choice xmlns:v="urn:schemas-microsoft-com:vml" Requires="v">
-                <p:oleObj spid="_x0000_s86017" name="Equation" r:id="rId4" imgW="1193800" imgH="330200" progId="Equation.3">
+                <p:oleObj spid="_x0000_s98308" name="Equation" r:id="rId4" imgW="3543300" imgH="1397000" progId="Equation.3">
                   <p:embed/>
                 </p:oleObj>
               </mc:Choice>
               <mc:Fallback>
-                <p:oleObj name="Equation" r:id="rId4" imgW="1193800" imgH="330200" progId="Equation.3">
+                <p:oleObj name="Equation" r:id="rId4" imgW="3543300" imgH="1397000" progId="Equation.3">
                   <p:embed/>
                   <p:pic>
                     <p:nvPicPr>
@@ -11162,217 +6017,8 @@
                     </p:blipFill>
                     <p:spPr>
                       <a:xfrm>
-                        <a:off x="2057400" y="914400"/>
-                        <a:ext cx="2936875" cy="812800"/>
-                      </a:xfrm>
-                      <a:prstGeom prst="rect">
-                        <a:avLst/>
-                      </a:prstGeom>
-                    </p:spPr>
-                  </p:pic>
-                </p:oleObj>
-              </mc:Fallback>
-            </mc:AlternateContent>
-          </a:graphicData>
-        </a:graphic>
-      </p:graphicFrame>
-      <p:graphicFrame>
-        <p:nvGraphicFramePr>
-          <p:cNvPr id="15" name="Object 14"/>
-          <p:cNvGraphicFramePr>
-            <a:graphicFrameLocks noChangeAspect="1"/>
-          </p:cNvGraphicFramePr>
-          <p:nvPr>
-            <p:extLst>
-              <p:ext uri="{D42A27DB-BD31-4B8C-83A1-F6EECF244321}">
-                <p14:modId xmlns:p14="http://schemas.microsoft.com/office/powerpoint/2010/main" val="4264366919"/>
-              </p:ext>
-            </p:extLst>
-          </p:nvPr>
-        </p:nvGraphicFramePr>
-        <p:xfrm>
-          <a:off x="5334000" y="838200"/>
-          <a:ext cx="2030413" cy="846137"/>
-        </p:xfrm>
-        <a:graphic>
-          <a:graphicData uri="http://schemas.openxmlformats.org/presentationml/2006/ole">
-            <mc:AlternateContent xmlns:mc="http://schemas.openxmlformats.org/markup-compatibility/2006">
-              <mc:Choice xmlns:v="urn:schemas-microsoft-com:vml" Requires="v">
-                <p:oleObj spid="_x0000_s86018" name="Equation" r:id="rId6" imgW="825500" imgH="342900" progId="Equation.3">
-                  <p:embed/>
-                </p:oleObj>
-              </mc:Choice>
-              <mc:Fallback>
-                <p:oleObj name="Equation" r:id="rId6" imgW="825500" imgH="342900" progId="Equation.3">
-                  <p:embed/>
-                  <p:pic>
-                    <p:nvPicPr>
-                      <p:cNvPr id="0" name=""/>
-                      <p:cNvPicPr/>
-                      <p:nvPr/>
-                    </p:nvPicPr>
-                    <p:blipFill>
-                      <a:blip r:embed="rId7"/>
-                      <a:stretch>
-                        <a:fillRect/>
-                      </a:stretch>
-                    </p:blipFill>
-                    <p:spPr>
-                      <a:xfrm>
-                        <a:off x="5334000" y="838200"/>
-                        <a:ext cx="2030413" cy="846137"/>
-                      </a:xfrm>
-                      <a:prstGeom prst="rect">
-                        <a:avLst/>
-                      </a:prstGeom>
-                    </p:spPr>
-                  </p:pic>
-                </p:oleObj>
-              </mc:Fallback>
-            </mc:AlternateContent>
-          </a:graphicData>
-        </a:graphic>
-      </p:graphicFrame>
-      <p:graphicFrame>
-        <p:nvGraphicFramePr>
-          <p:cNvPr id="11" name="Object 10"/>
-          <p:cNvGraphicFramePr>
-            <a:graphicFrameLocks noChangeAspect="1"/>
-          </p:cNvGraphicFramePr>
-          <p:nvPr>
-            <p:extLst>
-              <p:ext uri="{D42A27DB-BD31-4B8C-83A1-F6EECF244321}">
-                <p14:modId xmlns:p14="http://schemas.microsoft.com/office/powerpoint/2010/main" val="4262146396"/>
-              </p:ext>
-            </p:extLst>
-          </p:nvPr>
-        </p:nvGraphicFramePr>
-        <p:xfrm>
-          <a:off x="2057400" y="1676400"/>
-          <a:ext cx="4999038" cy="1874838"/>
-        </p:xfrm>
-        <a:graphic>
-          <a:graphicData uri="http://schemas.openxmlformats.org/presentationml/2006/ole">
-            <mc:AlternateContent xmlns:mc="http://schemas.openxmlformats.org/markup-compatibility/2006">
-              <mc:Choice xmlns:v="urn:schemas-microsoft-com:vml" Requires="v">
-                <p:oleObj spid="_x0000_s86019" name="Equation" r:id="rId8" imgW="2032000" imgH="762000" progId="Equation.3">
-                  <p:embed/>
-                </p:oleObj>
-              </mc:Choice>
-              <mc:Fallback>
-                <p:oleObj name="Equation" r:id="rId8" imgW="2032000" imgH="762000" progId="Equation.3">
-                  <p:embed/>
-                  <p:pic>
-                    <p:nvPicPr>
-                      <p:cNvPr id="0" name=""/>
-                      <p:cNvPicPr/>
-                      <p:nvPr/>
-                    </p:nvPicPr>
-                    <p:blipFill>
-                      <a:blip r:embed="rId9"/>
-                      <a:stretch>
-                        <a:fillRect/>
-                      </a:stretch>
-                    </p:blipFill>
-                    <p:spPr>
-                      <a:xfrm>
-                        <a:off x="2057400" y="1676400"/>
-                        <a:ext cx="4999038" cy="1874838"/>
-                      </a:xfrm>
-                      <a:prstGeom prst="rect">
-                        <a:avLst/>
-                      </a:prstGeom>
-                    </p:spPr>
-                  </p:pic>
-                </p:oleObj>
-              </mc:Fallback>
-            </mc:AlternateContent>
-          </a:graphicData>
-        </a:graphic>
-      </p:graphicFrame>
-      <p:sp>
-        <p:nvSpPr>
-          <p:cNvPr id="13" name="TextBox 12"/>
-          <p:cNvSpPr txBox="1"/>
-          <p:nvPr/>
-        </p:nvSpPr>
-        <p:spPr>
-          <a:xfrm>
-            <a:off x="228600" y="3505200"/>
-            <a:ext cx="8763000" cy="461665"/>
-          </a:xfrm>
-          <a:prstGeom prst="rect">
-            <a:avLst/>
-          </a:prstGeom>
-          <a:noFill/>
-        </p:spPr>
-        <p:txBody>
-          <a:bodyPr wrap="square" rtlCol="0">
-            <a:spAutoFit/>
-          </a:bodyPr>
-          <a:lstStyle/>
-          <a:p>
-            <a:r>
-              <a:rPr lang="en-US" sz="2400" u="sng" dirty="0" smtClean="0">
-                <a:solidFill>
-                  <a:schemeClr val="tx2"/>
-                </a:solidFill>
-              </a:rPr>
-              <a:t>Prior									</a:t>
-            </a:r>
-            <a:endParaRPr lang="en-US" sz="2400" u="sng" dirty="0">
-              <a:solidFill>
-                <a:schemeClr val="tx2"/>
-              </a:solidFill>
-            </a:endParaRPr>
-          </a:p>
-        </p:txBody>
-      </p:sp>
-      <p:graphicFrame>
-        <p:nvGraphicFramePr>
-          <p:cNvPr id="18" name="Object 17"/>
-          <p:cNvGraphicFramePr>
-            <a:graphicFrameLocks noChangeAspect="1"/>
-          </p:cNvGraphicFramePr>
-          <p:nvPr>
-            <p:extLst>
-              <p:ext uri="{D42A27DB-BD31-4B8C-83A1-F6EECF244321}">
-                <p14:modId xmlns:p14="http://schemas.microsoft.com/office/powerpoint/2010/main" val="3998886406"/>
-              </p:ext>
-            </p:extLst>
-          </p:nvPr>
-        </p:nvGraphicFramePr>
-        <p:xfrm>
-          <a:off x="533400" y="4114800"/>
-          <a:ext cx="7967662" cy="1938338"/>
-        </p:xfrm>
-        <a:graphic>
-          <a:graphicData uri="http://schemas.openxmlformats.org/presentationml/2006/ole">
-            <mc:AlternateContent xmlns:mc="http://schemas.openxmlformats.org/markup-compatibility/2006">
-              <mc:Choice xmlns:v="urn:schemas-microsoft-com:vml" Requires="v">
-                <p:oleObj spid="_x0000_s86020" name="Equation" r:id="rId10" imgW="3238500" imgH="787400" progId="Equation.3">
-                  <p:embed/>
-                </p:oleObj>
-              </mc:Choice>
-              <mc:Fallback>
-                <p:oleObj name="Equation" r:id="rId10" imgW="3238500" imgH="787400" progId="Equation.3">
-                  <p:embed/>
-                  <p:pic>
-                    <p:nvPicPr>
-                      <p:cNvPr id="0" name=""/>
-                      <p:cNvPicPr/>
-                      <p:nvPr/>
-                    </p:nvPicPr>
-                    <p:blipFill>
-                      <a:blip r:embed="rId11"/>
-                      <a:stretch>
-                        <a:fillRect/>
-                      </a:stretch>
-                    </p:blipFill>
-                    <p:spPr>
-                      <a:xfrm>
-                        <a:off x="533400" y="4114800"/>
-                        <a:ext cx="7967662" cy="1938338"/>
+                        <a:off x="762000" y="1981200"/>
+                        <a:ext cx="7042150" cy="2776537"/>
                       </a:xfrm>
                       <a:prstGeom prst="rect">
                         <a:avLst/>
@@ -11388,7 +6034,7 @@
     </p:spTree>
     <p:extLst>
       <p:ext uri="{BB962C8B-B14F-4D97-AF65-F5344CB8AC3E}">
-        <p14:creationId xmlns:p14="http://schemas.microsoft.com/office/powerpoint/2010/main" val="1185972929"/>
+        <p14:creationId xmlns:p14="http://schemas.microsoft.com/office/powerpoint/2010/main" val="31733066"/>
       </p:ext>
     </p:extLst>
   </p:cSld>
@@ -11434,7 +6080,7 @@
         </p:nvSpPr>
         <p:spPr>
           <a:xfrm>
-            <a:off x="609600" y="-152400"/>
+            <a:off x="914400" y="0"/>
             <a:ext cx="7772400" cy="762000"/>
           </a:xfrm>
         </p:spPr>
@@ -11452,7 +6098,7 @@
                   </a:schemeClr>
                 </a:solidFill>
               </a:rPr>
-              <a:t>Example</a:t>
+              <a:t>Gibbs Sampler</a:t>
             </a:r>
             <a:endParaRPr lang="en-US" sz="3200" dirty="0">
               <a:solidFill>
@@ -11508,8 +6154,8 @@
         </p:nvSpPr>
         <p:spPr>
           <a:xfrm>
-            <a:off x="381000" y="638174"/>
-            <a:ext cx="8229600" cy="2339102"/>
+            <a:off x="76200" y="692290"/>
+            <a:ext cx="8991600" cy="5632310"/>
           </a:xfrm>
           <a:prstGeom prst="rect">
             <a:avLst/>
@@ -11528,91 +6174,355 @@
           </a:bodyPr>
           <a:lstStyle/>
           <a:p>
-            <a:endParaRPr lang="en-US" b="1" dirty="0">
-              <a:solidFill>
-                <a:schemeClr val="accent1">
-                  <a:lumMod val="75000"/>
-                </a:schemeClr>
-              </a:solidFill>
-            </a:endParaRPr>
-          </a:p>
-          <a:p>
-            <a:endParaRPr lang="en-US" b="1" u="sng" dirty="0">
-              <a:solidFill>
-                <a:schemeClr val="accent1">
-                  <a:lumMod val="75000"/>
-                </a:schemeClr>
-              </a:solidFill>
-            </a:endParaRPr>
-          </a:p>
-          <a:p>
-            <a:pPr marL="285750" indent="-285750">
-              <a:buFontTx/>
-              <a:buChar char="-"/>
-            </a:pPr>
-            <a:endParaRPr lang="en-US" b="1" u="sng" dirty="0" smtClean="0">
-              <a:solidFill>
-                <a:schemeClr val="accent1">
-                  <a:lumMod val="75000"/>
-                </a:schemeClr>
-              </a:solidFill>
-            </a:endParaRPr>
-          </a:p>
-          <a:p>
-            <a:pPr marL="285750" indent="-285750">
-              <a:buFontTx/>
-              <a:buChar char="-"/>
-            </a:pPr>
-            <a:endParaRPr lang="en-US" b="1" u="sng" dirty="0">
-              <a:solidFill>
-                <a:schemeClr val="accent1">
-                  <a:lumMod val="75000"/>
-                </a:schemeClr>
-              </a:solidFill>
-            </a:endParaRPr>
-          </a:p>
-          <a:p>
-            <a:endParaRPr lang="en-US" dirty="0">
-              <a:solidFill>
-                <a:schemeClr val="accent1">
-                  <a:lumMod val="75000"/>
-                </a:schemeClr>
-              </a:solidFill>
-            </a:endParaRPr>
-          </a:p>
-          <a:p>
-            <a:endParaRPr lang="en-US" dirty="0" smtClean="0">
-              <a:solidFill>
-                <a:schemeClr val="accent1">
-                  <a:lumMod val="75000"/>
-                </a:schemeClr>
-              </a:solidFill>
-            </a:endParaRPr>
-          </a:p>
-          <a:p>
-            <a:endParaRPr lang="en-US" dirty="0">
-              <a:solidFill>
-                <a:schemeClr val="accent1">
-                  <a:lumMod val="75000"/>
-                </a:schemeClr>
-              </a:solidFill>
-            </a:endParaRPr>
-          </a:p>
-          <a:p>
-            <a:endParaRPr lang="en-US" dirty="0">
-              <a:solidFill>
-                <a:schemeClr val="accent1">
-                  <a:lumMod val="75000"/>
-                </a:schemeClr>
-              </a:solidFill>
-            </a:endParaRPr>
-          </a:p>
-        </p:txBody>
-      </p:sp>
+            <a:endParaRPr lang="en-US" sz="2400" smtClean="0">
+              <a:solidFill>
+                <a:schemeClr val="accent1">
+                  <a:lumMod val="75000"/>
+                </a:schemeClr>
+              </a:solidFill>
+            </a:endParaRPr>
+          </a:p>
+          <a:p>
+            <a:endParaRPr lang="en-US" sz="2400" smtClean="0">
+              <a:solidFill>
+                <a:schemeClr val="accent1">
+                  <a:lumMod val="75000"/>
+                </a:schemeClr>
+              </a:solidFill>
+            </a:endParaRPr>
+          </a:p>
+          <a:p>
+            <a:endParaRPr lang="en-US" sz="2400" smtClean="0">
+              <a:solidFill>
+                <a:schemeClr val="accent1">
+                  <a:lumMod val="75000"/>
+                </a:schemeClr>
+              </a:solidFill>
+            </a:endParaRPr>
+          </a:p>
+          <a:p>
+            <a:endParaRPr lang="en-US" sz="2400" smtClean="0">
+              <a:solidFill>
+                <a:schemeClr val="accent1">
+                  <a:lumMod val="75000"/>
+                </a:schemeClr>
+              </a:solidFill>
+            </a:endParaRPr>
+          </a:p>
+          <a:p>
+            <a:endParaRPr lang="en-US" sz="2400" smtClean="0">
+              <a:solidFill>
+                <a:schemeClr val="accent1">
+                  <a:lumMod val="75000"/>
+                </a:schemeClr>
+              </a:solidFill>
+            </a:endParaRPr>
+          </a:p>
+          <a:p>
+            <a:endParaRPr lang="en-US" sz="2400" smtClean="0">
+              <a:solidFill>
+                <a:schemeClr val="accent1">
+                  <a:lumMod val="75000"/>
+                </a:schemeClr>
+              </a:solidFill>
+            </a:endParaRPr>
+          </a:p>
+          <a:p>
+            <a:endParaRPr lang="en-US" sz="2400" smtClean="0">
+              <a:solidFill>
+                <a:schemeClr val="accent1">
+                  <a:lumMod val="75000"/>
+                </a:schemeClr>
+              </a:solidFill>
+            </a:endParaRPr>
+          </a:p>
+          <a:p>
+            <a:endParaRPr lang="en-US" sz="2400" smtClean="0">
+              <a:solidFill>
+                <a:schemeClr val="accent1">
+                  <a:lumMod val="75000"/>
+                </a:schemeClr>
+              </a:solidFill>
+            </a:endParaRPr>
+          </a:p>
+          <a:p>
+            <a:endParaRPr lang="en-US" sz="2400" smtClean="0">
+              <a:solidFill>
+                <a:schemeClr val="accent1">
+                  <a:lumMod val="75000"/>
+                </a:schemeClr>
+              </a:solidFill>
+            </a:endParaRPr>
+          </a:p>
+          <a:p>
+            <a:endParaRPr lang="en-US" sz="2400" smtClean="0">
+              <a:solidFill>
+                <a:schemeClr val="accent1">
+                  <a:lumMod val="75000"/>
+                </a:schemeClr>
+              </a:solidFill>
+            </a:endParaRPr>
+          </a:p>
+          <a:p>
+            <a:endParaRPr lang="en-US" sz="2400" smtClean="0">
+              <a:solidFill>
+                <a:schemeClr val="accent1">
+                  <a:lumMod val="75000"/>
+                </a:schemeClr>
+              </a:solidFill>
+            </a:endParaRPr>
+          </a:p>
+          <a:p>
+            <a:endParaRPr lang="en-US" sz="2400" smtClean="0">
+              <a:solidFill>
+                <a:schemeClr val="accent1">
+                  <a:lumMod val="75000"/>
+                </a:schemeClr>
+              </a:solidFill>
+            </a:endParaRPr>
+          </a:p>
+          <a:p>
+            <a:endParaRPr lang="en-US" sz="2400" smtClean="0">
+              <a:solidFill>
+                <a:schemeClr val="accent1">
+                  <a:lumMod val="75000"/>
+                </a:schemeClr>
+              </a:solidFill>
+            </a:endParaRPr>
+          </a:p>
+          <a:p>
+            <a:endParaRPr lang="en-US" sz="2400" smtClean="0">
+              <a:solidFill>
+                <a:schemeClr val="accent1">
+                  <a:lumMod val="75000"/>
+                </a:schemeClr>
+              </a:solidFill>
+            </a:endParaRPr>
+          </a:p>
+          <a:p>
+            <a:endParaRPr lang="en-US" sz="2400" dirty="0">
+              <a:solidFill>
+                <a:schemeClr val="accent1">
+                  <a:lumMod val="75000"/>
+                </a:schemeClr>
+              </a:solidFill>
+            </a:endParaRPr>
+          </a:p>
+        </p:txBody>
+      </p:sp>
+      <p:sp>
+        <p:nvSpPr>
+          <p:cNvPr id="12" name="TextBox 11"/>
+          <p:cNvSpPr txBox="1"/>
+          <p:nvPr/>
+        </p:nvSpPr>
+        <p:spPr>
+          <a:xfrm>
+            <a:off x="152400" y="762000"/>
+            <a:ext cx="8915400" cy="461665"/>
+          </a:xfrm>
+          <a:prstGeom prst="rect">
+            <a:avLst/>
+          </a:prstGeom>
+          <a:noFill/>
+        </p:spPr>
+        <p:txBody>
+          <a:bodyPr wrap="square" rtlCol="0">
+            <a:spAutoFit/>
+          </a:bodyPr>
+          <a:lstStyle/>
+          <a:p>
+            <a:r>
+              <a:rPr lang="en-US" sz="2400" u="sng" dirty="0" smtClean="0">
+                <a:solidFill>
+                  <a:schemeClr val="tx2"/>
+                </a:solidFill>
+              </a:rPr>
+              <a:t>Indicator Variables							</a:t>
+            </a:r>
+            <a:endParaRPr lang="en-US" sz="2400" u="sng" dirty="0">
+              <a:solidFill>
+                <a:schemeClr val="tx2"/>
+              </a:solidFill>
+            </a:endParaRPr>
+          </a:p>
+        </p:txBody>
+      </p:sp>
+      <p:graphicFrame>
+        <p:nvGraphicFramePr>
+          <p:cNvPr id="11" name="Object 10"/>
+          <p:cNvGraphicFramePr>
+            <a:graphicFrameLocks noChangeAspect="1"/>
+          </p:cNvGraphicFramePr>
+          <p:nvPr>
+            <p:extLst>
+              <p:ext uri="{D42A27DB-BD31-4B8C-83A1-F6EECF244321}">
+                <p14:modId xmlns:p14="http://schemas.microsoft.com/office/powerpoint/2010/main" val="2464957468"/>
+              </p:ext>
+            </p:extLst>
+          </p:nvPr>
+        </p:nvGraphicFramePr>
+        <p:xfrm>
+          <a:off x="1817688" y="1295400"/>
+          <a:ext cx="6107112" cy="1901186"/>
+        </p:xfrm>
+        <a:graphic>
+          <a:graphicData uri="http://schemas.openxmlformats.org/presentationml/2006/ole">
+            <mc:AlternateContent xmlns:mc="http://schemas.openxmlformats.org/markup-compatibility/2006">
+              <mc:Choice xmlns:v="urn:schemas-microsoft-com:vml" Requires="v">
+                <p:oleObj spid="_x0000_s99341" name="Equation" r:id="rId4" imgW="3263900" imgH="1016000" progId="Equation.3">
+                  <p:embed/>
+                </p:oleObj>
+              </mc:Choice>
+              <mc:Fallback>
+                <p:oleObj name="Equation" r:id="rId4" imgW="3263900" imgH="1016000" progId="Equation.3">
+                  <p:embed/>
+                  <p:pic>
+                    <p:nvPicPr>
+                      <p:cNvPr id="0" name=""/>
+                      <p:cNvPicPr/>
+                      <p:nvPr/>
+                    </p:nvPicPr>
+                    <p:blipFill>
+                      <a:blip r:embed="rId5"/>
+                      <a:stretch>
+                        <a:fillRect/>
+                      </a:stretch>
+                    </p:blipFill>
+                    <p:spPr>
+                      <a:xfrm>
+                        <a:off x="1817688" y="1295400"/>
+                        <a:ext cx="6107112" cy="1901186"/>
+                      </a:xfrm>
+                      <a:prstGeom prst="rect">
+                        <a:avLst/>
+                      </a:prstGeom>
+                    </p:spPr>
+                  </p:pic>
+                </p:oleObj>
+              </mc:Fallback>
+            </mc:AlternateContent>
+          </a:graphicData>
+        </a:graphic>
+      </p:graphicFrame>
+      <p:graphicFrame>
+        <p:nvGraphicFramePr>
+          <p:cNvPr id="7" name="Object 6"/>
+          <p:cNvGraphicFramePr>
+            <a:graphicFrameLocks noChangeAspect="1"/>
+          </p:cNvGraphicFramePr>
+          <p:nvPr>
+            <p:extLst>
+              <p:ext uri="{D42A27DB-BD31-4B8C-83A1-F6EECF244321}">
+                <p14:modId xmlns:p14="http://schemas.microsoft.com/office/powerpoint/2010/main" val="3374016819"/>
+              </p:ext>
+            </p:extLst>
+          </p:nvPr>
+        </p:nvGraphicFramePr>
+        <p:xfrm>
+          <a:off x="304801" y="3581401"/>
+          <a:ext cx="3886200" cy="1452614"/>
+        </p:xfrm>
+        <a:graphic>
+          <a:graphicData uri="http://schemas.openxmlformats.org/presentationml/2006/ole">
+            <mc:AlternateContent xmlns:mc="http://schemas.openxmlformats.org/markup-compatibility/2006">
+              <mc:Choice xmlns:v="urn:schemas-microsoft-com:vml" Requires="v">
+                <p:oleObj spid="_x0000_s99342" name="Equation" r:id="rId6" imgW="2717800" imgH="1016000" progId="Equation.3">
+                  <p:embed/>
+                </p:oleObj>
+              </mc:Choice>
+              <mc:Fallback>
+                <p:oleObj name="Equation" r:id="rId6" imgW="2717800" imgH="1016000" progId="Equation.3">
+                  <p:embed/>
+                  <p:pic>
+                    <p:nvPicPr>
+                      <p:cNvPr id="0" name=""/>
+                      <p:cNvPicPr/>
+                      <p:nvPr/>
+                    </p:nvPicPr>
+                    <p:blipFill>
+                      <a:blip r:embed="rId7"/>
+                      <a:stretch>
+                        <a:fillRect/>
+                      </a:stretch>
+                    </p:blipFill>
+                    <p:spPr>
+                      <a:xfrm>
+                        <a:off x="304801" y="3581401"/>
+                        <a:ext cx="3886200" cy="1452614"/>
+                      </a:xfrm>
+                      <a:prstGeom prst="rect">
+                        <a:avLst/>
+                      </a:prstGeom>
+                    </p:spPr>
+                  </p:pic>
+                </p:oleObj>
+              </mc:Fallback>
+            </mc:AlternateContent>
+          </a:graphicData>
+        </a:graphic>
+      </p:graphicFrame>
+      <p:graphicFrame>
+        <p:nvGraphicFramePr>
+          <p:cNvPr id="8" name="Object 7"/>
+          <p:cNvGraphicFramePr>
+            <a:graphicFrameLocks noChangeAspect="1"/>
+          </p:cNvGraphicFramePr>
+          <p:nvPr>
+            <p:extLst>
+              <p:ext uri="{D42A27DB-BD31-4B8C-83A1-F6EECF244321}">
+                <p14:modId xmlns:p14="http://schemas.microsoft.com/office/powerpoint/2010/main" val="1040184067"/>
+              </p:ext>
+            </p:extLst>
+          </p:nvPr>
+        </p:nvGraphicFramePr>
+        <p:xfrm>
+          <a:off x="4575175" y="3657600"/>
+          <a:ext cx="4032250" cy="1452563"/>
+        </p:xfrm>
+        <a:graphic>
+          <a:graphicData uri="http://schemas.openxmlformats.org/presentationml/2006/ole">
+            <mc:AlternateContent xmlns:mc="http://schemas.openxmlformats.org/markup-compatibility/2006">
+              <mc:Choice xmlns:v="urn:schemas-microsoft-com:vml" Requires="v">
+                <p:oleObj spid="_x0000_s99343" name="Equation" r:id="rId8" imgW="2819400" imgH="1016000" progId="Equation.3">
+                  <p:embed/>
+                </p:oleObj>
+              </mc:Choice>
+              <mc:Fallback>
+                <p:oleObj name="Equation" r:id="rId8" imgW="2819400" imgH="1016000" progId="Equation.3">
+                  <p:embed/>
+                  <p:pic>
+                    <p:nvPicPr>
+                      <p:cNvPr id="0" name=""/>
+                      <p:cNvPicPr/>
+                      <p:nvPr/>
+                    </p:nvPicPr>
+                    <p:blipFill>
+                      <a:blip r:embed="rId9"/>
+                      <a:stretch>
+                        <a:fillRect/>
+                      </a:stretch>
+                    </p:blipFill>
+                    <p:spPr>
+                      <a:xfrm>
+                        <a:off x="4575175" y="3657600"/>
+                        <a:ext cx="4032250" cy="1452563"/>
+                      </a:xfrm>
+                      <a:prstGeom prst="rect">
+                        <a:avLst/>
+                      </a:prstGeom>
+                    </p:spPr>
+                  </p:pic>
+                </p:oleObj>
+              </mc:Fallback>
+            </mc:AlternateContent>
+          </a:graphicData>
+        </a:graphic>
+      </p:graphicFrame>
     </p:spTree>
     <p:extLst>
       <p:ext uri="{BB962C8B-B14F-4D97-AF65-F5344CB8AC3E}">
-        <p14:creationId xmlns:p14="http://schemas.microsoft.com/office/powerpoint/2010/main" val="864301893"/>
+        <p14:creationId xmlns:p14="http://schemas.microsoft.com/office/powerpoint/2010/main" val="798474711"/>
       </p:ext>
     </p:extLst>
   </p:cSld>
@@ -11676,7 +6586,7 @@
                   </a:schemeClr>
                 </a:solidFill>
               </a:rPr>
-              <a:t>Variable selection in linear models</a:t>
+              <a:t>Gibbs Sampler</a:t>
             </a:r>
             <a:endParaRPr lang="en-US" sz="3200" dirty="0">
               <a:solidFill>
@@ -11732,7 +6642,7 @@
         </p:nvSpPr>
         <p:spPr>
           <a:xfrm>
-            <a:off x="76200" y="762000"/>
+            <a:off x="76200" y="692290"/>
             <a:ext cx="8991600" cy="5632310"/>
           </a:xfrm>
           <a:prstGeom prst="rect">
@@ -11896,8 +6806,8 @@
         </p:nvSpPr>
         <p:spPr>
           <a:xfrm>
-            <a:off x="228600" y="914400"/>
-            <a:ext cx="7620000" cy="461665"/>
+            <a:off x="152400" y="762000"/>
+            <a:ext cx="8915400" cy="461665"/>
           </a:xfrm>
           <a:prstGeom prst="rect">
             <a:avLst/>
@@ -11910,16 +6820,15 @@
           </a:bodyPr>
           <a:lstStyle/>
           <a:p>
-            <a:pPr algn="ctr"/>
-            <a:r>
-              <a:rPr lang="en-US" sz="2400" dirty="0" smtClean="0">
+            <a:r>
+              <a:rPr lang="en-US" sz="2400" u="sng" dirty="0" smtClean="0">
                 <a:solidFill>
                   <a:schemeClr val="tx2"/>
                 </a:solidFill>
               </a:rPr>
-              <a:t>Bayesian Likelihood (with data augmentation)</a:t>
-            </a:r>
-            <a:endParaRPr lang="en-US" sz="2400" dirty="0">
+              <a:t>Indicator Variables							</a:t>
+            </a:r>
+            <a:endParaRPr lang="en-US" sz="2400" u="sng" dirty="0">
               <a:solidFill>
                 <a:schemeClr val="tx2"/>
               </a:solidFill>
@@ -11929,32 +6838,32 @@
       </p:sp>
       <p:graphicFrame>
         <p:nvGraphicFramePr>
-          <p:cNvPr id="13" name="Object 12"/>
+          <p:cNvPr id="7" name="Object 6"/>
           <p:cNvGraphicFramePr>
             <a:graphicFrameLocks noChangeAspect="1"/>
           </p:cNvGraphicFramePr>
           <p:nvPr>
             <p:extLst>
               <p:ext uri="{D42A27DB-BD31-4B8C-83A1-F6EECF244321}">
-                <p14:modId xmlns:p14="http://schemas.microsoft.com/office/powerpoint/2010/main" val="2984087642"/>
+                <p14:modId xmlns:p14="http://schemas.microsoft.com/office/powerpoint/2010/main" val="280966871"/>
               </p:ext>
             </p:extLst>
           </p:nvPr>
         </p:nvGraphicFramePr>
         <p:xfrm>
-          <a:off x="609600" y="1828800"/>
-          <a:ext cx="8189461" cy="1462088"/>
+          <a:off x="1295400" y="1600200"/>
+          <a:ext cx="6464301" cy="2830513"/>
         </p:xfrm>
         <a:graphic>
           <a:graphicData uri="http://schemas.openxmlformats.org/presentationml/2006/ole">
             <mc:AlternateContent xmlns:mc="http://schemas.openxmlformats.org/markup-compatibility/2006">
               <mc:Choice xmlns:v="urn:schemas-microsoft-com:vml" Requires="v">
-                <p:oleObj spid="_x0000_s82947" name="Equation" r:id="rId4" imgW="4419600" imgH="787400" progId="Equation.3">
+                <p:oleObj spid="_x0000_s100356" name="Equation" r:id="rId4" imgW="4521200" imgH="1981200" progId="Equation.3">
                   <p:embed/>
                 </p:oleObj>
               </mc:Choice>
               <mc:Fallback>
-                <p:oleObj name="Equation" r:id="rId4" imgW="4419600" imgH="787400" progId="Equation.3">
+                <p:oleObj name="Equation" r:id="rId4" imgW="4521200" imgH="1981200" progId="Equation.3">
                   <p:embed/>
                   <p:pic>
                     <p:nvPicPr>
@@ -11970,8 +6879,8 @@
                     </p:blipFill>
                     <p:spPr>
                       <a:xfrm>
-                        <a:off x="609600" y="1828800"/>
-                        <a:ext cx="8189461" cy="1462088"/>
+                        <a:off x="1295400" y="1600200"/>
+                        <a:ext cx="6464301" cy="2830513"/>
                       </a:xfrm>
                       <a:prstGeom prst="rect">
                         <a:avLst/>
@@ -11984,155 +6893,10 @@
           </a:graphicData>
         </a:graphic>
       </p:graphicFrame>
-      <p:graphicFrame>
-        <p:nvGraphicFramePr>
-          <p:cNvPr id="7" name="Object 6"/>
-          <p:cNvGraphicFramePr>
-            <a:graphicFrameLocks noChangeAspect="1"/>
-          </p:cNvGraphicFramePr>
-          <p:nvPr>
-            <p:extLst>
-              <p:ext uri="{D42A27DB-BD31-4B8C-83A1-F6EECF244321}">
-                <p14:modId xmlns:p14="http://schemas.microsoft.com/office/powerpoint/2010/main" val="504634156"/>
-              </p:ext>
-            </p:extLst>
-          </p:nvPr>
-        </p:nvGraphicFramePr>
-        <p:xfrm>
-          <a:off x="3121025" y="3581400"/>
-          <a:ext cx="539750" cy="381000"/>
-        </p:xfrm>
-        <a:graphic>
-          <a:graphicData uri="http://schemas.openxmlformats.org/presentationml/2006/ole">
-            <mc:AlternateContent xmlns:mc="http://schemas.openxmlformats.org/markup-compatibility/2006">
-              <mc:Choice xmlns:v="urn:schemas-microsoft-com:vml" Requires="v">
-                <p:oleObj spid="_x0000_s82948" name="Equation" r:id="rId6" imgW="215900" imgH="215900" progId="Equation.3">
-                  <p:embed/>
-                </p:oleObj>
-              </mc:Choice>
-              <mc:Fallback>
-                <p:oleObj name="Equation" r:id="rId6" imgW="215900" imgH="215900" progId="Equation.3">
-                  <p:embed/>
-                  <p:pic>
-                    <p:nvPicPr>
-                      <p:cNvPr id="0" name=""/>
-                      <p:cNvPicPr/>
-                      <p:nvPr/>
-                    </p:nvPicPr>
-                    <p:blipFill>
-                      <a:blip r:embed="rId7"/>
-                      <a:stretch>
-                        <a:fillRect/>
-                      </a:stretch>
-                    </p:blipFill>
-                    <p:spPr>
-                      <a:xfrm>
-                        <a:off x="3121025" y="3581400"/>
-                        <a:ext cx="539750" cy="381000"/>
-                      </a:xfrm>
-                      <a:prstGeom prst="rect">
-                        <a:avLst/>
-                      </a:prstGeom>
-                    </p:spPr>
-                  </p:pic>
-                </p:oleObj>
-              </mc:Fallback>
-            </mc:AlternateContent>
-          </a:graphicData>
-        </a:graphic>
-      </p:graphicFrame>
-      <p:sp>
-        <p:nvSpPr>
-          <p:cNvPr id="8" name="Rectangle 7"/>
-          <p:cNvSpPr/>
-          <p:nvPr/>
-        </p:nvSpPr>
-        <p:spPr>
-          <a:xfrm>
-            <a:off x="3627265" y="3581400"/>
-            <a:ext cx="2697335" cy="369332"/>
-          </a:xfrm>
-          <a:prstGeom prst="rect">
-            <a:avLst/>
-          </a:prstGeom>
-        </p:spPr>
-        <p:txBody>
-          <a:bodyPr wrap="none">
-            <a:spAutoFit/>
-          </a:bodyPr>
-          <a:lstStyle/>
-          <a:p>
-            <a:pPr algn="ctr"/>
-            <a:r>
-              <a:rPr lang="en-US" dirty="0" smtClean="0"/>
-              <a:t>Unobserved time to event.</a:t>
-            </a:r>
-            <a:endParaRPr lang="en-US" dirty="0"/>
-          </a:p>
-        </p:txBody>
-      </p:sp>
-      <p:sp>
-        <p:nvSpPr>
-          <p:cNvPr id="14" name="TextBox 13"/>
-          <p:cNvSpPr txBox="1"/>
-          <p:nvPr/>
-        </p:nvSpPr>
-        <p:spPr>
-          <a:xfrm>
-            <a:off x="533400" y="4038600"/>
-            <a:ext cx="7620000" cy="2308324"/>
-          </a:xfrm>
-          <a:prstGeom prst="rect">
-            <a:avLst/>
-          </a:prstGeom>
-          <a:noFill/>
-        </p:spPr>
-        <p:txBody>
-          <a:bodyPr wrap="square" rtlCol="0">
-            <a:spAutoFit/>
-          </a:bodyPr>
-          <a:lstStyle/>
-          <a:p>
-            <a:pPr marL="342900" indent="-342900">
-              <a:buFont typeface="Symbol" charset="0"/>
-              <a:buChar char=""/>
-            </a:pPr>
-            <a:r>
-              <a:rPr lang="en-US" sz="2400" dirty="0" smtClean="0">
-                <a:solidFill>
-                  <a:schemeClr val="tx2"/>
-                </a:solidFill>
-              </a:rPr>
-              <a:t>With data augmentation, the model unknowns involve not only the parameters (effects, variances, etc.) but also the un-observed time to events.</a:t>
-            </a:r>
-          </a:p>
-          <a:p>
-            <a:endParaRPr lang="en-US" sz="2400" dirty="0" smtClean="0">
-              <a:solidFill>
-                <a:schemeClr val="tx2"/>
-              </a:solidFill>
-            </a:endParaRPr>
-          </a:p>
-          <a:p>
-            <a:pPr marL="342900" indent="-342900">
-              <a:buFont typeface="Symbol" charset="0"/>
-              <a:buChar char=""/>
-            </a:pPr>
-            <a:r>
-              <a:rPr lang="en-US" sz="2400" dirty="0" smtClean="0">
-                <a:solidFill>
-                  <a:schemeClr val="tx2"/>
-                </a:solidFill>
-              </a:rPr>
-              <a:t>Therefore, in our sampler we need to sample also the un-observed time to event of the censored points.</a:t>
-            </a:r>
-          </a:p>
-        </p:txBody>
-      </p:sp>
     </p:spTree>
     <p:extLst>
       <p:ext uri="{BB962C8B-B14F-4D97-AF65-F5344CB8AC3E}">
-        <p14:creationId xmlns:p14="http://schemas.microsoft.com/office/powerpoint/2010/main" val="1857228414"/>
+        <p14:creationId xmlns:p14="http://schemas.microsoft.com/office/powerpoint/2010/main" val="3107893611"/>
       </p:ext>
     </p:extLst>
   </p:cSld>
@@ -12178,7 +6942,7 @@
         </p:nvSpPr>
         <p:spPr>
           <a:xfrm>
-            <a:off x="838200" y="25400"/>
+            <a:off x="914400" y="0"/>
             <a:ext cx="7772400" cy="762000"/>
           </a:xfrm>
         </p:spPr>
@@ -12196,7 +6960,7 @@
                   </a:schemeClr>
                 </a:solidFill>
               </a:rPr>
-              <a:t>Fully Conditional Distribution</a:t>
+              <a:t>Gibbs Sampler</a:t>
             </a:r>
             <a:endParaRPr lang="en-US" sz="3200" dirty="0">
               <a:solidFill>
@@ -12210,14 +6974,214 @@
       </p:sp>
       <p:sp>
         <p:nvSpPr>
-          <p:cNvPr id="17" name="TextBox 16"/>
+          <p:cNvPr id="4" name="Footer Placeholder 3"/>
+          <p:cNvSpPr>
+            <a:spLocks noGrp="1"/>
+          </p:cNvSpPr>
+          <p:nvPr>
+            <p:ph type="ftr" sz="quarter" idx="11"/>
+          </p:nvPr>
+        </p:nvSpPr>
+        <p:spPr>
+          <a:xfrm>
+            <a:off x="3124200" y="6569075"/>
+            <a:ext cx="2895600" cy="365125"/>
+          </a:xfrm>
+        </p:spPr>
+        <p:txBody>
+          <a:bodyPr/>
+          <a:lstStyle/>
+          <a:p>
+            <a:r>
+              <a:rPr lang="en-US" dirty="0" smtClean="0">
+                <a:solidFill>
+                  <a:schemeClr val="accent1"/>
+                </a:solidFill>
+              </a:rPr>
+              <a:t>STT 465, MSU, Fall, 2015</a:t>
+            </a:r>
+            <a:endParaRPr lang="en-US" dirty="0">
+              <a:solidFill>
+                <a:schemeClr val="accent1"/>
+              </a:solidFill>
+            </a:endParaRPr>
+          </a:p>
+        </p:txBody>
+      </p:sp>
+      <p:sp>
+        <p:nvSpPr>
+          <p:cNvPr id="6" name="TextBox 5"/>
           <p:cNvSpPr txBox="1"/>
           <p:nvPr/>
         </p:nvSpPr>
         <p:spPr>
           <a:xfrm>
-            <a:off x="228600" y="990600"/>
-            <a:ext cx="3276600" cy="461665"/>
+            <a:off x="76200" y="762000"/>
+            <a:ext cx="8991600" cy="5632310"/>
+          </a:xfrm>
+          <a:prstGeom prst="rect">
+            <a:avLst/>
+          </a:prstGeom>
+          <a:noFill/>
+          <a:ln>
+            <a:solidFill>
+              <a:srgbClr val="800000"/>
+            </a:solidFill>
+            <a:prstDash val="sysDash"/>
+          </a:ln>
+        </p:spPr>
+        <p:txBody>
+          <a:bodyPr wrap="square" rtlCol="0">
+            <a:spAutoFit/>
+          </a:bodyPr>
+          <a:lstStyle/>
+          <a:p>
+            <a:endParaRPr lang="en-US" sz="2400" smtClean="0">
+              <a:solidFill>
+                <a:schemeClr val="accent1">
+                  <a:lumMod val="75000"/>
+                </a:schemeClr>
+              </a:solidFill>
+            </a:endParaRPr>
+          </a:p>
+          <a:p>
+            <a:endParaRPr lang="en-US" sz="2400" smtClean="0">
+              <a:solidFill>
+                <a:schemeClr val="accent1">
+                  <a:lumMod val="75000"/>
+                </a:schemeClr>
+              </a:solidFill>
+            </a:endParaRPr>
+          </a:p>
+          <a:p>
+            <a:endParaRPr lang="en-US" sz="2400" smtClean="0">
+              <a:solidFill>
+                <a:schemeClr val="accent1">
+                  <a:lumMod val="75000"/>
+                </a:schemeClr>
+              </a:solidFill>
+            </a:endParaRPr>
+          </a:p>
+          <a:p>
+            <a:endParaRPr lang="en-US" sz="2400" smtClean="0">
+              <a:solidFill>
+                <a:schemeClr val="accent1">
+                  <a:lumMod val="75000"/>
+                </a:schemeClr>
+              </a:solidFill>
+            </a:endParaRPr>
+          </a:p>
+          <a:p>
+            <a:endParaRPr lang="en-US" sz="2400" smtClean="0">
+              <a:solidFill>
+                <a:schemeClr val="accent1">
+                  <a:lumMod val="75000"/>
+                </a:schemeClr>
+              </a:solidFill>
+            </a:endParaRPr>
+          </a:p>
+          <a:p>
+            <a:endParaRPr lang="en-US" sz="2400" smtClean="0">
+              <a:solidFill>
+                <a:schemeClr val="accent1">
+                  <a:lumMod val="75000"/>
+                </a:schemeClr>
+              </a:solidFill>
+            </a:endParaRPr>
+          </a:p>
+          <a:p>
+            <a:endParaRPr lang="en-US" sz="2400" smtClean="0">
+              <a:solidFill>
+                <a:schemeClr val="accent1">
+                  <a:lumMod val="75000"/>
+                </a:schemeClr>
+              </a:solidFill>
+            </a:endParaRPr>
+          </a:p>
+          <a:p>
+            <a:endParaRPr lang="en-US" sz="2400" smtClean="0">
+              <a:solidFill>
+                <a:schemeClr val="accent1">
+                  <a:lumMod val="75000"/>
+                </a:schemeClr>
+              </a:solidFill>
+            </a:endParaRPr>
+          </a:p>
+          <a:p>
+            <a:endParaRPr lang="en-US" sz="2400" smtClean="0">
+              <a:solidFill>
+                <a:schemeClr val="accent1">
+                  <a:lumMod val="75000"/>
+                </a:schemeClr>
+              </a:solidFill>
+            </a:endParaRPr>
+          </a:p>
+          <a:p>
+            <a:endParaRPr lang="en-US" sz="2400" smtClean="0">
+              <a:solidFill>
+                <a:schemeClr val="accent1">
+                  <a:lumMod val="75000"/>
+                </a:schemeClr>
+              </a:solidFill>
+            </a:endParaRPr>
+          </a:p>
+          <a:p>
+            <a:endParaRPr lang="en-US" sz="2400" smtClean="0">
+              <a:solidFill>
+                <a:schemeClr val="accent1">
+                  <a:lumMod val="75000"/>
+                </a:schemeClr>
+              </a:solidFill>
+            </a:endParaRPr>
+          </a:p>
+          <a:p>
+            <a:endParaRPr lang="en-US" sz="2400" smtClean="0">
+              <a:solidFill>
+                <a:schemeClr val="accent1">
+                  <a:lumMod val="75000"/>
+                </a:schemeClr>
+              </a:solidFill>
+            </a:endParaRPr>
+          </a:p>
+          <a:p>
+            <a:endParaRPr lang="en-US" sz="2400" smtClean="0">
+              <a:solidFill>
+                <a:schemeClr val="accent1">
+                  <a:lumMod val="75000"/>
+                </a:schemeClr>
+              </a:solidFill>
+            </a:endParaRPr>
+          </a:p>
+          <a:p>
+            <a:endParaRPr lang="en-US" sz="2400" smtClean="0">
+              <a:solidFill>
+                <a:schemeClr val="accent1">
+                  <a:lumMod val="75000"/>
+                </a:schemeClr>
+              </a:solidFill>
+            </a:endParaRPr>
+          </a:p>
+          <a:p>
+            <a:endParaRPr lang="en-US" sz="2400" dirty="0">
+              <a:solidFill>
+                <a:schemeClr val="accent1">
+                  <a:lumMod val="75000"/>
+                </a:schemeClr>
+              </a:solidFill>
+            </a:endParaRPr>
+          </a:p>
+        </p:txBody>
+      </p:sp>
+      <p:sp>
+        <p:nvSpPr>
+          <p:cNvPr id="12" name="TextBox 11"/>
+          <p:cNvSpPr txBox="1"/>
+          <p:nvPr/>
+        </p:nvSpPr>
+        <p:spPr>
+          <a:xfrm>
+            <a:off x="228600" y="914400"/>
+            <a:ext cx="8915400" cy="461665"/>
           </a:xfrm>
           <a:prstGeom prst="rect">
             <a:avLst/>
@@ -12231,52 +7195,14 @@
           <a:lstStyle/>
           <a:p>
             <a:r>
-              <a:rPr lang="en-US" sz="2400" dirty="0" smtClean="0">
+              <a:rPr lang="en-US" sz="2400" u="sng" dirty="0" smtClean="0">
                 <a:solidFill>
                   <a:schemeClr val="tx2"/>
                 </a:solidFill>
               </a:rPr>
-              <a:t>Likelihood Function</a:t>
-            </a:r>
-            <a:endParaRPr lang="en-US" sz="2400" dirty="0">
-              <a:solidFill>
-                <a:schemeClr val="tx2"/>
-              </a:solidFill>
-            </a:endParaRPr>
-          </a:p>
-        </p:txBody>
-      </p:sp>
-      <p:sp>
-        <p:nvSpPr>
-          <p:cNvPr id="11" name="TextBox 10"/>
-          <p:cNvSpPr txBox="1"/>
-          <p:nvPr/>
-        </p:nvSpPr>
-        <p:spPr>
-          <a:xfrm>
-            <a:off x="304800" y="2362200"/>
-            <a:ext cx="3276600" cy="461665"/>
-          </a:xfrm>
-          <a:prstGeom prst="rect">
-            <a:avLst/>
-          </a:prstGeom>
-          <a:noFill/>
-        </p:spPr>
-        <p:txBody>
-          <a:bodyPr wrap="square" rtlCol="0">
-            <a:spAutoFit/>
-          </a:bodyPr>
-          <a:lstStyle/>
-          <a:p>
-            <a:r>
-              <a:rPr lang="en-US" sz="2400" dirty="0" smtClean="0">
-                <a:solidFill>
-                  <a:schemeClr val="tx2"/>
-                </a:solidFill>
-              </a:rPr>
-              <a:t>Prior</a:t>
-            </a:r>
-            <a:endParaRPr lang="en-US" sz="2400" dirty="0">
+              <a:t>Effects								</a:t>
+            </a:r>
+            <a:endParaRPr lang="en-US" sz="2400" u="sng" dirty="0">
               <a:solidFill>
                 <a:schemeClr val="tx2"/>
               </a:solidFill>
@@ -12286,32 +7212,32 @@
       </p:sp>
       <p:graphicFrame>
         <p:nvGraphicFramePr>
-          <p:cNvPr id="13" name="Object 12"/>
+          <p:cNvPr id="11" name="Object 10"/>
           <p:cNvGraphicFramePr>
             <a:graphicFrameLocks noChangeAspect="1"/>
           </p:cNvGraphicFramePr>
           <p:nvPr>
             <p:extLst>
               <p:ext uri="{D42A27DB-BD31-4B8C-83A1-F6EECF244321}">
-                <p14:modId xmlns:p14="http://schemas.microsoft.com/office/powerpoint/2010/main" val="658648862"/>
+                <p14:modId xmlns:p14="http://schemas.microsoft.com/office/powerpoint/2010/main" val="3076019422"/>
               </p:ext>
             </p:extLst>
           </p:nvPr>
         </p:nvGraphicFramePr>
         <p:xfrm>
-          <a:off x="1524000" y="2362200"/>
-          <a:ext cx="1558925" cy="485775"/>
+          <a:off x="1295400" y="1371600"/>
+          <a:ext cx="5978525" cy="1875847"/>
         </p:xfrm>
         <a:graphic>
           <a:graphicData uri="http://schemas.openxmlformats.org/presentationml/2006/ole">
             <mc:AlternateContent xmlns:mc="http://schemas.openxmlformats.org/markup-compatibility/2006">
               <mc:Choice xmlns:v="urn:schemas-microsoft-com:vml" Requires="v">
-                <p:oleObj spid="_x0000_s57502" name="Equation" r:id="rId4" imgW="939800" imgH="292100" progId="Equation.3">
+                <p:oleObj spid="_x0000_s101384" name="Equation" r:id="rId4" imgW="3238500" imgH="1016000" progId="Equation.3">
                   <p:embed/>
                 </p:oleObj>
               </mc:Choice>
               <mc:Fallback>
-                <p:oleObj name="Equation" r:id="rId4" imgW="939800" imgH="292100" progId="Equation.3">
+                <p:oleObj name="Equation" r:id="rId4" imgW="3238500" imgH="1016000" progId="Equation.3">
                   <p:embed/>
                   <p:pic>
                     <p:nvPicPr>
@@ -12327,8 +7253,8 @@
                     </p:blipFill>
                     <p:spPr>
                       <a:xfrm>
-                        <a:off x="1524000" y="2362200"/>
-                        <a:ext cx="1558925" cy="485775"/>
+                        <a:off x="1295400" y="1371600"/>
+                        <a:ext cx="5978525" cy="1875847"/>
                       </a:xfrm>
                       <a:prstGeom prst="rect">
                         <a:avLst/>
@@ -12343,14 +7269,14 @@
       </p:graphicFrame>
       <p:sp>
         <p:nvSpPr>
-          <p:cNvPr id="18" name="TextBox 17"/>
+          <p:cNvPr id="7" name="TextBox 6"/>
           <p:cNvSpPr txBox="1"/>
           <p:nvPr/>
         </p:nvSpPr>
         <p:spPr>
           <a:xfrm>
-            <a:off x="76200" y="3124200"/>
-            <a:ext cx="8763000" cy="461665"/>
+            <a:off x="228600" y="3429000"/>
+            <a:ext cx="8915400" cy="461665"/>
           </a:xfrm>
           <a:prstGeom prst="rect">
             <a:avLst/>
@@ -12369,7 +7295,48 @@
                   <a:schemeClr val="tx2"/>
                 </a:solidFill>
               </a:rPr>
-              <a:t>Joint Posterior:							</a:t>
+              <a:t>Case 1 (</a:t>
+            </a:r>
+            <a:r>
+              <a:rPr lang="en-US" sz="2400" u="sng" dirty="0" err="1" smtClean="0">
+                <a:solidFill>
+                  <a:schemeClr val="tx2"/>
+                </a:solidFill>
+                <a:latin typeface="Lucida Grande"/>
+                <a:ea typeface="Lucida Grande"/>
+                <a:cs typeface="Lucida Grande"/>
+              </a:rPr>
+              <a:t>δ</a:t>
+            </a:r>
+            <a:r>
+              <a:rPr lang="en-US" sz="2400" u="sng" baseline="-25000" dirty="0" err="1" smtClean="0">
+                <a:solidFill>
+                  <a:schemeClr val="tx2"/>
+                </a:solidFill>
+                <a:latin typeface="Lucida Grande"/>
+                <a:ea typeface="Lucida Grande"/>
+                <a:cs typeface="Lucida Grande"/>
+              </a:rPr>
+              <a:t>k</a:t>
+            </a:r>
+            <a:r>
+              <a:rPr lang="en-US" sz="2400" u="sng" dirty="0" smtClean="0">
+                <a:solidFill>
+                  <a:schemeClr val="tx2"/>
+                </a:solidFill>
+                <a:latin typeface="Lucida Grande"/>
+                <a:ea typeface="Lucida Grande"/>
+                <a:cs typeface="Lucida Grande"/>
+              </a:rPr>
+              <a:t>=0)</a:t>
+            </a:r>
+            <a:r>
+              <a:rPr lang="en-US" sz="2400" u="sng" dirty="0" smtClean="0">
+                <a:solidFill>
+                  <a:schemeClr val="tx2"/>
+                </a:solidFill>
+              </a:rPr>
+              <a:t> 	</a:t>
             </a:r>
             <a:endParaRPr lang="en-US" sz="2400" u="sng" dirty="0">
               <a:solidFill>
@@ -12381,32 +7348,32 @@
       </p:sp>
       <p:graphicFrame>
         <p:nvGraphicFramePr>
-          <p:cNvPr id="19" name="Object 18"/>
+          <p:cNvPr id="8" name="Object 7"/>
           <p:cNvGraphicFramePr>
             <a:graphicFrameLocks noChangeAspect="1"/>
           </p:cNvGraphicFramePr>
           <p:nvPr>
             <p:extLst>
               <p:ext uri="{D42A27DB-BD31-4B8C-83A1-F6EECF244321}">
-                <p14:modId xmlns:p14="http://schemas.microsoft.com/office/powerpoint/2010/main" val="2124738345"/>
+                <p14:modId xmlns:p14="http://schemas.microsoft.com/office/powerpoint/2010/main" val="74720316"/>
               </p:ext>
             </p:extLst>
           </p:nvPr>
         </p:nvGraphicFramePr>
         <p:xfrm>
-          <a:off x="220662" y="3505200"/>
-          <a:ext cx="8923338" cy="1674813"/>
+          <a:off x="152400" y="3962400"/>
+          <a:ext cx="3338929" cy="1066800"/>
         </p:xfrm>
         <a:graphic>
           <a:graphicData uri="http://schemas.openxmlformats.org/presentationml/2006/ole">
             <mc:AlternateContent xmlns:mc="http://schemas.openxmlformats.org/markup-compatibility/2006">
               <mc:Choice xmlns:v="urn:schemas-microsoft-com:vml" Requires="v">
-                <p:oleObj spid="_x0000_s57503" name="Equation" r:id="rId6" imgW="5765800" imgH="1079500" progId="Equation.3">
+                <p:oleObj spid="_x0000_s101385" name="Equation" r:id="rId6" imgW="2425700" imgH="774700" progId="Equation.3">
                   <p:embed/>
                 </p:oleObj>
               </mc:Choice>
               <mc:Fallback>
-                <p:oleObj name="Equation" r:id="rId6" imgW="5765800" imgH="1079500" progId="Equation.3">
+                <p:oleObj name="Equation" r:id="rId6" imgW="2425700" imgH="774700" progId="Equation.3">
                   <p:embed/>
                   <p:pic>
                     <p:nvPicPr>
@@ -12422,8 +7389,8 @@
                     </p:blipFill>
                     <p:spPr>
                       <a:xfrm>
-                        <a:off x="220662" y="3505200"/>
-                        <a:ext cx="8923338" cy="1674813"/>
+                        <a:off x="152400" y="3962400"/>
+                        <a:ext cx="3338929" cy="1066800"/>
                       </a:xfrm>
                       <a:prstGeom prst="rect">
                         <a:avLst/>
@@ -12438,14 +7405,14 @@
       </p:graphicFrame>
       <p:sp>
         <p:nvSpPr>
-          <p:cNvPr id="20" name="TextBox 19"/>
+          <p:cNvPr id="9" name="TextBox 8"/>
           <p:cNvSpPr txBox="1"/>
           <p:nvPr/>
         </p:nvSpPr>
         <p:spPr>
           <a:xfrm>
-            <a:off x="0" y="5029200"/>
-            <a:ext cx="9144000" cy="461665"/>
+            <a:off x="4191000" y="3429000"/>
+            <a:ext cx="4953000" cy="461665"/>
           </a:xfrm>
           <a:prstGeom prst="rect">
             <a:avLst/>
@@ -12464,7 +7431,48 @@
                   <a:schemeClr val="tx2"/>
                 </a:solidFill>
               </a:rPr>
-              <a:t>Fully Conditional (truncated normal):				</a:t>
+              <a:t>Case 2 (</a:t>
+            </a:r>
+            <a:r>
+              <a:rPr lang="en-US" sz="2400" u="sng" dirty="0" err="1" smtClean="0">
+                <a:solidFill>
+                  <a:schemeClr val="tx2"/>
+                </a:solidFill>
+                <a:latin typeface="Lucida Grande"/>
+                <a:ea typeface="Lucida Grande"/>
+                <a:cs typeface="Lucida Grande"/>
+              </a:rPr>
+              <a:t>δ</a:t>
+            </a:r>
+            <a:r>
+              <a:rPr lang="en-US" sz="2400" u="sng" baseline="-25000" dirty="0" err="1" smtClean="0">
+                <a:solidFill>
+                  <a:schemeClr val="tx2"/>
+                </a:solidFill>
+                <a:latin typeface="Lucida Grande"/>
+                <a:ea typeface="Lucida Grande"/>
+                <a:cs typeface="Lucida Grande"/>
+              </a:rPr>
+              <a:t>k</a:t>
+            </a:r>
+            <a:r>
+              <a:rPr lang="en-US" sz="2400" u="sng" dirty="0" smtClean="0">
+                <a:solidFill>
+                  <a:schemeClr val="tx2"/>
+                </a:solidFill>
+                <a:latin typeface="Lucida Grande"/>
+                <a:ea typeface="Lucida Grande"/>
+                <a:cs typeface="Lucida Grande"/>
+              </a:rPr>
+              <a:t>=1)</a:t>
+            </a:r>
+            <a:r>
+              <a:rPr lang="en-US" sz="2400" u="sng" dirty="0" smtClean="0">
+                <a:solidFill>
+                  <a:schemeClr val="tx2"/>
+                </a:solidFill>
+              </a:rPr>
+              <a:t> 	</a:t>
             </a:r>
             <a:endParaRPr lang="en-US" sz="2400" u="sng" dirty="0">
               <a:solidFill>
@@ -12476,32 +7484,32 @@
       </p:sp>
       <p:graphicFrame>
         <p:nvGraphicFramePr>
-          <p:cNvPr id="21" name="Object 20"/>
+          <p:cNvPr id="10" name="Object 9"/>
           <p:cNvGraphicFramePr>
             <a:graphicFrameLocks noChangeAspect="1"/>
           </p:cNvGraphicFramePr>
           <p:nvPr>
             <p:extLst>
               <p:ext uri="{D42A27DB-BD31-4B8C-83A1-F6EECF244321}">
-                <p14:modId xmlns:p14="http://schemas.microsoft.com/office/powerpoint/2010/main" val="1407188685"/>
+                <p14:modId xmlns:p14="http://schemas.microsoft.com/office/powerpoint/2010/main" val="203114023"/>
               </p:ext>
             </p:extLst>
           </p:nvPr>
         </p:nvGraphicFramePr>
         <p:xfrm>
-          <a:off x="1979613" y="5562600"/>
-          <a:ext cx="4716462" cy="1295400"/>
+          <a:off x="4114800" y="3962400"/>
+          <a:ext cx="4654550" cy="1496241"/>
         </p:xfrm>
         <a:graphic>
           <a:graphicData uri="http://schemas.openxmlformats.org/presentationml/2006/ole">
             <mc:AlternateContent xmlns:mc="http://schemas.openxmlformats.org/markup-compatibility/2006">
               <mc:Choice xmlns:v="urn:schemas-microsoft-com:vml" Requires="v">
-                <p:oleObj spid="_x0000_s57504" name="Equation" r:id="rId8" imgW="2501900" imgH="685800" progId="Equation.3">
+                <p:oleObj spid="_x0000_s101386" name="Equation" r:id="rId8" imgW="3162300" imgH="1016000" progId="Equation.3">
                   <p:embed/>
                 </p:oleObj>
               </mc:Choice>
               <mc:Fallback>
-                <p:oleObj name="Equation" r:id="rId8" imgW="2501900" imgH="685800" progId="Equation.3">
+                <p:oleObj name="Equation" r:id="rId8" imgW="3162300" imgH="1016000" progId="Equation.3">
                   <p:embed/>
                   <p:pic>
                     <p:nvPicPr>
@@ -12517,8 +7525,8 @@
                     </p:blipFill>
                     <p:spPr>
                       <a:xfrm>
-                        <a:off x="1979613" y="5562600"/>
-                        <a:ext cx="4716462" cy="1295400"/>
+                        <a:off x="4114800" y="3962400"/>
+                        <a:ext cx="4654550" cy="1496241"/>
                       </a:xfrm>
                       <a:prstGeom prst="rect">
                         <a:avLst/>
@@ -12531,67 +7539,40 @@
           </a:graphicData>
         </a:graphic>
       </p:graphicFrame>
-      <p:graphicFrame>
-        <p:nvGraphicFramePr>
-          <p:cNvPr id="14" name="Object 13"/>
-          <p:cNvGraphicFramePr>
-            <a:graphicFrameLocks noChangeAspect="1"/>
-          </p:cNvGraphicFramePr>
-          <p:nvPr>
-            <p:extLst>
-              <p:ext uri="{D42A27DB-BD31-4B8C-83A1-F6EECF244321}">
-                <p14:modId xmlns:p14="http://schemas.microsoft.com/office/powerpoint/2010/main" val="892357945"/>
-              </p:ext>
-            </p:extLst>
-          </p:nvPr>
-        </p:nvGraphicFramePr>
-        <p:xfrm>
-          <a:off x="1246188" y="1066800"/>
-          <a:ext cx="7335837" cy="1309688"/>
-        </p:xfrm>
-        <a:graphic>
-          <a:graphicData uri="http://schemas.openxmlformats.org/presentationml/2006/ole">
-            <mc:AlternateContent xmlns:mc="http://schemas.openxmlformats.org/markup-compatibility/2006">
-              <mc:Choice xmlns:v="urn:schemas-microsoft-com:vml" Requires="v">
-                <p:oleObj spid="_x0000_s57505" name="Equation" r:id="rId10" imgW="4419600" imgH="787400" progId="Equation.3">
-                  <p:embed/>
-                </p:oleObj>
-              </mc:Choice>
-              <mc:Fallback>
-                <p:oleObj name="Equation" r:id="rId10" imgW="4419600" imgH="787400" progId="Equation.3">
-                  <p:embed/>
-                  <p:pic>
-                    <p:nvPicPr>
-                      <p:cNvPr id="0" name=""/>
-                      <p:cNvPicPr/>
-                      <p:nvPr/>
-                    </p:nvPicPr>
-                    <p:blipFill>
-                      <a:blip r:embed="rId11"/>
-                      <a:stretch>
-                        <a:fillRect/>
-                      </a:stretch>
-                    </p:blipFill>
-                    <p:spPr>
-                      <a:xfrm>
-                        <a:off x="1246188" y="1066800"/>
-                        <a:ext cx="7335837" cy="1309688"/>
-                      </a:xfrm>
-                      <a:prstGeom prst="rect">
-                        <a:avLst/>
-                      </a:prstGeom>
-                    </p:spPr>
-                  </p:pic>
-                </p:oleObj>
-              </mc:Fallback>
-            </mc:AlternateContent>
-          </a:graphicData>
-        </a:graphic>
-      </p:graphicFrame>
+      <p:sp>
+        <p:nvSpPr>
+          <p:cNvPr id="3" name="TextBox 2"/>
+          <p:cNvSpPr txBox="1"/>
+          <p:nvPr/>
+        </p:nvSpPr>
+        <p:spPr>
+          <a:xfrm>
+            <a:off x="4419600" y="5562600"/>
+            <a:ext cx="4343400" cy="646331"/>
+          </a:xfrm>
+          <a:prstGeom prst="rect">
+            <a:avLst/>
+          </a:prstGeom>
+          <a:noFill/>
+        </p:spPr>
+        <p:txBody>
+          <a:bodyPr wrap="square" rtlCol="0">
+            <a:spAutoFit/>
+          </a:bodyPr>
+          <a:lstStyle/>
+          <a:p>
+            <a:r>
+              <a:rPr lang="en-US" dirty="0" smtClean="0"/>
+              <a:t>(same as in the linear model without indicator variables)</a:t>
+            </a:r>
+            <a:endParaRPr lang="en-US" dirty="0"/>
+          </a:p>
+        </p:txBody>
+      </p:sp>
     </p:spTree>
     <p:extLst>
       <p:ext uri="{BB962C8B-B14F-4D97-AF65-F5344CB8AC3E}">
-        <p14:creationId xmlns:p14="http://schemas.microsoft.com/office/powerpoint/2010/main" val="966125101"/>
+        <p14:creationId xmlns:p14="http://schemas.microsoft.com/office/powerpoint/2010/main" val="706333391"/>
       </p:ext>
     </p:extLst>
   </p:cSld>
@@ -12637,7 +7618,7 @@
         </p:nvSpPr>
         <p:spPr>
           <a:xfrm>
-            <a:off x="914400" y="0"/>
+            <a:off x="609600" y="-152400"/>
             <a:ext cx="7772400" cy="762000"/>
           </a:xfrm>
         </p:spPr>
@@ -12655,7 +7636,7 @@
                   </a:schemeClr>
                 </a:solidFill>
               </a:rPr>
-              <a:t>Outline of a Gibbs Sampler</a:t>
+              <a:t>Gibbs Sampler</a:t>
             </a:r>
             <a:endParaRPr lang="en-US" sz="3200" dirty="0">
               <a:solidFill>
@@ -12705,19 +7686,25 @@
       </p:sp>
       <p:sp>
         <p:nvSpPr>
-          <p:cNvPr id="14" name="TextBox 13"/>
+          <p:cNvPr id="6" name="TextBox 5"/>
           <p:cNvSpPr txBox="1"/>
           <p:nvPr/>
         </p:nvSpPr>
         <p:spPr>
           <a:xfrm>
-            <a:off x="914400" y="762000"/>
-            <a:ext cx="7620000" cy="5262979"/>
+            <a:off x="381000" y="638174"/>
+            <a:ext cx="8229600" cy="3724097"/>
           </a:xfrm>
           <a:prstGeom prst="rect">
             <a:avLst/>
           </a:prstGeom>
           <a:noFill/>
+          <a:ln>
+            <a:solidFill>
+              <a:srgbClr val="800000"/>
+            </a:solidFill>
+            <a:prstDash val="sysDash"/>
+          </a:ln>
         </p:spPr>
         <p:txBody>
           <a:bodyPr wrap="square" rtlCol="0">
@@ -12725,115 +7712,141 @@
           </a:bodyPr>
           <a:lstStyle/>
           <a:p>
-            <a:pPr marL="342900" indent="-342900">
-              <a:buFont typeface="Symbol" charset="0"/>
-              <a:buChar char=""/>
+            <a:endParaRPr lang="en-US" b="1" dirty="0">
+              <a:solidFill>
+                <a:schemeClr val="accent1">
+                  <a:lumMod val="75000"/>
+                </a:schemeClr>
+              </a:solidFill>
+            </a:endParaRPr>
+          </a:p>
+          <a:p>
+            <a:r>
+              <a:rPr lang="en-US" sz="2800" b="1" u="sng" dirty="0" smtClean="0">
+                <a:solidFill>
+                  <a:schemeClr val="accent1">
+                    <a:lumMod val="75000"/>
+                  </a:schemeClr>
+                </a:solidFill>
+              </a:rPr>
+              <a:t>Other variables</a:t>
+            </a:r>
+            <a:endParaRPr lang="en-US" sz="2800" b="1" u="sng" dirty="0">
+              <a:solidFill>
+                <a:schemeClr val="accent1">
+                  <a:lumMod val="75000"/>
+                </a:schemeClr>
+              </a:solidFill>
+            </a:endParaRPr>
+          </a:p>
+          <a:p>
+            <a:pPr marL="285750" indent="-285750">
+              <a:buFontTx/>
+              <a:buChar char="-"/>
             </a:pPr>
-            <a:r>
-              <a:rPr lang="en-US" sz="2400" dirty="0" smtClean="0">
+            <a:endParaRPr lang="en-US" b="1" u="sng" dirty="0" smtClean="0">
+              <a:solidFill>
+                <a:schemeClr val="accent1">
+                  <a:lumMod val="75000"/>
+                </a:schemeClr>
+              </a:solidFill>
+            </a:endParaRPr>
+          </a:p>
+          <a:p>
+            <a:pPr marL="285750" indent="-285750">
+              <a:buFontTx/>
+              <a:buChar char="-"/>
+            </a:pPr>
+            <a:r>
+              <a:rPr lang="en-US" sz="2000" dirty="0" smtClean="0">
                 <a:solidFill>
-                  <a:schemeClr val="tx2"/>
+                  <a:schemeClr val="accent1">
+                    <a:lumMod val="75000"/>
+                  </a:schemeClr>
                 </a:solidFill>
               </a:rPr>
-              <a:t>Time to event of censored data points follow have a truncated normal fully conditional distribution.</a:t>
-            </a:r>
-          </a:p>
-          <a:p>
-            <a:pPr marL="342900" indent="-342900">
-              <a:buFont typeface="Symbol" charset="0"/>
-              <a:buChar char=""/>
+              <a:t>Variances have the same fully conditionals as those </a:t>
+            </a:r>
+            <a:r>
+              <a:rPr lang="en-US" sz="2000" dirty="0" smtClean="0">
+                <a:solidFill>
+                  <a:schemeClr val="accent1">
+                    <a:lumMod val="75000"/>
+                  </a:schemeClr>
+                </a:solidFill>
+              </a:rPr>
+              <a:t>of the standard multiple linear regression model.</a:t>
+            </a:r>
+          </a:p>
+          <a:p>
+            <a:pPr marL="285750" indent="-285750">
+              <a:buFontTx/>
+              <a:buChar char="-"/>
             </a:pPr>
-            <a:endParaRPr lang="en-US" sz="2400" dirty="0">
-              <a:solidFill>
-                <a:schemeClr val="tx2"/>
-              </a:solidFill>
-            </a:endParaRPr>
-          </a:p>
-          <a:p>
-            <a:pPr marL="342900" indent="-342900">
-              <a:buFont typeface="Symbol" charset="0"/>
-              <a:buChar char=""/>
+            <a:endParaRPr lang="en-US" sz="2000" dirty="0">
+              <a:solidFill>
+                <a:schemeClr val="accent1">
+                  <a:lumMod val="75000"/>
+                </a:schemeClr>
+              </a:solidFill>
+            </a:endParaRPr>
+          </a:p>
+          <a:p>
+            <a:pPr marL="285750" indent="-285750">
+              <a:buFontTx/>
+              <a:buChar char="-"/>
             </a:pPr>
             <a:r>
-              <a:rPr lang="en-US" sz="2400" dirty="0" smtClean="0">
+              <a:rPr lang="en-US" sz="2000" dirty="0" smtClean="0">
                 <a:solidFill>
-                  <a:schemeClr val="tx2"/>
+                  <a:schemeClr val="accent1">
+                    <a:lumMod val="75000"/>
+                  </a:schemeClr>
                 </a:solidFill>
               </a:rPr>
-              <a:t>The other fully conditional distributions are as those of the standard linear regression without censoring. </a:t>
-            </a:r>
-          </a:p>
-          <a:p>
-            <a:pPr marL="342900" indent="-342900">
-              <a:buFont typeface="Symbol" charset="0"/>
-              <a:buChar char=""/>
-            </a:pPr>
-            <a:endParaRPr lang="en-US" sz="2400" dirty="0">
-              <a:solidFill>
-                <a:schemeClr val="tx2"/>
-              </a:solidFill>
-            </a:endParaRPr>
-          </a:p>
-          <a:p>
-            <a:pPr marL="342900" indent="-342900">
-              <a:buFont typeface="Symbol" charset="0"/>
-              <a:buChar char=""/>
-            </a:pPr>
-            <a:r>
-              <a:rPr lang="en-US" sz="2400" dirty="0" smtClean="0">
-                <a:solidFill>
-                  <a:schemeClr val="tx2"/>
-                </a:solidFill>
-              </a:rPr>
-              <a:t>Therefore, relative to a Gibbs sampler for a model without censoring, we just need to add a step where we ‘impute’ the un-observed time to events with samples drawn from the corresponding fully conditionals (truncated normal, in our case).</a:t>
-            </a:r>
-          </a:p>
-          <a:p>
-            <a:pPr marL="342900" indent="-342900">
-              <a:buFont typeface="Symbol" charset="0"/>
-              <a:buChar char=""/>
-            </a:pPr>
-            <a:endParaRPr lang="en-US" sz="2400" dirty="0">
-              <a:solidFill>
-                <a:schemeClr val="tx2"/>
-              </a:solidFill>
-            </a:endParaRPr>
-          </a:p>
-          <a:p>
-            <a:r>
-              <a:rPr lang="en-US" sz="2400" dirty="0" smtClean="0">
-                <a:solidFill>
-                  <a:schemeClr val="tx2"/>
-                </a:solidFill>
-              </a:rPr>
-              <a:t>Sampler in </a:t>
-            </a:r>
-            <a:r>
-              <a:rPr lang="en-US" sz="2400" dirty="0" err="1" smtClean="0">
-                <a:solidFill>
-                  <a:schemeClr val="tx2"/>
-                </a:solidFill>
-              </a:rPr>
-              <a:t>GitHub</a:t>
-            </a:r>
-            <a:r>
-              <a:rPr lang="en-US" sz="2400" dirty="0" smtClean="0">
-                <a:solidFill>
-                  <a:schemeClr val="tx2"/>
-                </a:solidFill>
-              </a:rPr>
-              <a:t>:</a:t>
-            </a:r>
-            <a:endParaRPr lang="en-US" sz="2400" dirty="0">
-              <a:solidFill>
-                <a:schemeClr val="tx2"/>
-              </a:solidFill>
-            </a:endParaRPr>
-          </a:p>
-          <a:p>
-            <a:endParaRPr lang="en-US" sz="2400" dirty="0" smtClean="0">
-              <a:solidFill>
-                <a:schemeClr val="tx2"/>
+              <a:t>If we assign either a beta prior to π, the fully conditional can be shown to be beta.</a:t>
+            </a:r>
+            <a:endParaRPr lang="en-US" sz="2000" dirty="0">
+              <a:solidFill>
+                <a:schemeClr val="accent1">
+                  <a:lumMod val="75000"/>
+                </a:schemeClr>
+              </a:solidFill>
+            </a:endParaRPr>
+          </a:p>
+          <a:p>
+            <a:endParaRPr lang="en-US" dirty="0">
+              <a:solidFill>
+                <a:schemeClr val="accent1">
+                  <a:lumMod val="75000"/>
+                </a:schemeClr>
+              </a:solidFill>
+            </a:endParaRPr>
+          </a:p>
+          <a:p>
+            <a:endParaRPr lang="en-US" dirty="0" smtClean="0">
+              <a:solidFill>
+                <a:schemeClr val="accent1">
+                  <a:lumMod val="75000"/>
+                </a:schemeClr>
+              </a:solidFill>
+            </a:endParaRPr>
+          </a:p>
+          <a:p>
+            <a:endParaRPr lang="en-US" dirty="0">
+              <a:solidFill>
+                <a:schemeClr val="accent1">
+                  <a:lumMod val="75000"/>
+                </a:schemeClr>
+              </a:solidFill>
+            </a:endParaRPr>
+          </a:p>
+          <a:p>
+            <a:endParaRPr lang="en-US" dirty="0">
+              <a:solidFill>
+                <a:schemeClr val="accent1">
+                  <a:lumMod val="75000"/>
+                </a:schemeClr>
               </a:solidFill>
             </a:endParaRPr>
           </a:p>
@@ -12842,7 +7855,7 @@
     </p:spTree>
     <p:extLst>
       <p:ext uri="{BB962C8B-B14F-4D97-AF65-F5344CB8AC3E}">
-        <p14:creationId xmlns:p14="http://schemas.microsoft.com/office/powerpoint/2010/main" val="3252012988"/>
+        <p14:creationId xmlns:p14="http://schemas.microsoft.com/office/powerpoint/2010/main" val="864301893"/>
       </p:ext>
     </p:extLst>
   </p:cSld>
@@ -12888,9 +7901,87 @@
         </p:nvSpPr>
         <p:spPr>
           <a:xfrm>
-            <a:off x="838200" y="2057400"/>
-            <a:ext cx="7772400" cy="1825482"/>
+            <a:off x="609600" y="-152400"/>
+            <a:ext cx="7772400" cy="762000"/>
           </a:xfrm>
+        </p:spPr>
+        <p:txBody>
+          <a:bodyPr>
+            <a:normAutofit/>
+          </a:bodyPr>
+          <a:lstStyle/>
+          <a:p>
+            <a:r>
+              <a:rPr lang="en-US" sz="3200" dirty="0" smtClean="0">
+                <a:solidFill>
+                  <a:schemeClr val="accent2">
+                    <a:lumMod val="75000"/>
+                  </a:schemeClr>
+                </a:solidFill>
+              </a:rPr>
+              <a:t>Example</a:t>
+            </a:r>
+            <a:endParaRPr lang="en-US" sz="3200" dirty="0">
+              <a:solidFill>
+                <a:schemeClr val="accent2">
+                  <a:lumMod val="75000"/>
+                </a:schemeClr>
+              </a:solidFill>
+            </a:endParaRPr>
+          </a:p>
+        </p:txBody>
+      </p:sp>
+      <p:sp>
+        <p:nvSpPr>
+          <p:cNvPr id="4" name="Footer Placeholder 3"/>
+          <p:cNvSpPr>
+            <a:spLocks noGrp="1"/>
+          </p:cNvSpPr>
+          <p:nvPr>
+            <p:ph type="ftr" sz="quarter" idx="11"/>
+          </p:nvPr>
+        </p:nvSpPr>
+        <p:spPr>
+          <a:xfrm>
+            <a:off x="3124200" y="6569075"/>
+            <a:ext cx="2895600" cy="365125"/>
+          </a:xfrm>
+        </p:spPr>
+        <p:txBody>
+          <a:bodyPr/>
+          <a:lstStyle/>
+          <a:p>
+            <a:r>
+              <a:rPr lang="en-US" dirty="0" smtClean="0">
+                <a:solidFill>
+                  <a:schemeClr val="accent1"/>
+                </a:solidFill>
+              </a:rPr>
+              <a:t>STT 465, MSU, Fall, 2015</a:t>
+            </a:r>
+            <a:endParaRPr lang="en-US" dirty="0">
+              <a:solidFill>
+                <a:schemeClr val="accent1"/>
+              </a:solidFill>
+            </a:endParaRPr>
+          </a:p>
+        </p:txBody>
+      </p:sp>
+      <p:sp>
+        <p:nvSpPr>
+          <p:cNvPr id="6" name="TextBox 5"/>
+          <p:cNvSpPr txBox="1"/>
+          <p:nvPr/>
+        </p:nvSpPr>
+        <p:spPr>
+          <a:xfrm>
+            <a:off x="381000" y="638174"/>
+            <a:ext cx="8229600" cy="5909311"/>
+          </a:xfrm>
+          <a:prstGeom prst="rect">
+            <a:avLst/>
+          </a:prstGeom>
+          <a:noFill/>
           <a:ln>
             <a:solidFill>
               <a:srgbClr val="800000"/>
@@ -12899,51 +7990,539 @@
           </a:ln>
         </p:spPr>
         <p:txBody>
-          <a:bodyPr>
-            <a:normAutofit/>
+          <a:bodyPr wrap="square" rtlCol="0">
+            <a:spAutoFit/>
           </a:bodyPr>
           <a:lstStyle/>
           <a:p>
-            <a:r>
-              <a:rPr lang="en-US" sz="3200" dirty="0" smtClean="0">
+            <a:endParaRPr lang="en-US" b="1" dirty="0" smtClean="0">
+              <a:solidFill>
+                <a:schemeClr val="accent1">
+                  <a:lumMod val="75000"/>
+                </a:schemeClr>
+              </a:solidFill>
+            </a:endParaRPr>
+          </a:p>
+          <a:p>
+            <a:pPr marL="285750" indent="-285750">
+              <a:buFontTx/>
+              <a:buChar char="-"/>
+            </a:pPr>
+            <a:r>
+              <a:rPr lang="en-US" b="1" dirty="0" smtClean="0">
                 <a:solidFill>
-                  <a:schemeClr val="accent2">
+                  <a:schemeClr val="accent1">
                     <a:lumMod val="75000"/>
                   </a:schemeClr>
                 </a:solidFill>
               </a:rPr>
-              <a:t>Regression with Binary Outcomes</a:t>
-            </a:r>
-          </a:p>
-        </p:txBody>
-      </p:sp>
-      <p:sp>
-        <p:nvSpPr>
-          <p:cNvPr id="4" name="Footer Placeholder 3"/>
-          <p:cNvSpPr>
-            <a:spLocks noGrp="1"/>
-          </p:cNvSpPr>
-          <p:nvPr>
-            <p:ph type="ftr" sz="quarter" idx="11"/>
-          </p:nvPr>
-        </p:nvSpPr>
-        <p:spPr/>
-        <p:txBody>
-          <a:bodyPr/>
-          <a:lstStyle/>
-          <a:p>
-            <a:r>
-              <a:rPr lang="en-US" dirty="0" smtClean="0">
-                <a:solidFill>
-                  <a:schemeClr val="accent1"/>
-                </a:solidFill>
-              </a:rPr>
-              <a:t>STT 465, MSU, Fall, 2015</a:t>
-            </a:r>
+              <a:t>In this example we simulate data using 1000 predictors, out of which only 10 have effects and fit the variable selection model using BGLR.</a:t>
+            </a:r>
+          </a:p>
+          <a:p>
+            <a:pPr marL="285750" indent="-285750">
+              <a:buFontTx/>
+              <a:buChar char="-"/>
+            </a:pPr>
+            <a:endParaRPr lang="en-US" b="1" dirty="0">
+              <a:solidFill>
+                <a:schemeClr val="accent1">
+                  <a:lumMod val="75000"/>
+                </a:schemeClr>
+              </a:solidFill>
+            </a:endParaRPr>
+          </a:p>
+          <a:p>
+            <a:endParaRPr lang="en-US" b="1" dirty="0" smtClean="0">
+              <a:solidFill>
+                <a:schemeClr val="accent1">
+                  <a:lumMod val="75000"/>
+                </a:schemeClr>
+              </a:solidFill>
+            </a:endParaRPr>
+          </a:p>
+          <a:p>
+            <a:endParaRPr lang="en-US" b="1" dirty="0" smtClean="0">
+              <a:solidFill>
+                <a:schemeClr val="accent1">
+                  <a:lumMod val="75000"/>
+                </a:schemeClr>
+              </a:solidFill>
+            </a:endParaRPr>
+          </a:p>
+          <a:p>
+            <a:endParaRPr lang="en-US" b="1" dirty="0" smtClean="0">
+              <a:solidFill>
+                <a:schemeClr val="accent1">
+                  <a:lumMod val="75000"/>
+                </a:schemeClr>
+              </a:solidFill>
+            </a:endParaRPr>
+          </a:p>
+          <a:p>
+            <a:endParaRPr lang="en-US" b="1" dirty="0" smtClean="0">
+              <a:solidFill>
+                <a:schemeClr val="accent1">
+                  <a:lumMod val="75000"/>
+                </a:schemeClr>
+              </a:solidFill>
+            </a:endParaRPr>
+          </a:p>
+          <a:p>
+            <a:endParaRPr lang="en-US" b="1" dirty="0" smtClean="0">
+              <a:solidFill>
+                <a:schemeClr val="accent1">
+                  <a:lumMod val="75000"/>
+                </a:schemeClr>
+              </a:solidFill>
+            </a:endParaRPr>
+          </a:p>
+          <a:p>
+            <a:endParaRPr lang="en-US" b="1" dirty="0" smtClean="0">
+              <a:solidFill>
+                <a:schemeClr val="accent1">
+                  <a:lumMod val="75000"/>
+                </a:schemeClr>
+              </a:solidFill>
+            </a:endParaRPr>
+          </a:p>
+          <a:p>
+            <a:endParaRPr lang="en-US" b="1" dirty="0" smtClean="0">
+              <a:solidFill>
+                <a:schemeClr val="accent1">
+                  <a:lumMod val="75000"/>
+                </a:schemeClr>
+              </a:solidFill>
+            </a:endParaRPr>
+          </a:p>
+          <a:p>
+            <a:endParaRPr lang="en-US" b="1" dirty="0" smtClean="0">
+              <a:solidFill>
+                <a:schemeClr val="accent1">
+                  <a:lumMod val="75000"/>
+                </a:schemeClr>
+              </a:solidFill>
+            </a:endParaRPr>
+          </a:p>
+          <a:p>
+            <a:endParaRPr lang="en-US" b="1" dirty="0" smtClean="0">
+              <a:solidFill>
+                <a:schemeClr val="accent1">
+                  <a:lumMod val="75000"/>
+                </a:schemeClr>
+              </a:solidFill>
+            </a:endParaRPr>
+          </a:p>
+          <a:p>
+            <a:endParaRPr lang="en-US" b="1" dirty="0" smtClean="0">
+              <a:solidFill>
+                <a:schemeClr val="accent1">
+                  <a:lumMod val="75000"/>
+                </a:schemeClr>
+              </a:solidFill>
+            </a:endParaRPr>
+          </a:p>
+          <a:p>
+            <a:endParaRPr lang="en-US" b="1" dirty="0" smtClean="0">
+              <a:solidFill>
+                <a:schemeClr val="accent1">
+                  <a:lumMod val="75000"/>
+                </a:schemeClr>
+              </a:solidFill>
+            </a:endParaRPr>
+          </a:p>
+          <a:p>
+            <a:endParaRPr lang="en-US" b="1" dirty="0" smtClean="0">
+              <a:solidFill>
+                <a:schemeClr val="accent1">
+                  <a:lumMod val="75000"/>
+                </a:schemeClr>
+              </a:solidFill>
+            </a:endParaRPr>
+          </a:p>
+          <a:p>
+            <a:endParaRPr lang="en-US" b="1" dirty="0" smtClean="0">
+              <a:solidFill>
+                <a:schemeClr val="accent1">
+                  <a:lumMod val="75000"/>
+                </a:schemeClr>
+              </a:solidFill>
+            </a:endParaRPr>
+          </a:p>
+          <a:p>
+            <a:endParaRPr lang="en-US" b="1" dirty="0">
+              <a:solidFill>
+                <a:schemeClr val="accent1">
+                  <a:lumMod val="75000"/>
+                </a:schemeClr>
+              </a:solidFill>
+            </a:endParaRPr>
+          </a:p>
+          <a:p>
+            <a:endParaRPr lang="en-US" b="1" dirty="0" smtClean="0">
+              <a:solidFill>
+                <a:schemeClr val="accent1">
+                  <a:lumMod val="75000"/>
+                </a:schemeClr>
+              </a:solidFill>
+            </a:endParaRPr>
+          </a:p>
+          <a:p>
+            <a:endParaRPr lang="en-US" b="1" dirty="0">
+              <a:solidFill>
+                <a:schemeClr val="accent1">
+                  <a:lumMod val="75000"/>
+                </a:schemeClr>
+              </a:solidFill>
+            </a:endParaRPr>
+          </a:p>
+          <a:p>
             <a:endParaRPr lang="en-US" dirty="0">
               <a:solidFill>
-                <a:schemeClr val="accent1"/>
-              </a:solidFill>
+                <a:schemeClr val="accent1">
+                  <a:lumMod val="75000"/>
+                </a:schemeClr>
+              </a:solidFill>
+            </a:endParaRPr>
+          </a:p>
+        </p:txBody>
+      </p:sp>
+      <p:sp>
+        <p:nvSpPr>
+          <p:cNvPr id="3" name="Rectangle 2"/>
+          <p:cNvSpPr/>
+          <p:nvPr/>
+        </p:nvSpPr>
+        <p:spPr>
+          <a:xfrm>
+            <a:off x="533400" y="1676400"/>
+            <a:ext cx="7924800" cy="4770537"/>
+          </a:xfrm>
+          <a:prstGeom prst="rect">
+            <a:avLst/>
+          </a:prstGeom>
+          <a:solidFill>
+            <a:schemeClr val="bg2"/>
+          </a:solidFill>
+        </p:spPr>
+        <p:txBody>
+          <a:bodyPr wrap="square">
+            <a:spAutoFit/>
+          </a:bodyPr>
+          <a:lstStyle/>
+          <a:p>
+            <a:r>
+              <a:rPr lang="en-US" sz="1600" dirty="0" smtClean="0">
+                <a:latin typeface="Courier New"/>
+                <a:cs typeface="Courier New"/>
+              </a:rPr>
+              <a:t>library</a:t>
+            </a:r>
+            <a:r>
+              <a:rPr lang="en-US" sz="1600" dirty="0">
+                <a:latin typeface="Courier New"/>
+                <a:cs typeface="Courier New"/>
+              </a:rPr>
+              <a:t>(BGLR</a:t>
+            </a:r>
+            <a:r>
+              <a:rPr lang="en-US" sz="1600" dirty="0" smtClean="0">
+                <a:latin typeface="Courier New"/>
+                <a:cs typeface="Courier New"/>
+              </a:rPr>
+              <a:t>) ; data</a:t>
+            </a:r>
+            <a:r>
+              <a:rPr lang="en-US" sz="1600" dirty="0">
+                <a:latin typeface="Courier New"/>
+                <a:cs typeface="Courier New"/>
+              </a:rPr>
+              <a:t>(mice)</a:t>
+            </a:r>
+          </a:p>
+          <a:p>
+            <a:r>
+              <a:rPr lang="ro-RO" sz="1600" dirty="0">
+                <a:latin typeface="Courier New"/>
+                <a:cs typeface="Courier New"/>
+              </a:rPr>
+              <a:t>X=mice.X[,1:1000]</a:t>
+            </a:r>
+          </a:p>
+          <a:p>
+            <a:r>
+              <a:rPr lang="ro-RO" sz="1600" dirty="0">
+                <a:latin typeface="Courier New"/>
+                <a:cs typeface="Courier New"/>
+              </a:rPr>
+              <a:t>QTL=seq(from=50,to=950,length=10)</a:t>
+            </a:r>
+          </a:p>
+          <a:p>
+            <a:r>
+              <a:rPr lang="ro-RO" sz="1600" dirty="0" smtClean="0">
+                <a:latin typeface="Courier New"/>
+                <a:cs typeface="Courier New"/>
+              </a:rPr>
+              <a:t>b</a:t>
+            </a:r>
+            <a:r>
+              <a:rPr lang="ro-RO" sz="1600" dirty="0">
+                <a:latin typeface="Courier New"/>
+                <a:cs typeface="Courier New"/>
+              </a:rPr>
+              <a:t>=rep(0,ncol(X)</a:t>
+            </a:r>
+            <a:r>
+              <a:rPr lang="ro-RO" sz="1600" dirty="0" smtClean="0">
+                <a:latin typeface="Courier New"/>
+                <a:cs typeface="Courier New"/>
+              </a:rPr>
+              <a:t>); b</a:t>
+            </a:r>
+            <a:r>
+              <a:rPr lang="ro-RO" sz="1600" dirty="0">
+                <a:latin typeface="Courier New"/>
+                <a:cs typeface="Courier New"/>
+              </a:rPr>
+              <a:t>[QTL]&lt;-1</a:t>
+            </a:r>
+          </a:p>
+          <a:p>
+            <a:r>
+              <a:rPr lang="ro-RO" sz="1600" dirty="0">
+                <a:latin typeface="Courier New"/>
+                <a:cs typeface="Courier New"/>
+              </a:rPr>
+              <a:t>signal&lt;-X%*%b</a:t>
+            </a:r>
+          </a:p>
+          <a:p>
+            <a:r>
+              <a:rPr lang="ro-RO" sz="1600" dirty="0">
+                <a:latin typeface="Courier New"/>
+                <a:cs typeface="Courier New"/>
+              </a:rPr>
+              <a:t>error=rnorm(n=nrow(X),sd=sd(signal))</a:t>
+            </a:r>
+          </a:p>
+          <a:p>
+            <a:r>
+              <a:rPr lang="ro-RO" sz="1600" dirty="0">
+                <a:latin typeface="Courier New"/>
+                <a:cs typeface="Courier New"/>
+              </a:rPr>
+              <a:t>y=error+signal</a:t>
+            </a:r>
+          </a:p>
+          <a:p>
+            <a:endParaRPr lang="ro-RO" sz="1600" dirty="0" smtClean="0">
+              <a:latin typeface="Courier New"/>
+              <a:cs typeface="Courier New"/>
+            </a:endParaRPr>
+          </a:p>
+          <a:p>
+            <a:endParaRPr lang="ro-RO" sz="1600" dirty="0" smtClean="0">
+              <a:latin typeface="Courier New"/>
+              <a:cs typeface="Courier New"/>
+            </a:endParaRPr>
+          </a:p>
+          <a:p>
+            <a:r>
+              <a:rPr lang="ro-RO" sz="1600" dirty="0" smtClean="0">
+                <a:latin typeface="Courier New"/>
+                <a:cs typeface="Courier New"/>
+              </a:rPr>
+              <a:t>fm</a:t>
+            </a:r>
+            <a:r>
+              <a:rPr lang="ro-RO" sz="1600" dirty="0">
+                <a:latin typeface="Courier New"/>
+                <a:cs typeface="Courier New"/>
+              </a:rPr>
+              <a:t>=BGLR(y=y, </a:t>
+            </a:r>
+            <a:r>
+              <a:rPr lang="ro-RO" sz="1600" dirty="0" smtClean="0">
+                <a:latin typeface="Courier New"/>
+                <a:cs typeface="Courier New"/>
+              </a:rPr>
+              <a:t>	ETA</a:t>
+            </a:r>
+            <a:r>
+              <a:rPr lang="ro-RO" sz="1600" dirty="0">
+                <a:latin typeface="Courier New"/>
+                <a:cs typeface="Courier New"/>
+              </a:rPr>
+              <a:t>=list(list( X=X,model='BayesC',saveEffects=T)</a:t>
+            </a:r>
+            <a:r>
+              <a:rPr lang="ro-RO" sz="1600" dirty="0" smtClean="0">
+                <a:latin typeface="Courier New"/>
+                <a:cs typeface="Courier New"/>
+              </a:rPr>
+              <a:t>)</a:t>
+            </a:r>
+          </a:p>
+          <a:p>
+            <a:r>
+              <a:rPr lang="ro-RO" sz="1600" dirty="0">
+                <a:latin typeface="Courier New"/>
+                <a:cs typeface="Courier New"/>
+              </a:rPr>
+              <a:t>	</a:t>
+            </a:r>
+            <a:r>
+              <a:rPr lang="ro-RO" sz="1600" dirty="0" smtClean="0">
+                <a:latin typeface="Courier New"/>
+                <a:cs typeface="Courier New"/>
+              </a:rPr>
+              <a:t>,</a:t>
+            </a:r>
+            <a:r>
+              <a:rPr lang="ro-RO" sz="1600" dirty="0">
+                <a:latin typeface="Courier New"/>
+                <a:cs typeface="Courier New"/>
+              </a:rPr>
+              <a:t>nIter=12000,burnIn=200)</a:t>
+            </a:r>
+          </a:p>
+          <a:p>
+            <a:endParaRPr lang="ro-RO" sz="1600" dirty="0" smtClean="0">
+              <a:latin typeface="Courier New"/>
+              <a:cs typeface="Courier New"/>
+            </a:endParaRPr>
+          </a:p>
+          <a:p>
+            <a:r>
+              <a:rPr lang="ro-RO" sz="1600" dirty="0" smtClean="0">
+                <a:latin typeface="Courier New"/>
+                <a:cs typeface="Courier New"/>
+              </a:rPr>
+              <a:t>plot</a:t>
+            </a:r>
+            <a:r>
+              <a:rPr lang="ro-RO" sz="1600" dirty="0">
+                <a:latin typeface="Courier New"/>
+                <a:cs typeface="Courier New"/>
+              </a:rPr>
+              <a:t>(fm$ETA[[1]]$b,cex=.5,type='o',col=2</a:t>
+            </a:r>
+            <a:r>
+              <a:rPr lang="ro-RO" sz="1600" dirty="0" smtClean="0">
+                <a:latin typeface="Courier New"/>
+                <a:cs typeface="Courier New"/>
+              </a:rPr>
+              <a:t>,</a:t>
+            </a:r>
+          </a:p>
+          <a:p>
+            <a:r>
+              <a:rPr lang="ro-RO" sz="1600" dirty="0">
+                <a:latin typeface="Courier New"/>
+                <a:cs typeface="Courier New"/>
+              </a:rPr>
+              <a:t>	</a:t>
+            </a:r>
+            <a:r>
+              <a:rPr lang="ro-RO" sz="1600" dirty="0" smtClean="0">
+                <a:latin typeface="Courier New"/>
+                <a:cs typeface="Courier New"/>
+              </a:rPr>
+              <a:t>ylab</a:t>
+            </a:r>
+            <a:r>
+              <a:rPr lang="ro-RO" sz="1600" dirty="0">
+                <a:latin typeface="Courier New"/>
+                <a:cs typeface="Courier New"/>
+              </a:rPr>
+              <a:t>='Estimated Effects');abline(v=QTL,col=4)</a:t>
+            </a:r>
+          </a:p>
+          <a:p>
+            <a:endParaRPr lang="ro-RO" sz="1600" dirty="0" smtClean="0">
+              <a:latin typeface="Courier New"/>
+              <a:cs typeface="Courier New"/>
+            </a:endParaRPr>
+          </a:p>
+          <a:p>
+            <a:r>
+              <a:rPr lang="ro-RO" sz="1600" dirty="0" smtClean="0">
+                <a:latin typeface="Courier New"/>
+                <a:cs typeface="Courier New"/>
+              </a:rPr>
+              <a:t>plot</a:t>
+            </a:r>
+            <a:r>
+              <a:rPr lang="ro-RO" sz="1600" dirty="0">
+                <a:latin typeface="Courier New"/>
+                <a:cs typeface="Courier New"/>
+              </a:rPr>
+              <a:t>(fm$ETA[[1]]$d,cex=.5,type='o',col=2</a:t>
+            </a:r>
+            <a:r>
+              <a:rPr lang="ro-RO" sz="1600" dirty="0" smtClean="0">
+                <a:latin typeface="Courier New"/>
+                <a:cs typeface="Courier New"/>
+              </a:rPr>
+              <a:t>, ylab=</a:t>
+            </a:r>
+            <a:r>
+              <a:rPr lang="ro-RO" sz="1600" dirty="0">
+                <a:latin typeface="Courier New"/>
+                <a:cs typeface="Courier New"/>
+              </a:rPr>
+              <a:t>'</a:t>
+            </a:r>
+            <a:r>
+              <a:rPr lang="ro-RO" sz="1600" dirty="0" smtClean="0">
+                <a:latin typeface="Courier New"/>
+                <a:cs typeface="Courier New"/>
+              </a:rPr>
+              <a:t>p(dj=1)'</a:t>
+            </a:r>
+            <a:r>
+              <a:rPr lang="ro-RO" sz="1600" dirty="0">
+                <a:latin typeface="Courier New"/>
+                <a:cs typeface="Courier New"/>
+              </a:rPr>
+              <a:t>)</a:t>
+            </a:r>
+            <a:r>
+              <a:rPr lang="ro-RO" sz="1600" dirty="0" smtClean="0">
+                <a:latin typeface="Courier New"/>
+                <a:cs typeface="Courier New"/>
+              </a:rPr>
+              <a:t>;</a:t>
+            </a:r>
+          </a:p>
+          <a:p>
+            <a:r>
+              <a:rPr lang="ro-RO" sz="1600" dirty="0" smtClean="0">
+                <a:latin typeface="Courier New"/>
+                <a:cs typeface="Courier New"/>
+              </a:rPr>
+              <a:t>       abline</a:t>
+            </a:r>
+            <a:r>
+              <a:rPr lang="ro-RO" sz="1600" dirty="0">
+                <a:latin typeface="Courier New"/>
+                <a:cs typeface="Courier New"/>
+              </a:rPr>
+              <a:t>(v=QTL,col=4</a:t>
+            </a:r>
+            <a:r>
+              <a:rPr lang="ro-RO" sz="1600" dirty="0" smtClean="0">
+                <a:latin typeface="Courier New"/>
+                <a:cs typeface="Courier New"/>
+              </a:rPr>
+              <a:t>)</a:t>
+            </a:r>
+          </a:p>
+          <a:p>
+            <a:endParaRPr lang="ro-RO" sz="1600" dirty="0">
+              <a:latin typeface="Courier New"/>
+              <a:cs typeface="Courier New"/>
             </a:endParaRPr>
           </a:p>
         </p:txBody>
@@ -12951,7 +8530,7 @@
     </p:spTree>
     <p:extLst>
       <p:ext uri="{BB962C8B-B14F-4D97-AF65-F5344CB8AC3E}">
-        <p14:creationId xmlns:p14="http://schemas.microsoft.com/office/powerpoint/2010/main" val="4187999207"/>
+        <p14:creationId xmlns:p14="http://schemas.microsoft.com/office/powerpoint/2010/main" val="243055930"/>
       </p:ext>
     </p:extLst>
   </p:cSld>

--- a/STT465_15.pptx
+++ b/STT465_15.pptx
@@ -5,7 +5,7 @@
     <p:sldMasterId id="2147483648" r:id="rId1"/>
   </p:sldMasterIdLst>
   <p:notesMasterIdLst>
-    <p:notesMasterId r:id="rId11"/>
+    <p:notesMasterId r:id="rId12"/>
   </p:notesMasterIdLst>
   <p:sldIdLst>
     <p:sldId id="338" r:id="rId2"/>
@@ -17,6 +17,7 @@
     <p:sldId id="397" r:id="rId8"/>
     <p:sldId id="391" r:id="rId9"/>
     <p:sldId id="398" r:id="rId10"/>
+    <p:sldId id="399" r:id="rId11"/>
   </p:sldIdLst>
   <p:sldSz cx="9144000" cy="6858000" type="screen4x3"/>
   <p:notesSz cx="6858000" cy="9144000"/>
@@ -547,6 +548,88 @@
               <a:rPr lang="en-US" smtClean="0"/>
               <a:pPr/>
               <a:t>1</a:t>
+            </a:fld>
+            <a:endParaRPr lang="en-US"/>
+          </a:p>
+        </p:txBody>
+      </p:sp>
+    </p:spTree>
+  </p:cSld>
+  <p:clrMapOvr>
+    <a:masterClrMapping/>
+  </p:clrMapOvr>
+</p:notes>
+</file>
+
+<file path=ppt/notesSlides/notesSlide10.xml><?xml version="1.0" encoding="utf-8"?>
+<p:notes xmlns:a="http://schemas.openxmlformats.org/drawingml/2006/main" xmlns:r="http://schemas.openxmlformats.org/officeDocument/2006/relationships" xmlns:p="http://schemas.openxmlformats.org/presentationml/2006/main">
+  <p:cSld>
+    <p:spTree>
+      <p:nvGrpSpPr>
+        <p:cNvPr id="1" name=""/>
+        <p:cNvGrpSpPr/>
+        <p:nvPr/>
+      </p:nvGrpSpPr>
+      <p:grpSpPr>
+        <a:xfrm>
+          <a:off x="0" y="0"/>
+          <a:ext cx="0" cy="0"/>
+          <a:chOff x="0" y="0"/>
+          <a:chExt cx="0" cy="0"/>
+        </a:xfrm>
+      </p:grpSpPr>
+      <p:sp>
+        <p:nvSpPr>
+          <p:cNvPr id="2" name="Slide Image Placeholder 1"/>
+          <p:cNvSpPr>
+            <a:spLocks noGrp="1" noRot="1" noChangeAspect="1"/>
+          </p:cNvSpPr>
+          <p:nvPr>
+            <p:ph type="sldImg"/>
+          </p:nvPr>
+        </p:nvSpPr>
+        <p:spPr/>
+      </p:sp>
+      <p:sp>
+        <p:nvSpPr>
+          <p:cNvPr id="3" name="Notes Placeholder 2"/>
+          <p:cNvSpPr>
+            <a:spLocks noGrp="1"/>
+          </p:cNvSpPr>
+          <p:nvPr>
+            <p:ph type="body" idx="1"/>
+          </p:nvPr>
+        </p:nvSpPr>
+        <p:spPr/>
+        <p:txBody>
+          <a:bodyPr>
+            <a:normAutofit/>
+          </a:bodyPr>
+          <a:lstStyle/>
+          <a:p>
+            <a:endParaRPr lang="en-US" dirty="0"/>
+          </a:p>
+        </p:txBody>
+      </p:sp>
+      <p:sp>
+        <p:nvSpPr>
+          <p:cNvPr id="4" name="Slide Number Placeholder 3"/>
+          <p:cNvSpPr>
+            <a:spLocks noGrp="1"/>
+          </p:cNvSpPr>
+          <p:nvPr>
+            <p:ph type="sldNum" sz="quarter" idx="10"/>
+          </p:nvPr>
+        </p:nvSpPr>
+        <p:spPr/>
+        <p:txBody>
+          <a:bodyPr/>
+          <a:lstStyle/>
+          <a:p>
+            <a:fld id="{CACBEE2F-8C26-493F-9430-82D1D1B7C623}" type="slidenum">
+              <a:rPr lang="en-US" smtClean="0"/>
+              <a:pPr/>
+              <a:t>10</a:t>
             </a:fld>
             <a:endParaRPr lang="en-US"/>
           </a:p>
@@ -4301,8 +4384,101 @@
                   </a:schemeClr>
                 </a:solidFill>
               </a:rPr>
-              <a:t>Variable </a:t>
-            </a:r>
+              <a:t>Variable Selection in Multiple Linear Regression </a:t>
+            </a:r>
+          </a:p>
+        </p:txBody>
+      </p:sp>
+      <p:sp>
+        <p:nvSpPr>
+          <p:cNvPr id="4" name="Footer Placeholder 3"/>
+          <p:cNvSpPr>
+            <a:spLocks noGrp="1"/>
+          </p:cNvSpPr>
+          <p:nvPr>
+            <p:ph type="ftr" sz="quarter" idx="11"/>
+          </p:nvPr>
+        </p:nvSpPr>
+        <p:spPr/>
+        <p:txBody>
+          <a:bodyPr/>
+          <a:lstStyle/>
+          <a:p>
+            <a:r>
+              <a:rPr lang="en-US" dirty="0" smtClean="0">
+                <a:solidFill>
+                  <a:schemeClr val="accent1"/>
+                </a:solidFill>
+              </a:rPr>
+              <a:t>STT 465, MSU, Fall, 2015</a:t>
+            </a:r>
+            <a:endParaRPr lang="en-US" dirty="0">
+              <a:solidFill>
+                <a:schemeClr val="accent1"/>
+              </a:solidFill>
+            </a:endParaRPr>
+          </a:p>
+        </p:txBody>
+      </p:sp>
+    </p:spTree>
+    <p:extLst>
+      <p:ext uri="{BB962C8B-B14F-4D97-AF65-F5344CB8AC3E}">
+        <p14:creationId xmlns:p14="http://schemas.microsoft.com/office/powerpoint/2010/main" val="577598476"/>
+      </p:ext>
+    </p:extLst>
+  </p:cSld>
+  <p:clrMapOvr>
+    <a:masterClrMapping/>
+  </p:clrMapOvr>
+  <p:timing>
+    <p:tnLst>
+      <p:par>
+        <p:cTn xmlns:p14="http://schemas.microsoft.com/office/powerpoint/2010/main" id="1" dur="indefinite" restart="never" nodeType="tmRoot"/>
+      </p:par>
+    </p:tnLst>
+  </p:timing>
+</p:sld>
+</file>
+
+<file path=ppt/slides/slide10.xml><?xml version="1.0" encoding="utf-8"?>
+<p:sld xmlns:a="http://schemas.openxmlformats.org/drawingml/2006/main" xmlns:r="http://schemas.openxmlformats.org/officeDocument/2006/relationships" xmlns:p="http://schemas.openxmlformats.org/presentationml/2006/main">
+  <p:cSld>
+    <p:spTree>
+      <p:nvGrpSpPr>
+        <p:cNvPr id="1" name=""/>
+        <p:cNvGrpSpPr/>
+        <p:nvPr/>
+      </p:nvGrpSpPr>
+      <p:grpSpPr>
+        <a:xfrm>
+          <a:off x="0" y="0"/>
+          <a:ext cx="0" cy="0"/>
+          <a:chOff x="0" y="0"/>
+          <a:chExt cx="0" cy="0"/>
+        </a:xfrm>
+      </p:grpSpPr>
+      <p:sp>
+        <p:nvSpPr>
+          <p:cNvPr id="2" name="Title 1"/>
+          <p:cNvSpPr>
+            <a:spLocks noGrp="1"/>
+          </p:cNvSpPr>
+          <p:nvPr>
+            <p:ph type="ctrTitle"/>
+          </p:nvPr>
+        </p:nvSpPr>
+        <p:spPr>
+          <a:xfrm>
+            <a:off x="609600" y="-152400"/>
+            <a:ext cx="7772400" cy="762000"/>
+          </a:xfrm>
+        </p:spPr>
+        <p:txBody>
+          <a:bodyPr>
+            <a:normAutofit/>
+          </a:bodyPr>
+          <a:lstStyle/>
+          <a:p>
             <a:r>
               <a:rPr lang="en-US" sz="3200" dirty="0" smtClean="0">
                 <a:solidFill>
@@ -4311,19 +4487,9 @@
                   </a:schemeClr>
                 </a:solidFill>
               </a:rPr>
-              <a:t>Selection in Multiple Linear </a:t>
-            </a:r>
-            <a:r>
-              <a:rPr lang="en-US" sz="3200" dirty="0" smtClean="0">
-                <a:solidFill>
-                  <a:schemeClr val="accent2">
-                    <a:lumMod val="75000"/>
-                  </a:schemeClr>
-                </a:solidFill>
-              </a:rPr>
-              <a:t>Regression </a:t>
-            </a:r>
-            <a:endParaRPr lang="en-US" sz="3200" dirty="0" smtClean="0">
+              <a:t>Final project</a:t>
+            </a:r>
+            <a:endParaRPr lang="en-US" sz="3200" dirty="0">
               <a:solidFill>
                 <a:schemeClr val="accent2">
                   <a:lumMod val="75000"/>
@@ -4343,7 +4509,12 @@
             <p:ph type="ftr" sz="quarter" idx="11"/>
           </p:nvPr>
         </p:nvSpPr>
-        <p:spPr/>
+        <p:spPr>
+          <a:xfrm>
+            <a:off x="3124200" y="6569075"/>
+            <a:ext cx="2895600" cy="365125"/>
+          </a:xfrm>
+        </p:spPr>
         <p:txBody>
           <a:bodyPr/>
           <a:lstStyle/>
@@ -4364,10 +4535,353 @@
           </a:p>
         </p:txBody>
       </p:sp>
+      <p:sp>
+        <p:nvSpPr>
+          <p:cNvPr id="6" name="TextBox 5"/>
+          <p:cNvSpPr txBox="1"/>
+          <p:nvPr/>
+        </p:nvSpPr>
+        <p:spPr>
+          <a:xfrm>
+            <a:off x="381000" y="638174"/>
+            <a:ext cx="8229600" cy="5632312"/>
+          </a:xfrm>
+          <a:prstGeom prst="rect">
+            <a:avLst/>
+          </a:prstGeom>
+          <a:noFill/>
+          <a:ln>
+            <a:solidFill>
+              <a:srgbClr val="800000"/>
+            </a:solidFill>
+            <a:prstDash val="sysDash"/>
+          </a:ln>
+        </p:spPr>
+        <p:txBody>
+          <a:bodyPr wrap="square" rtlCol="0">
+            <a:spAutoFit/>
+          </a:bodyPr>
+          <a:lstStyle/>
+          <a:p>
+            <a:endParaRPr lang="en-US" dirty="0" smtClean="0">
+              <a:solidFill>
+                <a:schemeClr val="accent1">
+                  <a:lumMod val="75000"/>
+                </a:schemeClr>
+              </a:solidFill>
+            </a:endParaRPr>
+          </a:p>
+          <a:p>
+            <a:pPr marL="285750" indent="-285750">
+              <a:buFontTx/>
+              <a:buChar char="-"/>
+            </a:pPr>
+            <a:r>
+              <a:rPr lang="en-US" dirty="0" smtClean="0">
+                <a:solidFill>
+                  <a:schemeClr val="accent1">
+                    <a:lumMod val="75000"/>
+                  </a:schemeClr>
+                </a:solidFill>
+              </a:rPr>
+              <a:t>Be sure to read the entry corresponding to your project in </a:t>
+            </a:r>
+            <a:r>
+              <a:rPr lang="en-US" dirty="0" err="1" smtClean="0">
+                <a:solidFill>
+                  <a:schemeClr val="accent1">
+                    <a:lumMod val="75000"/>
+                  </a:schemeClr>
+                </a:solidFill>
+              </a:rPr>
+              <a:t>github</a:t>
+            </a:r>
+            <a:endParaRPr lang="en-US" dirty="0" smtClean="0">
+              <a:solidFill>
+                <a:schemeClr val="accent1">
+                  <a:lumMod val="75000"/>
+                </a:schemeClr>
+              </a:solidFill>
+            </a:endParaRPr>
+          </a:p>
+          <a:p>
+            <a:pPr marL="742950" lvl="1" indent="-285750">
+              <a:buFontTx/>
+              <a:buChar char="-"/>
+            </a:pPr>
+            <a:r>
+              <a:rPr lang="en-US" dirty="0" smtClean="0">
+                <a:solidFill>
+                  <a:schemeClr val="accent1">
+                    <a:lumMod val="75000"/>
+                  </a:schemeClr>
+                </a:solidFill>
+              </a:rPr>
+              <a:t>Identify the main goal (your conclusion needs to be focus on this)</a:t>
+            </a:r>
+          </a:p>
+          <a:p>
+            <a:pPr marL="742950" lvl="1" indent="-285750">
+              <a:buFontTx/>
+              <a:buChar char="-"/>
+            </a:pPr>
+            <a:r>
+              <a:rPr lang="en-US" dirty="0" smtClean="0">
+                <a:solidFill>
+                  <a:schemeClr val="accent1">
+                    <a:lumMod val="75000"/>
+                  </a:schemeClr>
+                </a:solidFill>
+              </a:rPr>
+              <a:t>Identify what you are supposed to report.</a:t>
+            </a:r>
+          </a:p>
+          <a:p>
+            <a:pPr marL="742950" lvl="1" indent="-285750">
+              <a:buFontTx/>
+              <a:buChar char="-"/>
+            </a:pPr>
+            <a:r>
+              <a:rPr lang="en-US" dirty="0" smtClean="0">
+                <a:solidFill>
+                  <a:schemeClr val="accent1">
+                    <a:lumMod val="75000"/>
+                  </a:schemeClr>
+                </a:solidFill>
+              </a:rPr>
+              <a:t>Identify how each of the tasks or expected outcomes relate to the main goal.</a:t>
+            </a:r>
+          </a:p>
+          <a:p>
+            <a:pPr lvl="1"/>
+            <a:endParaRPr lang="en-US" dirty="0" smtClean="0">
+              <a:solidFill>
+                <a:schemeClr val="accent1">
+                  <a:lumMod val="75000"/>
+                </a:schemeClr>
+              </a:solidFill>
+            </a:endParaRPr>
+          </a:p>
+          <a:p>
+            <a:pPr marL="285750" indent="-285750">
+              <a:buFontTx/>
+              <a:buChar char="-"/>
+            </a:pPr>
+            <a:r>
+              <a:rPr lang="en-US" dirty="0" smtClean="0">
+                <a:solidFill>
+                  <a:schemeClr val="accent1">
+                    <a:lumMod val="75000"/>
+                  </a:schemeClr>
+                </a:solidFill>
+              </a:rPr>
+              <a:t>Be sure you understand the analysis you are conductin</a:t>
+            </a:r>
+            <a:r>
+              <a:rPr lang="en-US" dirty="0" smtClean="0">
+                <a:solidFill>
+                  <a:schemeClr val="accent1">
+                    <a:lumMod val="75000"/>
+                  </a:schemeClr>
+                </a:solidFill>
+              </a:rPr>
+              <a:t>g</a:t>
+            </a:r>
+          </a:p>
+          <a:p>
+            <a:pPr marL="285750" indent="-285750">
+              <a:buFontTx/>
+              <a:buChar char="-"/>
+            </a:pPr>
+            <a:r>
+              <a:rPr lang="en-US" dirty="0" smtClean="0">
+                <a:solidFill>
+                  <a:schemeClr val="accent1">
+                    <a:lumMod val="75000"/>
+                  </a:schemeClr>
+                </a:solidFill>
+              </a:rPr>
+              <a:t>Present an easy-to-read neat report.</a:t>
+            </a:r>
+          </a:p>
+          <a:p>
+            <a:pPr marL="285750" indent="-285750">
+              <a:buFontTx/>
+              <a:buChar char="-"/>
+            </a:pPr>
+            <a:r>
+              <a:rPr lang="en-US" dirty="0" smtClean="0">
+                <a:solidFill>
+                  <a:schemeClr val="accent1">
+                    <a:lumMod val="75000"/>
+                  </a:schemeClr>
+                </a:solidFill>
+              </a:rPr>
+              <a:t>Presentation should not be longer than 10 minutes.</a:t>
+            </a:r>
+          </a:p>
+          <a:p>
+            <a:pPr marL="285750" indent="-285750">
+              <a:buFontTx/>
+              <a:buChar char="-"/>
+            </a:pPr>
+            <a:r>
+              <a:rPr lang="en-US" dirty="0" smtClean="0">
+                <a:solidFill>
+                  <a:schemeClr val="accent1">
+                    <a:lumMod val="75000"/>
+                  </a:schemeClr>
+                </a:solidFill>
+              </a:rPr>
+              <a:t>In your slides describe: (</a:t>
+            </a:r>
+            <a:r>
+              <a:rPr lang="en-US" dirty="0" err="1" smtClean="0">
+                <a:solidFill>
+                  <a:schemeClr val="accent1">
+                    <a:lumMod val="75000"/>
+                  </a:schemeClr>
+                </a:solidFill>
+              </a:rPr>
+              <a:t>i</a:t>
+            </a:r>
+            <a:r>
+              <a:rPr lang="en-US" dirty="0" smtClean="0">
+                <a:solidFill>
+                  <a:schemeClr val="accent1">
+                    <a:lumMod val="75000"/>
+                  </a:schemeClr>
+                </a:solidFill>
+              </a:rPr>
+              <a:t>) the problem, (ii) the objective, (iii) the data, (iv) how you analyzed it, (</a:t>
+            </a:r>
+            <a:r>
+              <a:rPr lang="en-US" dirty="0" smtClean="0">
+                <a:solidFill>
+                  <a:schemeClr val="accent1">
+                    <a:lumMod val="75000"/>
+                  </a:schemeClr>
+                </a:solidFill>
+              </a:rPr>
+              <a:t>v) results, (vi) conclusions.</a:t>
+            </a:r>
+          </a:p>
+          <a:p>
+            <a:pPr marL="285750" indent="-285750">
+              <a:buFontTx/>
+              <a:buChar char="-"/>
+            </a:pPr>
+            <a:r>
+              <a:rPr lang="en-US" dirty="0" smtClean="0">
+                <a:solidFill>
+                  <a:schemeClr val="accent1">
+                    <a:lumMod val="75000"/>
+                  </a:schemeClr>
+                </a:solidFill>
+              </a:rPr>
+              <a:t>Practice your presentation at least 5 times to be sure you can fit it</a:t>
+            </a:r>
+            <a:r>
+              <a:rPr lang="en-US" smtClean="0">
+                <a:solidFill>
+                  <a:schemeClr val="accent1">
+                    <a:lumMod val="75000"/>
+                  </a:schemeClr>
+                </a:solidFill>
+              </a:rPr>
+              <a:t>, without </a:t>
+            </a:r>
+            <a:r>
+              <a:rPr lang="en-US" dirty="0" smtClean="0">
+                <a:solidFill>
+                  <a:schemeClr val="accent1">
+                    <a:lumMod val="75000"/>
+                  </a:schemeClr>
+                </a:solidFill>
+              </a:rPr>
+              <a:t>rushing in 10 minutes</a:t>
+            </a:r>
+            <a:endParaRPr lang="en-US" dirty="0" smtClean="0">
+              <a:solidFill>
+                <a:schemeClr val="accent1">
+                  <a:lumMod val="75000"/>
+                </a:schemeClr>
+              </a:solidFill>
+            </a:endParaRPr>
+          </a:p>
+          <a:p>
+            <a:pPr marL="285750" indent="-285750">
+              <a:buFontTx/>
+              <a:buChar char="-"/>
+            </a:pPr>
+            <a:endParaRPr lang="en-US" b="1" dirty="0">
+              <a:solidFill>
+                <a:schemeClr val="accent1">
+                  <a:lumMod val="75000"/>
+                </a:schemeClr>
+              </a:solidFill>
+            </a:endParaRPr>
+          </a:p>
+          <a:p>
+            <a:endParaRPr lang="en-US" b="1" dirty="0" smtClean="0">
+              <a:solidFill>
+                <a:schemeClr val="accent1">
+                  <a:lumMod val="75000"/>
+                </a:schemeClr>
+              </a:solidFill>
+            </a:endParaRPr>
+          </a:p>
+          <a:p>
+            <a:endParaRPr lang="en-US" b="1" dirty="0" smtClean="0">
+              <a:solidFill>
+                <a:schemeClr val="accent1">
+                  <a:lumMod val="75000"/>
+                </a:schemeClr>
+              </a:solidFill>
+            </a:endParaRPr>
+          </a:p>
+          <a:p>
+            <a:endParaRPr lang="en-US" b="1" dirty="0" smtClean="0">
+              <a:solidFill>
+                <a:schemeClr val="accent1">
+                  <a:lumMod val="75000"/>
+                </a:schemeClr>
+              </a:solidFill>
+            </a:endParaRPr>
+          </a:p>
+          <a:p>
+            <a:endParaRPr lang="en-US" b="1" dirty="0" smtClean="0">
+              <a:solidFill>
+                <a:schemeClr val="accent1">
+                  <a:lumMod val="75000"/>
+                </a:schemeClr>
+              </a:solidFill>
+            </a:endParaRPr>
+          </a:p>
+          <a:p>
+            <a:endParaRPr lang="en-US" b="1" dirty="0">
+              <a:solidFill>
+                <a:schemeClr val="accent1">
+                  <a:lumMod val="75000"/>
+                </a:schemeClr>
+              </a:solidFill>
+            </a:endParaRPr>
+          </a:p>
+          <a:p>
+            <a:endParaRPr lang="en-US" dirty="0">
+              <a:solidFill>
+                <a:schemeClr val="accent1">
+                  <a:lumMod val="75000"/>
+                </a:schemeClr>
+              </a:solidFill>
+            </a:endParaRPr>
+          </a:p>
+        </p:txBody>
+      </p:sp>
     </p:spTree>
     <p:extLst>
       <p:ext uri="{BB962C8B-B14F-4D97-AF65-F5344CB8AC3E}">
-        <p14:creationId xmlns:p14="http://schemas.microsoft.com/office/powerpoint/2010/main" val="577598476"/>
+        <p14:creationId xmlns:p14="http://schemas.microsoft.com/office/powerpoint/2010/main" val="3801347650"/>
       </p:ext>
     </p:extLst>
   </p:cSld>
@@ -4819,7 +5333,7 @@
           <a:graphicData uri="http://schemas.openxmlformats.org/presentationml/2006/ole">
             <mc:AlternateContent xmlns:mc="http://schemas.openxmlformats.org/markup-compatibility/2006">
               <mc:Choice xmlns:v="urn:schemas-microsoft-com:vml" Requires="v">
-                <p:oleObj spid="_x0000_s1117" name="Equation" r:id="rId4" imgW="1193800" imgH="330200" progId="Equation.3">
+                <p:oleObj spid="_x0000_s1122" name="Equation" r:id="rId4" imgW="1193800" imgH="330200" progId="Equation.3">
                   <p:embed/>
                 </p:oleObj>
               </mc:Choice>
@@ -4876,7 +5390,7 @@
           <a:graphicData uri="http://schemas.openxmlformats.org/presentationml/2006/ole">
             <mc:AlternateContent xmlns:mc="http://schemas.openxmlformats.org/markup-compatibility/2006">
               <mc:Choice xmlns:v="urn:schemas-microsoft-com:vml" Requires="v">
-                <p:oleObj spid="_x0000_s1118" name="Equation" r:id="rId6" imgW="558800" imgH="228600" progId="Equation.3">
+                <p:oleObj spid="_x0000_s1123" name="Equation" r:id="rId6" imgW="558800" imgH="228600" progId="Equation.3">
                   <p:embed/>
                 </p:oleObj>
               </mc:Choice>
@@ -4933,7 +5447,7 @@
           <a:graphicData uri="http://schemas.openxmlformats.org/presentationml/2006/ole">
             <mc:AlternateContent xmlns:mc="http://schemas.openxmlformats.org/markup-compatibility/2006">
               <mc:Choice xmlns:v="urn:schemas-microsoft-com:vml" Requires="v">
-                <p:oleObj spid="_x0000_s1119" name="Equation" r:id="rId8" imgW="1104900" imgH="317500" progId="Equation.3">
+                <p:oleObj spid="_x0000_s1124" name="Equation" r:id="rId8" imgW="1104900" imgH="317500" progId="Equation.3">
                   <p:embed/>
                 </p:oleObj>
               </mc:Choice>
@@ -4990,7 +5504,7 @@
           <a:graphicData uri="http://schemas.openxmlformats.org/presentationml/2006/ole">
             <mc:AlternateContent xmlns:mc="http://schemas.openxmlformats.org/markup-compatibility/2006">
               <mc:Choice xmlns:v="urn:schemas-microsoft-com:vml" Requires="v">
-                <p:oleObj spid="_x0000_s1120" name="Equation" r:id="rId10" imgW="850900" imgH="342900" progId="Equation.3">
+                <p:oleObj spid="_x0000_s1125" name="Equation" r:id="rId10" imgW="850900" imgH="342900" progId="Equation.3">
                   <p:embed/>
                 </p:oleObj>
               </mc:Choice>
@@ -5059,11 +5573,6 @@
               </a:rPr>
               <a:t>Next, we will discuss a Gibbs sampler for this model.</a:t>
             </a:r>
-            <a:endParaRPr lang="en-US" sz="2400" dirty="0" smtClean="0">
-              <a:solidFill>
-                <a:schemeClr val="tx2"/>
-              </a:solidFill>
-            </a:endParaRPr>
           </a:p>
           <a:p>
             <a:endParaRPr lang="en-US" sz="2400" dirty="0" smtClean="0">
@@ -5413,7 +5922,7 @@
           <a:graphicData uri="http://schemas.openxmlformats.org/presentationml/2006/ole">
             <mc:AlternateContent xmlns:mc="http://schemas.openxmlformats.org/markup-compatibility/2006">
               <mc:Choice xmlns:v="urn:schemas-microsoft-com:vml" Requires="v">
-                <p:oleObj spid="_x0000_s85019" name="Equation" r:id="rId4" imgW="1193800" imgH="330200" progId="Equation.3">
+                <p:oleObj spid="_x0000_s85024" name="Equation" r:id="rId4" imgW="1193800" imgH="330200" progId="Equation.3">
                   <p:embed/>
                 </p:oleObj>
               </mc:Choice>
@@ -5470,7 +5979,7 @@
           <a:graphicData uri="http://schemas.openxmlformats.org/presentationml/2006/ole">
             <mc:AlternateContent xmlns:mc="http://schemas.openxmlformats.org/markup-compatibility/2006">
               <mc:Choice xmlns:v="urn:schemas-microsoft-com:vml" Requires="v">
-                <p:oleObj spid="_x0000_s85020" name="Equation" r:id="rId6" imgW="825500" imgH="342900" progId="Equation.3">
+                <p:oleObj spid="_x0000_s85025" name="Equation" r:id="rId6" imgW="825500" imgH="342900" progId="Equation.3">
                   <p:embed/>
                 </p:oleObj>
               </mc:Choice>
@@ -5527,7 +6036,7 @@
           <a:graphicData uri="http://schemas.openxmlformats.org/presentationml/2006/ole">
             <mc:AlternateContent xmlns:mc="http://schemas.openxmlformats.org/markup-compatibility/2006">
               <mc:Choice xmlns:v="urn:schemas-microsoft-com:vml" Requires="v">
-                <p:oleObj spid="_x0000_s85021" name="Equation" r:id="rId8" imgW="2032000" imgH="762000" progId="Equation.3">
+                <p:oleObj spid="_x0000_s85026" name="Equation" r:id="rId8" imgW="2032000" imgH="762000" progId="Equation.3">
                   <p:embed/>
                 </p:oleObj>
               </mc:Choice>
@@ -5622,7 +6131,7 @@
           <a:graphicData uri="http://schemas.openxmlformats.org/presentationml/2006/ole">
             <mc:AlternateContent xmlns:mc="http://schemas.openxmlformats.org/markup-compatibility/2006">
               <mc:Choice xmlns:v="urn:schemas-microsoft-com:vml" Requires="v">
-                <p:oleObj spid="_x0000_s85022" name="Equation" r:id="rId10" imgW="4114800" imgH="787400" progId="Equation.3">
+                <p:oleObj spid="_x0000_s85027" name="Equation" r:id="rId10" imgW="4114800" imgH="787400" progId="Equation.3">
                   <p:embed/>
                 </p:oleObj>
               </mc:Choice>
@@ -5996,7 +6505,7 @@
           <a:graphicData uri="http://schemas.openxmlformats.org/presentationml/2006/ole">
             <mc:AlternateContent xmlns:mc="http://schemas.openxmlformats.org/markup-compatibility/2006">
               <mc:Choice xmlns:v="urn:schemas-microsoft-com:vml" Requires="v">
-                <p:oleObj spid="_x0000_s98308" name="Equation" r:id="rId4" imgW="3543300" imgH="1397000" progId="Equation.3">
+                <p:oleObj spid="_x0000_s98310" name="Equation" r:id="rId4" imgW="3543300" imgH="1397000" progId="Equation.3">
                   <p:embed/>
                 </p:oleObj>
               </mc:Choice>
@@ -6370,7 +6879,7 @@
           <a:graphicData uri="http://schemas.openxmlformats.org/presentationml/2006/ole">
             <mc:AlternateContent xmlns:mc="http://schemas.openxmlformats.org/markup-compatibility/2006">
               <mc:Choice xmlns:v="urn:schemas-microsoft-com:vml" Requires="v">
-                <p:oleObj spid="_x0000_s99341" name="Equation" r:id="rId4" imgW="3263900" imgH="1016000" progId="Equation.3">
+                <p:oleObj spid="_x0000_s99345" name="Equation" r:id="rId4" imgW="3263900" imgH="1016000" progId="Equation.3">
                   <p:embed/>
                 </p:oleObj>
               </mc:Choice>
@@ -6427,7 +6936,7 @@
           <a:graphicData uri="http://schemas.openxmlformats.org/presentationml/2006/ole">
             <mc:AlternateContent xmlns:mc="http://schemas.openxmlformats.org/markup-compatibility/2006">
               <mc:Choice xmlns:v="urn:schemas-microsoft-com:vml" Requires="v">
-                <p:oleObj spid="_x0000_s99342" name="Equation" r:id="rId6" imgW="2717800" imgH="1016000" progId="Equation.3">
+                <p:oleObj spid="_x0000_s99346" name="Equation" r:id="rId6" imgW="2717800" imgH="1016000" progId="Equation.3">
                   <p:embed/>
                 </p:oleObj>
               </mc:Choice>
@@ -6484,7 +6993,7 @@
           <a:graphicData uri="http://schemas.openxmlformats.org/presentationml/2006/ole">
             <mc:AlternateContent xmlns:mc="http://schemas.openxmlformats.org/markup-compatibility/2006">
               <mc:Choice xmlns:v="urn:schemas-microsoft-com:vml" Requires="v">
-                <p:oleObj spid="_x0000_s99343" name="Equation" r:id="rId8" imgW="2819400" imgH="1016000" progId="Equation.3">
+                <p:oleObj spid="_x0000_s99347" name="Equation" r:id="rId8" imgW="2819400" imgH="1016000" progId="Equation.3">
                   <p:embed/>
                 </p:oleObj>
               </mc:Choice>
@@ -6858,7 +7367,7 @@
           <a:graphicData uri="http://schemas.openxmlformats.org/presentationml/2006/ole">
             <mc:AlternateContent xmlns:mc="http://schemas.openxmlformats.org/markup-compatibility/2006">
               <mc:Choice xmlns:v="urn:schemas-microsoft-com:vml" Requires="v">
-                <p:oleObj spid="_x0000_s100356" name="Equation" r:id="rId4" imgW="4521200" imgH="1981200" progId="Equation.3">
+                <p:oleObj spid="_x0000_s100358" name="Equation" r:id="rId4" imgW="4521200" imgH="1981200" progId="Equation.3">
                   <p:embed/>
                 </p:oleObj>
               </mc:Choice>
@@ -7232,7 +7741,7 @@
           <a:graphicData uri="http://schemas.openxmlformats.org/presentationml/2006/ole">
             <mc:AlternateContent xmlns:mc="http://schemas.openxmlformats.org/markup-compatibility/2006">
               <mc:Choice xmlns:v="urn:schemas-microsoft-com:vml" Requires="v">
-                <p:oleObj spid="_x0000_s101384" name="Equation" r:id="rId4" imgW="3238500" imgH="1016000" progId="Equation.3">
+                <p:oleObj spid="_x0000_s101388" name="Equation" r:id="rId4" imgW="3238500" imgH="1016000" progId="Equation.3">
                   <p:embed/>
                 </p:oleObj>
               </mc:Choice>
@@ -7368,7 +7877,7 @@
           <a:graphicData uri="http://schemas.openxmlformats.org/presentationml/2006/ole">
             <mc:AlternateContent xmlns:mc="http://schemas.openxmlformats.org/markup-compatibility/2006">
               <mc:Choice xmlns:v="urn:schemas-microsoft-com:vml" Requires="v">
-                <p:oleObj spid="_x0000_s101385" name="Equation" r:id="rId6" imgW="2425700" imgH="774700" progId="Equation.3">
+                <p:oleObj spid="_x0000_s101389" name="Equation" r:id="rId6" imgW="2425700" imgH="774700" progId="Equation.3">
                   <p:embed/>
                 </p:oleObj>
               </mc:Choice>
@@ -7504,7 +8013,7 @@
           <a:graphicData uri="http://schemas.openxmlformats.org/presentationml/2006/ole">
             <mc:AlternateContent xmlns:mc="http://schemas.openxmlformats.org/markup-compatibility/2006">
               <mc:Choice xmlns:v="urn:schemas-microsoft-com:vml" Requires="v">
-                <p:oleObj spid="_x0000_s101386" name="Equation" r:id="rId8" imgW="3162300" imgH="1016000" progId="Equation.3">
+                <p:oleObj spid="_x0000_s101390" name="Equation" r:id="rId8" imgW="3162300" imgH="1016000" progId="Equation.3">
                   <p:embed/>
                 </p:oleObj>
               </mc:Choice>
@@ -7765,17 +8274,7 @@
                   </a:schemeClr>
                 </a:solidFill>
               </a:rPr>
-              <a:t>Variances have the same fully conditionals as those </a:t>
-            </a:r>
-            <a:r>
-              <a:rPr lang="en-US" sz="2000" dirty="0" smtClean="0">
-                <a:solidFill>
-                  <a:schemeClr val="accent1">
-                    <a:lumMod val="75000"/>
-                  </a:schemeClr>
-                </a:solidFill>
-              </a:rPr>
-              <a:t>of the standard multiple linear regression model.</a:t>
+              <a:t>Variances have the same fully conditionals as those of the standard multiple linear regression model.</a:t>
             </a:r>
           </a:p>
           <a:p>
